--- a/흐름도.pptx
+++ b/흐름도.pptx
@@ -104,6 +104,11 @@
       </a:defRPr>
     </a:lvl9pPr>
   </p:defaultTextStyle>
+  <p:extLst>
+    <p:ext uri="{EFAFB233-063F-42B5-8137-9DF3F51BA10A}">
+      <p15:sldGuideLst xmlns:p15="http://schemas.microsoft.com/office/powerpoint/2012/main"/>
+    </p:ext>
+  </p:extLst>
 </p:presentation>
 </file>
 
@@ -238,7 +243,7 @@
           <a:p>
             <a:fld id="{F04BCF61-BBED-4DC7-B344-F2E5734B06BA}" type="datetimeFigureOut">
               <a:rPr lang="ko-KR" altLang="en-US" smtClean="0"/>
-              <a:t>2023-12-08</a:t>
+              <a:t>2023-12-09</a:t>
             </a:fld>
             <a:endParaRPr lang="ko-KR" altLang="en-US"/>
           </a:p>
@@ -408,7 +413,7 @@
           <a:p>
             <a:fld id="{F04BCF61-BBED-4DC7-B344-F2E5734B06BA}" type="datetimeFigureOut">
               <a:rPr lang="ko-KR" altLang="en-US" smtClean="0"/>
-              <a:t>2023-12-08</a:t>
+              <a:t>2023-12-09</a:t>
             </a:fld>
             <a:endParaRPr lang="ko-KR" altLang="en-US"/>
           </a:p>
@@ -588,7 +593,7 @@
           <a:p>
             <a:fld id="{F04BCF61-BBED-4DC7-B344-F2E5734B06BA}" type="datetimeFigureOut">
               <a:rPr lang="ko-KR" altLang="en-US" smtClean="0"/>
-              <a:t>2023-12-08</a:t>
+              <a:t>2023-12-09</a:t>
             </a:fld>
             <a:endParaRPr lang="ko-KR" altLang="en-US"/>
           </a:p>
@@ -758,7 +763,7 @@
           <a:p>
             <a:fld id="{F04BCF61-BBED-4DC7-B344-F2E5734B06BA}" type="datetimeFigureOut">
               <a:rPr lang="ko-KR" altLang="en-US" smtClean="0"/>
-              <a:t>2023-12-08</a:t>
+              <a:t>2023-12-09</a:t>
             </a:fld>
             <a:endParaRPr lang="ko-KR" altLang="en-US"/>
           </a:p>
@@ -1002,7 +1007,7 @@
           <a:p>
             <a:fld id="{F04BCF61-BBED-4DC7-B344-F2E5734B06BA}" type="datetimeFigureOut">
               <a:rPr lang="ko-KR" altLang="en-US" smtClean="0"/>
-              <a:t>2023-12-08</a:t>
+              <a:t>2023-12-09</a:t>
             </a:fld>
             <a:endParaRPr lang="ko-KR" altLang="en-US"/>
           </a:p>
@@ -1234,7 +1239,7 @@
           <a:p>
             <a:fld id="{F04BCF61-BBED-4DC7-B344-F2E5734B06BA}" type="datetimeFigureOut">
               <a:rPr lang="ko-KR" altLang="en-US" smtClean="0"/>
-              <a:t>2023-12-08</a:t>
+              <a:t>2023-12-09</a:t>
             </a:fld>
             <a:endParaRPr lang="ko-KR" altLang="en-US"/>
           </a:p>
@@ -1601,7 +1606,7 @@
           <a:p>
             <a:fld id="{F04BCF61-BBED-4DC7-B344-F2E5734B06BA}" type="datetimeFigureOut">
               <a:rPr lang="ko-KR" altLang="en-US" smtClean="0"/>
-              <a:t>2023-12-08</a:t>
+              <a:t>2023-12-09</a:t>
             </a:fld>
             <a:endParaRPr lang="ko-KR" altLang="en-US"/>
           </a:p>
@@ -1719,7 +1724,7 @@
           <a:p>
             <a:fld id="{F04BCF61-BBED-4DC7-B344-F2E5734B06BA}" type="datetimeFigureOut">
               <a:rPr lang="ko-KR" altLang="en-US" smtClean="0"/>
-              <a:t>2023-12-08</a:t>
+              <a:t>2023-12-09</a:t>
             </a:fld>
             <a:endParaRPr lang="ko-KR" altLang="en-US"/>
           </a:p>
@@ -1814,7 +1819,7 @@
           <a:p>
             <a:fld id="{F04BCF61-BBED-4DC7-B344-F2E5734B06BA}" type="datetimeFigureOut">
               <a:rPr lang="ko-KR" altLang="en-US" smtClean="0"/>
-              <a:t>2023-12-08</a:t>
+              <a:t>2023-12-09</a:t>
             </a:fld>
             <a:endParaRPr lang="ko-KR" altLang="en-US"/>
           </a:p>
@@ -2091,7 +2096,7 @@
           <a:p>
             <a:fld id="{F04BCF61-BBED-4DC7-B344-F2E5734B06BA}" type="datetimeFigureOut">
               <a:rPr lang="ko-KR" altLang="en-US" smtClean="0"/>
-              <a:t>2023-12-08</a:t>
+              <a:t>2023-12-09</a:t>
             </a:fld>
             <a:endParaRPr lang="ko-KR" altLang="en-US"/>
           </a:p>
@@ -2348,7 +2353,7 @@
           <a:p>
             <a:fld id="{F04BCF61-BBED-4DC7-B344-F2E5734B06BA}" type="datetimeFigureOut">
               <a:rPr lang="ko-KR" altLang="en-US" smtClean="0"/>
-              <a:t>2023-12-08</a:t>
+              <a:t>2023-12-09</a:t>
             </a:fld>
             <a:endParaRPr lang="ko-KR" altLang="en-US"/>
           </a:p>
@@ -2561,7 +2566,7 @@
           <a:p>
             <a:fld id="{F04BCF61-BBED-4DC7-B344-F2E5734B06BA}" type="datetimeFigureOut">
               <a:rPr lang="ko-KR" altLang="en-US" smtClean="0"/>
-              <a:t>2023-12-08</a:t>
+              <a:t>2023-12-09</a:t>
             </a:fld>
             <a:endParaRPr lang="ko-KR" altLang="en-US"/>
           </a:p>
@@ -2966,63 +2971,12 @@
           <a:chExt cx="0" cy="0"/>
         </a:xfrm>
       </p:grpSpPr>
-      <p:sp>
-        <p:nvSpPr>
-          <p:cNvPr id="4" name="순서도: 수행의 시작/종료 3">
+      <p:grpSp>
+        <p:nvGrpSpPr>
+          <p:cNvPr id="28" name="그룹 27">
             <a:extLst>
               <a:ext uri="{FF2B5EF4-FFF2-40B4-BE49-F238E27FC236}">
-                <a16:creationId xmlns:a16="http://schemas.microsoft.com/office/drawing/2014/main" id="{42317410-01DF-171E-D8A9-F7D078067664}"/>
-              </a:ext>
-            </a:extLst>
-          </p:cNvPr>
-          <p:cNvSpPr/>
-          <p:nvPr/>
-        </p:nvSpPr>
-        <p:spPr>
-          <a:xfrm>
-            <a:off x="487680" y="254000"/>
-            <a:ext cx="1940560" cy="320040"/>
-          </a:xfrm>
-          <a:prstGeom prst="flowChartTerminator">
-            <a:avLst/>
-          </a:prstGeom>
-        </p:spPr>
-        <p:style>
-          <a:lnRef idx="2">
-            <a:schemeClr val="accent1">
-              <a:shade val="15000"/>
-            </a:schemeClr>
-          </a:lnRef>
-          <a:fillRef idx="1">
-            <a:schemeClr val="accent1"/>
-          </a:fillRef>
-          <a:effectRef idx="0">
-            <a:schemeClr val="accent1"/>
-          </a:effectRef>
-          <a:fontRef idx="minor">
-            <a:schemeClr val="lt1"/>
-          </a:fontRef>
-        </p:style>
-        <p:txBody>
-          <a:bodyPr wrap="none" rtlCol="0" anchor="ctr">
-            <a:normAutofit fontScale="70000" lnSpcReduction="20000"/>
-          </a:bodyPr>
-          <a:lstStyle/>
-          <a:p>
-            <a:pPr algn="ctr"/>
-            <a:r>
-              <a:rPr lang="ko-KR" altLang="en-US" sz="1400"/>
-              <a:t>시작</a:t>
-            </a:r>
-          </a:p>
-        </p:txBody>
-      </p:sp>
-      <p:grpSp>
-        <p:nvGrpSpPr>
-          <p:cNvPr id="7" name="그룹 6">
-            <a:extLst>
-              <a:ext uri="{FF2B5EF4-FFF2-40B4-BE49-F238E27FC236}">
-                <a16:creationId xmlns:a16="http://schemas.microsoft.com/office/drawing/2014/main" id="{53993A46-1531-EC35-C2DD-9C2270AD14A8}"/>
+                <a16:creationId xmlns:a16="http://schemas.microsoft.com/office/drawing/2014/main" id="{72FFCED2-9028-2819-E49D-2CBE36E377B0}"/>
               </a:ext>
             </a:extLst>
           </p:cNvPr>
@@ -3031,18 +2985,18 @@
         </p:nvGrpSpPr>
         <p:grpSpPr>
           <a:xfrm>
-            <a:off x="398780" y="726440"/>
-            <a:ext cx="2118360" cy="1229360"/>
-            <a:chOff x="398780" y="1021080"/>
-            <a:chExt cx="2118360" cy="1229360"/>
+            <a:off x="375920" y="255837"/>
+            <a:ext cx="4460240" cy="7604193"/>
+            <a:chOff x="375920" y="255837"/>
+            <a:chExt cx="4460240" cy="7604193"/>
           </a:xfrm>
         </p:grpSpPr>
         <p:sp>
           <p:nvSpPr>
-            <p:cNvPr id="5" name="순서도: 처리 4">
+            <p:cNvPr id="4" name="순서도: 수행의 시작/종료 3">
               <a:extLst>
                 <a:ext uri="{FF2B5EF4-FFF2-40B4-BE49-F238E27FC236}">
-                  <a16:creationId xmlns:a16="http://schemas.microsoft.com/office/drawing/2014/main" id="{F5E25DEA-C012-E5A0-8AB9-C4955AA12BCB}"/>
+                  <a16:creationId xmlns:a16="http://schemas.microsoft.com/office/drawing/2014/main" id="{42317410-01DF-171E-D8A9-F7D078067664}"/>
                 </a:ext>
               </a:extLst>
             </p:cNvPr>
@@ -3051,10 +3005,2090 @@
           </p:nvSpPr>
           <p:spPr>
             <a:xfrm>
-              <a:off x="398780" y="1148080"/>
-              <a:ext cx="2118360" cy="1102360"/>
+              <a:off x="520700" y="255837"/>
+              <a:ext cx="1940560" cy="320040"/>
+            </a:xfrm>
+            <a:prstGeom prst="flowChartTerminator">
+              <a:avLst/>
+            </a:prstGeom>
+          </p:spPr>
+          <p:style>
+            <a:lnRef idx="2">
+              <a:schemeClr val="accent1">
+                <a:shade val="15000"/>
+              </a:schemeClr>
+            </a:lnRef>
+            <a:fillRef idx="1">
+              <a:schemeClr val="accent1"/>
+            </a:fillRef>
+            <a:effectRef idx="0">
+              <a:schemeClr val="accent1"/>
+            </a:effectRef>
+            <a:fontRef idx="minor">
+              <a:schemeClr val="lt1"/>
+            </a:fontRef>
+          </p:style>
+          <p:txBody>
+            <a:bodyPr wrap="none" rtlCol="0" anchor="ctr">
+              <a:normAutofit fontScale="70000" lnSpcReduction="20000"/>
+            </a:bodyPr>
+            <a:lstStyle/>
+            <a:p>
+              <a:pPr algn="ctr"/>
+              <a:r>
+                <a:rPr lang="ko-KR" altLang="en-US" sz="1400" dirty="0">
+                  <a:solidFill>
+                    <a:schemeClr val="tx1"/>
+                  </a:solidFill>
+                </a:rPr>
+                <a:t>시작</a:t>
+              </a:r>
+            </a:p>
+          </p:txBody>
+        </p:sp>
+        <p:grpSp>
+          <p:nvGrpSpPr>
+            <p:cNvPr id="7" name="그룹 6">
+              <a:extLst>
+                <a:ext uri="{FF2B5EF4-FFF2-40B4-BE49-F238E27FC236}">
+                  <a16:creationId xmlns:a16="http://schemas.microsoft.com/office/drawing/2014/main" id="{53993A46-1531-EC35-C2DD-9C2270AD14A8}"/>
+                </a:ext>
+              </a:extLst>
+            </p:cNvPr>
+            <p:cNvGrpSpPr/>
+            <p:nvPr/>
+          </p:nvGrpSpPr>
+          <p:grpSpPr>
+            <a:xfrm>
+              <a:off x="398780" y="726440"/>
+              <a:ext cx="2118360" cy="1229360"/>
+              <a:chOff x="398780" y="1021080"/>
+              <a:chExt cx="2118360" cy="1229360"/>
+            </a:xfrm>
+          </p:grpSpPr>
+          <p:sp>
+            <p:nvSpPr>
+              <p:cNvPr id="5" name="순서도: 처리 4">
+                <a:extLst>
+                  <a:ext uri="{FF2B5EF4-FFF2-40B4-BE49-F238E27FC236}">
+                    <a16:creationId xmlns:a16="http://schemas.microsoft.com/office/drawing/2014/main" id="{F5E25DEA-C012-E5A0-8AB9-C4955AA12BCB}"/>
+                  </a:ext>
+                </a:extLst>
+              </p:cNvPr>
+              <p:cNvSpPr/>
+              <p:nvPr/>
+            </p:nvSpPr>
+            <p:spPr>
+              <a:xfrm>
+                <a:off x="398780" y="1148080"/>
+                <a:ext cx="2118360" cy="1102360"/>
+              </a:xfrm>
+              <a:prstGeom prst="flowChartProcess">
+                <a:avLst/>
+              </a:prstGeom>
+            </p:spPr>
+            <p:style>
+              <a:lnRef idx="2">
+                <a:schemeClr val="dk1"/>
+              </a:lnRef>
+              <a:fillRef idx="1">
+                <a:schemeClr val="lt1"/>
+              </a:fillRef>
+              <a:effectRef idx="0">
+                <a:schemeClr val="dk1"/>
+              </a:effectRef>
+              <a:fontRef idx="minor">
+                <a:schemeClr val="dk1"/>
+              </a:fontRef>
+            </p:style>
+            <p:txBody>
+              <a:bodyPr wrap="none" rtlCol="0" anchor="ctr">
+                <a:normAutofit/>
+              </a:bodyPr>
+              <a:lstStyle/>
+              <a:p>
+                <a:pPr algn="ctr"/>
+                <a:endParaRPr lang="ko-KR" altLang="en-US" sz="1400">
+                  <a:solidFill>
+                    <a:schemeClr val="tx1"/>
+                  </a:solidFill>
+                </a:endParaRPr>
+              </a:p>
+            </p:txBody>
+          </p:sp>
+          <p:sp>
+            <p:nvSpPr>
+              <p:cNvPr id="6" name="순서도: 처리 5">
+                <a:extLst>
+                  <a:ext uri="{FF2B5EF4-FFF2-40B4-BE49-F238E27FC236}">
+                    <a16:creationId xmlns:a16="http://schemas.microsoft.com/office/drawing/2014/main" id="{3BEC61EC-E2F3-EF65-5400-DE06AC149197}"/>
+                  </a:ext>
+                </a:extLst>
+              </p:cNvPr>
+              <p:cNvSpPr/>
+              <p:nvPr/>
+            </p:nvSpPr>
+            <p:spPr>
+              <a:xfrm>
+                <a:off x="487680" y="1021080"/>
+                <a:ext cx="675640" cy="289560"/>
+              </a:xfrm>
+              <a:prstGeom prst="flowChartProcess">
+                <a:avLst/>
+              </a:prstGeom>
+            </p:spPr>
+            <p:style>
+              <a:lnRef idx="2">
+                <a:schemeClr val="dk1"/>
+              </a:lnRef>
+              <a:fillRef idx="1">
+                <a:schemeClr val="lt1"/>
+              </a:fillRef>
+              <a:effectRef idx="0">
+                <a:schemeClr val="dk1"/>
+              </a:effectRef>
+              <a:fontRef idx="minor">
+                <a:schemeClr val="dk1"/>
+              </a:fontRef>
+            </p:style>
+            <p:txBody>
+              <a:bodyPr wrap="none" rtlCol="0" anchor="ctr">
+                <a:normAutofit lnSpcReduction="10000"/>
+              </a:bodyPr>
+              <a:lstStyle/>
+              <a:p>
+                <a:pPr algn="ctr"/>
+                <a:r>
+                  <a:rPr lang="ko-KR" altLang="en-US" sz="1400">
+                    <a:solidFill>
+                      <a:schemeClr val="tx1"/>
+                    </a:solidFill>
+                  </a:rPr>
+                  <a:t>로비</a:t>
+                </a:r>
+              </a:p>
+            </p:txBody>
+          </p:sp>
+        </p:grpSp>
+        <p:grpSp>
+          <p:nvGrpSpPr>
+            <p:cNvPr id="8" name="그룹 7">
+              <a:extLst>
+                <a:ext uri="{FF2B5EF4-FFF2-40B4-BE49-F238E27FC236}">
+                  <a16:creationId xmlns:a16="http://schemas.microsoft.com/office/drawing/2014/main" id="{446780BD-3E68-1AFB-1E0A-1AC0252A321A}"/>
+                </a:ext>
+              </a:extLst>
+            </p:cNvPr>
+            <p:cNvGrpSpPr/>
+            <p:nvPr/>
+          </p:nvGrpSpPr>
+          <p:grpSpPr>
+            <a:xfrm>
+              <a:off x="375920" y="2045970"/>
+              <a:ext cx="2118360" cy="5814060"/>
+              <a:chOff x="398780" y="925830"/>
+              <a:chExt cx="2118360" cy="5814060"/>
+            </a:xfrm>
+          </p:grpSpPr>
+          <p:sp>
+            <p:nvSpPr>
+              <p:cNvPr id="9" name="순서도: 처리 8">
+                <a:extLst>
+                  <a:ext uri="{FF2B5EF4-FFF2-40B4-BE49-F238E27FC236}">
+                    <a16:creationId xmlns:a16="http://schemas.microsoft.com/office/drawing/2014/main" id="{8A4209AB-23B0-3091-DB3A-074CF8B00A82}"/>
+                  </a:ext>
+                </a:extLst>
+              </p:cNvPr>
+              <p:cNvSpPr/>
+              <p:nvPr/>
+            </p:nvSpPr>
+            <p:spPr>
+              <a:xfrm>
+                <a:off x="398780" y="1065530"/>
+                <a:ext cx="2118360" cy="5674360"/>
+              </a:xfrm>
+              <a:prstGeom prst="flowChartProcess">
+                <a:avLst/>
+              </a:prstGeom>
+            </p:spPr>
+            <p:style>
+              <a:lnRef idx="2">
+                <a:schemeClr val="dk1"/>
+              </a:lnRef>
+              <a:fillRef idx="1">
+                <a:schemeClr val="lt1"/>
+              </a:fillRef>
+              <a:effectRef idx="0">
+                <a:schemeClr val="dk1"/>
+              </a:effectRef>
+              <a:fontRef idx="minor">
+                <a:schemeClr val="dk1"/>
+              </a:fontRef>
+            </p:style>
+            <p:txBody>
+              <a:bodyPr wrap="none" rtlCol="0" anchor="ctr">
+                <a:normAutofit/>
+              </a:bodyPr>
+              <a:lstStyle/>
+              <a:p>
+                <a:pPr algn="ctr"/>
+                <a:endParaRPr lang="ko-KR" altLang="en-US" sz="1400" dirty="0">
+                  <a:solidFill>
+                    <a:schemeClr val="tx1"/>
+                  </a:solidFill>
+                </a:endParaRPr>
+              </a:p>
+            </p:txBody>
+          </p:sp>
+          <p:sp>
+            <p:nvSpPr>
+              <p:cNvPr id="10" name="순서도: 처리 9">
+                <a:extLst>
+                  <a:ext uri="{FF2B5EF4-FFF2-40B4-BE49-F238E27FC236}">
+                    <a16:creationId xmlns:a16="http://schemas.microsoft.com/office/drawing/2014/main" id="{B92EA284-A330-60FF-B786-DC57F4EA0A19}"/>
+                  </a:ext>
+                </a:extLst>
+              </p:cNvPr>
+              <p:cNvSpPr/>
+              <p:nvPr/>
+            </p:nvSpPr>
+            <p:spPr>
+              <a:xfrm>
+                <a:off x="487680" y="925830"/>
+                <a:ext cx="675640" cy="279400"/>
+              </a:xfrm>
+              <a:prstGeom prst="flowChartProcess">
+                <a:avLst/>
+              </a:prstGeom>
+            </p:spPr>
+            <p:style>
+              <a:lnRef idx="2">
+                <a:schemeClr val="dk1"/>
+              </a:lnRef>
+              <a:fillRef idx="1">
+                <a:schemeClr val="lt1"/>
+              </a:fillRef>
+              <a:effectRef idx="0">
+                <a:schemeClr val="dk1"/>
+              </a:effectRef>
+              <a:fontRef idx="minor">
+                <a:schemeClr val="dk1"/>
+              </a:fontRef>
+            </p:style>
+            <p:txBody>
+              <a:bodyPr wrap="none" rtlCol="0" anchor="ctr">
+                <a:normAutofit fontScale="92500" lnSpcReduction="10000"/>
+              </a:bodyPr>
+              <a:lstStyle/>
+              <a:p>
+                <a:pPr algn="ctr"/>
+                <a:r>
+                  <a:rPr lang="ko-KR" altLang="en-US" sz="1400" dirty="0">
+                    <a:solidFill>
+                      <a:schemeClr val="tx1"/>
+                    </a:solidFill>
+                  </a:rPr>
+                  <a:t>유저</a:t>
+                </a:r>
+                <a:endParaRPr lang="en-US" altLang="ko-KR" sz="1400" dirty="0">
+                  <a:solidFill>
+                    <a:schemeClr val="tx1"/>
+                  </a:solidFill>
+                </a:endParaRPr>
+              </a:p>
+            </p:txBody>
+          </p:sp>
+        </p:grpSp>
+        <p:sp>
+          <p:nvSpPr>
+            <p:cNvPr id="11" name="순서도: 데이터 10">
+              <a:extLst>
+                <a:ext uri="{FF2B5EF4-FFF2-40B4-BE49-F238E27FC236}">
+                  <a16:creationId xmlns:a16="http://schemas.microsoft.com/office/drawing/2014/main" id="{F839E9F4-4C7A-3F69-6069-FFB672AFE45A}"/>
+                </a:ext>
+              </a:extLst>
+            </p:cNvPr>
+            <p:cNvSpPr/>
+            <p:nvPr/>
+          </p:nvSpPr>
+          <p:spPr>
+            <a:xfrm>
+              <a:off x="553720" y="1165860"/>
+              <a:ext cx="1874520" cy="500380"/>
+            </a:xfrm>
+            <a:prstGeom prst="flowChartInputOutput">
+              <a:avLst/>
+            </a:prstGeom>
+          </p:spPr>
+          <p:style>
+            <a:lnRef idx="2">
+              <a:schemeClr val="accent2">
+                <a:shade val="15000"/>
+              </a:schemeClr>
+            </a:lnRef>
+            <a:fillRef idx="1">
+              <a:schemeClr val="accent2"/>
+            </a:fillRef>
+            <a:effectRef idx="0">
+              <a:schemeClr val="accent2"/>
+            </a:effectRef>
+            <a:fontRef idx="minor">
+              <a:schemeClr val="lt1"/>
+            </a:fontRef>
+          </p:style>
+          <p:txBody>
+            <a:bodyPr wrap="none" rtlCol="0" anchor="ctr">
+              <a:normAutofit/>
+            </a:bodyPr>
+            <a:lstStyle/>
+            <a:p>
+              <a:pPr algn="ctr"/>
+              <a:r>
+                <a:rPr lang="ko-KR" altLang="en-US" sz="1400" dirty="0">
+                  <a:solidFill>
+                    <a:schemeClr val="tx1"/>
+                  </a:solidFill>
+                </a:rPr>
+                <a:t>검색할 유저 닉네임 입력</a:t>
+              </a:r>
+            </a:p>
+          </p:txBody>
+        </p:sp>
+        <p:grpSp>
+          <p:nvGrpSpPr>
+            <p:cNvPr id="15" name="그룹 14">
+              <a:extLst>
+                <a:ext uri="{FF2B5EF4-FFF2-40B4-BE49-F238E27FC236}">
+                  <a16:creationId xmlns:a16="http://schemas.microsoft.com/office/drawing/2014/main" id="{C0D5A51F-508D-8B0B-B74C-BAF505573225}"/>
+                </a:ext>
+              </a:extLst>
+            </p:cNvPr>
+            <p:cNvGrpSpPr/>
+            <p:nvPr/>
+          </p:nvGrpSpPr>
+          <p:grpSpPr>
+            <a:xfrm>
+              <a:off x="3550920" y="1068070"/>
+              <a:ext cx="1000760" cy="695960"/>
+              <a:chOff x="2890520" y="924560"/>
+              <a:chExt cx="1000760" cy="695960"/>
+            </a:xfrm>
+          </p:grpSpPr>
+          <p:sp>
+            <p:nvSpPr>
+              <p:cNvPr id="14" name="직사각형 13">
+                <a:extLst>
+                  <a:ext uri="{FF2B5EF4-FFF2-40B4-BE49-F238E27FC236}">
+                    <a16:creationId xmlns:a16="http://schemas.microsoft.com/office/drawing/2014/main" id="{27EF5B85-5392-4263-CBB9-16F7170F1A01}"/>
+                  </a:ext>
+                </a:extLst>
+              </p:cNvPr>
+              <p:cNvSpPr/>
+              <p:nvPr/>
+            </p:nvSpPr>
+            <p:spPr>
+              <a:xfrm>
+                <a:off x="2890520" y="924560"/>
+                <a:ext cx="1000760" cy="695960"/>
+              </a:xfrm>
+              <a:prstGeom prst="rect">
+                <a:avLst/>
+              </a:prstGeom>
+            </p:spPr>
+            <p:style>
+              <a:lnRef idx="2">
+                <a:schemeClr val="accent2">
+                  <a:shade val="15000"/>
+                </a:schemeClr>
+              </a:lnRef>
+              <a:fillRef idx="1">
+                <a:schemeClr val="accent2"/>
+              </a:fillRef>
+              <a:effectRef idx="0">
+                <a:schemeClr val="accent2"/>
+              </a:effectRef>
+              <a:fontRef idx="minor">
+                <a:schemeClr val="lt1"/>
+              </a:fontRef>
+            </p:style>
+            <p:txBody>
+              <a:bodyPr wrap="none" rtlCol="0" anchor="ctr">
+                <a:normAutofit/>
+              </a:bodyPr>
+              <a:lstStyle/>
+              <a:p>
+                <a:pPr algn="r"/>
+                <a:r>
+                  <a:rPr lang="en-US" altLang="ko-KR" dirty="0">
+                    <a:solidFill>
+                      <a:schemeClr val="tx1"/>
+                    </a:solidFill>
+                  </a:rPr>
+                  <a:t>API</a:t>
+                </a:r>
+                <a:endParaRPr lang="ko-KR" altLang="en-US" dirty="0">
+                  <a:solidFill>
+                    <a:schemeClr val="tx1"/>
+                  </a:solidFill>
+                </a:endParaRPr>
+              </a:p>
+            </p:txBody>
+          </p:sp>
+          <p:pic>
+            <p:nvPicPr>
+              <p:cNvPr id="13" name="그림 12">
+                <a:extLst>
+                  <a:ext uri="{FF2B5EF4-FFF2-40B4-BE49-F238E27FC236}">
+                    <a16:creationId xmlns:a16="http://schemas.microsoft.com/office/drawing/2014/main" id="{5DEEBA33-CFD2-847A-4168-CEAB173BF6BA}"/>
+                  </a:ext>
+                </a:extLst>
+              </p:cNvPr>
+              <p:cNvPicPr>
+                <a:picLocks noChangeAspect="1"/>
+              </p:cNvPicPr>
+              <p:nvPr/>
+            </p:nvPicPr>
+            <p:blipFill>
+              <a:blip r:embed="rId2">
+                <a:extLst>
+                  <a:ext uri="{28A0092B-C50C-407E-A947-70E740481C1C}">
+                    <a14:useLocalDpi xmlns:a14="http://schemas.microsoft.com/office/drawing/2010/main" val="0"/>
+                  </a:ext>
+                </a:extLst>
+              </a:blip>
+              <a:stretch>
+                <a:fillRect/>
+              </a:stretch>
+            </p:blipFill>
+            <p:spPr>
+              <a:xfrm>
+                <a:off x="2951734" y="970787"/>
+                <a:ext cx="477266" cy="576321"/>
+              </a:xfrm>
+              <a:prstGeom prst="rect">
+                <a:avLst/>
+              </a:prstGeom>
+            </p:spPr>
+            <p:style>
+              <a:lnRef idx="2">
+                <a:schemeClr val="accent2">
+                  <a:shade val="15000"/>
+                </a:schemeClr>
+              </a:lnRef>
+              <a:fillRef idx="1">
+                <a:schemeClr val="accent2"/>
+              </a:fillRef>
+              <a:effectRef idx="0">
+                <a:schemeClr val="accent2"/>
+              </a:effectRef>
+              <a:fontRef idx="minor">
+                <a:schemeClr val="lt1"/>
+              </a:fontRef>
+            </p:style>
+          </p:pic>
+        </p:grpSp>
+        <p:cxnSp>
+          <p:nvCxnSpPr>
+            <p:cNvPr id="17" name="직선 화살표 연결선 16">
+              <a:extLst>
+                <a:ext uri="{FF2B5EF4-FFF2-40B4-BE49-F238E27FC236}">
+                  <a16:creationId xmlns:a16="http://schemas.microsoft.com/office/drawing/2014/main" id="{AF13839A-A7E4-7534-9ACD-98C5BC412327}"/>
+                </a:ext>
+              </a:extLst>
+            </p:cNvPr>
+            <p:cNvCxnSpPr>
+              <a:cxnSpLocks/>
+              <a:stCxn id="11" idx="5"/>
+              <a:endCxn id="14" idx="1"/>
+            </p:cNvCxnSpPr>
+            <p:nvPr/>
+          </p:nvCxnSpPr>
+          <p:spPr>
+            <a:xfrm>
+              <a:off x="2240788" y="1416050"/>
+              <a:ext cx="1310132" cy="0"/>
+            </a:xfrm>
+            <a:prstGeom prst="straightConnector1">
+              <a:avLst/>
+            </a:prstGeom>
+            <a:ln w="57150">
+              <a:tailEnd type="triangle"/>
+            </a:ln>
+          </p:spPr>
+          <p:style>
+            <a:lnRef idx="1">
+              <a:schemeClr val="accent1"/>
+            </a:lnRef>
+            <a:fillRef idx="0">
+              <a:schemeClr val="accent1"/>
+            </a:fillRef>
+            <a:effectRef idx="0">
+              <a:schemeClr val="accent1"/>
+            </a:effectRef>
+            <a:fontRef idx="minor">
+              <a:schemeClr val="tx1"/>
+            </a:fontRef>
+          </p:style>
+        </p:cxnSp>
+        <p:sp>
+          <p:nvSpPr>
+            <p:cNvPr id="19" name="타원 18">
+              <a:extLst>
+                <a:ext uri="{FF2B5EF4-FFF2-40B4-BE49-F238E27FC236}">
+                  <a16:creationId xmlns:a16="http://schemas.microsoft.com/office/drawing/2014/main" id="{3182E211-0B51-A554-B714-2B3D38E67B87}"/>
+                </a:ext>
+              </a:extLst>
+            </p:cNvPr>
+            <p:cNvSpPr/>
+            <p:nvPr/>
+          </p:nvSpPr>
+          <p:spPr>
+            <a:xfrm>
+              <a:off x="1437615" y="3327717"/>
+              <a:ext cx="858774" cy="358137"/>
+            </a:xfrm>
+            <a:prstGeom prst="ellipse">
+              <a:avLst/>
+            </a:prstGeom>
+          </p:spPr>
+          <p:style>
+            <a:lnRef idx="2">
+              <a:schemeClr val="accent2">
+                <a:shade val="15000"/>
+              </a:schemeClr>
+            </a:lnRef>
+            <a:fillRef idx="1">
+              <a:schemeClr val="accent2"/>
+            </a:fillRef>
+            <a:effectRef idx="0">
+              <a:schemeClr val="accent2"/>
+            </a:effectRef>
+            <a:fontRef idx="minor">
+              <a:schemeClr val="lt1"/>
+            </a:fontRef>
+          </p:style>
+          <p:txBody>
+            <a:bodyPr wrap="none" rtlCol="0" anchor="ctr">
+              <a:normAutofit lnSpcReduction="10000"/>
+            </a:bodyPr>
+            <a:lstStyle/>
+            <a:p>
+              <a:pPr algn="ctr"/>
+              <a:r>
+                <a:rPr lang="ko-KR" altLang="en-US" sz="1100" dirty="0">
+                  <a:solidFill>
+                    <a:schemeClr val="tx1"/>
+                  </a:solidFill>
+                </a:rPr>
+                <a:t>유저</a:t>
+              </a:r>
+              <a:r>
+                <a:rPr lang="en-US" altLang="ko-KR" sz="1100" dirty="0">
+                  <a:solidFill>
+                    <a:schemeClr val="tx1"/>
+                  </a:solidFill>
+                </a:rPr>
+                <a:t>ID</a:t>
+              </a:r>
+              <a:endParaRPr lang="ko-KR" altLang="en-US" sz="1100" dirty="0">
+                <a:solidFill>
+                  <a:schemeClr val="tx1"/>
+                </a:solidFill>
+              </a:endParaRPr>
+            </a:p>
+          </p:txBody>
+        </p:sp>
+        <p:cxnSp>
+          <p:nvCxnSpPr>
+            <p:cNvPr id="21" name="연결선: 꺾임 20">
+              <a:extLst>
+                <a:ext uri="{FF2B5EF4-FFF2-40B4-BE49-F238E27FC236}">
+                  <a16:creationId xmlns:a16="http://schemas.microsoft.com/office/drawing/2014/main" id="{8C625713-3691-2B27-D4EE-7EBF5E75F764}"/>
+                </a:ext>
+              </a:extLst>
+            </p:cNvPr>
+            <p:cNvCxnSpPr>
+              <a:cxnSpLocks/>
+              <a:stCxn id="14" idx="2"/>
+              <a:endCxn id="19" idx="0"/>
+            </p:cNvCxnSpPr>
+            <p:nvPr/>
+          </p:nvCxnSpPr>
+          <p:spPr>
+            <a:xfrm rot="5400000">
+              <a:off x="2177308" y="1453724"/>
+              <a:ext cx="1563687" cy="2184298"/>
+            </a:xfrm>
+            <a:prstGeom prst="bentConnector3">
+              <a:avLst>
+                <a:gd name="adj1" fmla="val 20761"/>
+              </a:avLst>
+            </a:prstGeom>
+            <a:ln w="57150">
+              <a:solidFill>
+                <a:srgbClr val="ED7D31"/>
+              </a:solidFill>
+              <a:tailEnd type="triangle"/>
+            </a:ln>
+          </p:spPr>
+          <p:style>
+            <a:lnRef idx="1">
+              <a:schemeClr val="accent1"/>
+            </a:lnRef>
+            <a:fillRef idx="0">
+              <a:schemeClr val="accent1"/>
+            </a:fillRef>
+            <a:effectRef idx="0">
+              <a:schemeClr val="accent1"/>
+            </a:effectRef>
+            <a:fontRef idx="minor">
+              <a:schemeClr val="tx1"/>
+            </a:fontRef>
+          </p:style>
+        </p:cxnSp>
+        <p:grpSp>
+          <p:nvGrpSpPr>
+            <p:cNvPr id="23" name="그룹 22">
+              <a:extLst>
+                <a:ext uri="{FF2B5EF4-FFF2-40B4-BE49-F238E27FC236}">
+                  <a16:creationId xmlns:a16="http://schemas.microsoft.com/office/drawing/2014/main" id="{FDED2CC5-D077-D73A-39AB-41C057DE9620}"/>
+                </a:ext>
+              </a:extLst>
+            </p:cNvPr>
+            <p:cNvGrpSpPr/>
+            <p:nvPr/>
+          </p:nvGrpSpPr>
+          <p:grpSpPr>
+            <a:xfrm>
+              <a:off x="3550920" y="3158806"/>
+              <a:ext cx="1000760" cy="695960"/>
+              <a:chOff x="2890520" y="924560"/>
+              <a:chExt cx="1000760" cy="695960"/>
+            </a:xfrm>
+          </p:grpSpPr>
+          <p:sp>
+            <p:nvSpPr>
+              <p:cNvPr id="24" name="직사각형 23">
+                <a:extLst>
+                  <a:ext uri="{FF2B5EF4-FFF2-40B4-BE49-F238E27FC236}">
+                    <a16:creationId xmlns:a16="http://schemas.microsoft.com/office/drawing/2014/main" id="{3C0BEE33-121B-8377-F71F-948A00058209}"/>
+                  </a:ext>
+                </a:extLst>
+              </p:cNvPr>
+              <p:cNvSpPr/>
+              <p:nvPr/>
+            </p:nvSpPr>
+            <p:spPr>
+              <a:xfrm>
+                <a:off x="2890520" y="924560"/>
+                <a:ext cx="1000760" cy="695960"/>
+              </a:xfrm>
+              <a:prstGeom prst="rect">
+                <a:avLst/>
+              </a:prstGeom>
+            </p:spPr>
+            <p:style>
+              <a:lnRef idx="2">
+                <a:schemeClr val="accent6">
+                  <a:shade val="15000"/>
+                </a:schemeClr>
+              </a:lnRef>
+              <a:fillRef idx="1">
+                <a:schemeClr val="accent6"/>
+              </a:fillRef>
+              <a:effectRef idx="0">
+                <a:schemeClr val="accent6"/>
+              </a:effectRef>
+              <a:fontRef idx="minor">
+                <a:schemeClr val="lt1"/>
+              </a:fontRef>
+            </p:style>
+            <p:txBody>
+              <a:bodyPr wrap="none" rtlCol="0" anchor="ctr">
+                <a:normAutofit/>
+              </a:bodyPr>
+              <a:lstStyle/>
+              <a:p>
+                <a:pPr algn="r"/>
+                <a:r>
+                  <a:rPr lang="en-US" altLang="ko-KR" dirty="0">
+                    <a:solidFill>
+                      <a:schemeClr val="tx1"/>
+                    </a:solidFill>
+                  </a:rPr>
+                  <a:t>API</a:t>
+                </a:r>
+                <a:endParaRPr lang="ko-KR" altLang="en-US" dirty="0">
+                  <a:solidFill>
+                    <a:schemeClr val="tx1"/>
+                  </a:solidFill>
+                </a:endParaRPr>
+              </a:p>
+            </p:txBody>
+          </p:sp>
+          <p:pic>
+            <p:nvPicPr>
+              <p:cNvPr id="25" name="그림 24">
+                <a:extLst>
+                  <a:ext uri="{FF2B5EF4-FFF2-40B4-BE49-F238E27FC236}">
+                    <a16:creationId xmlns:a16="http://schemas.microsoft.com/office/drawing/2014/main" id="{16C1BC69-3462-673E-3F5B-388EC091F14F}"/>
+                  </a:ext>
+                </a:extLst>
+              </p:cNvPr>
+              <p:cNvPicPr>
+                <a:picLocks noChangeAspect="1"/>
+              </p:cNvPicPr>
+              <p:nvPr/>
+            </p:nvPicPr>
+            <p:blipFill>
+              <a:blip r:embed="rId2">
+                <a:extLst>
+                  <a:ext uri="{28A0092B-C50C-407E-A947-70E740481C1C}">
+                    <a14:useLocalDpi xmlns:a14="http://schemas.microsoft.com/office/drawing/2010/main" val="0"/>
+                  </a:ext>
+                </a:extLst>
+              </a:blip>
+              <a:stretch>
+                <a:fillRect/>
+              </a:stretch>
+            </p:blipFill>
+            <p:spPr>
+              <a:xfrm>
+                <a:off x="2951734" y="970787"/>
+                <a:ext cx="477266" cy="576321"/>
+              </a:xfrm>
+              <a:prstGeom prst="rect">
+                <a:avLst/>
+              </a:prstGeom>
+            </p:spPr>
+            <p:style>
+              <a:lnRef idx="2">
+                <a:schemeClr val="accent6">
+                  <a:shade val="15000"/>
+                </a:schemeClr>
+              </a:lnRef>
+              <a:fillRef idx="1">
+                <a:schemeClr val="accent6"/>
+              </a:fillRef>
+              <a:effectRef idx="0">
+                <a:schemeClr val="accent6"/>
+              </a:effectRef>
+              <a:fontRef idx="minor">
+                <a:schemeClr val="lt1"/>
+              </a:fontRef>
+            </p:style>
+          </p:pic>
+        </p:grpSp>
+        <p:cxnSp>
+          <p:nvCxnSpPr>
+            <p:cNvPr id="27" name="직선 화살표 연결선 26">
+              <a:extLst>
+                <a:ext uri="{FF2B5EF4-FFF2-40B4-BE49-F238E27FC236}">
+                  <a16:creationId xmlns:a16="http://schemas.microsoft.com/office/drawing/2014/main" id="{872DED0C-938E-0B10-C3A1-AF514C19E112}"/>
+                </a:ext>
+              </a:extLst>
+            </p:cNvPr>
+            <p:cNvCxnSpPr>
+              <a:cxnSpLocks/>
+              <a:stCxn id="19" idx="6"/>
+              <a:endCxn id="24" idx="1"/>
+            </p:cNvCxnSpPr>
+            <p:nvPr/>
+          </p:nvCxnSpPr>
+          <p:spPr>
+            <a:xfrm>
+              <a:off x="2296389" y="3506786"/>
+              <a:ext cx="1254531" cy="0"/>
+            </a:xfrm>
+            <a:prstGeom prst="straightConnector1">
+              <a:avLst/>
+            </a:prstGeom>
+            <a:ln w="57150">
+              <a:solidFill>
+                <a:srgbClr val="ED7D31"/>
+              </a:solidFill>
+              <a:tailEnd type="triangle"/>
+            </a:ln>
+          </p:spPr>
+          <p:style>
+            <a:lnRef idx="1">
+              <a:schemeClr val="accent1"/>
+            </a:lnRef>
+            <a:fillRef idx="0">
+              <a:schemeClr val="accent1"/>
+            </a:fillRef>
+            <a:effectRef idx="0">
+              <a:schemeClr val="accent1"/>
+            </a:effectRef>
+            <a:fontRef idx="minor">
+              <a:schemeClr val="tx1"/>
+            </a:fontRef>
+          </p:style>
+        </p:cxnSp>
+        <p:sp>
+          <p:nvSpPr>
+            <p:cNvPr id="30" name="타원 29">
+              <a:extLst>
+                <a:ext uri="{FF2B5EF4-FFF2-40B4-BE49-F238E27FC236}">
+                  <a16:creationId xmlns:a16="http://schemas.microsoft.com/office/drawing/2014/main" id="{70059D7C-D312-F254-7BC1-D25C67E5961E}"/>
+                </a:ext>
+              </a:extLst>
+            </p:cNvPr>
+            <p:cNvSpPr/>
+            <p:nvPr/>
+          </p:nvSpPr>
+          <p:spPr>
+            <a:xfrm>
+              <a:off x="1437614" y="3819207"/>
+              <a:ext cx="858775" cy="358137"/>
+            </a:xfrm>
+            <a:prstGeom prst="ellipse">
+              <a:avLst/>
+            </a:prstGeom>
+          </p:spPr>
+          <p:style>
+            <a:lnRef idx="2">
+              <a:schemeClr val="accent6">
+                <a:shade val="15000"/>
+              </a:schemeClr>
+            </a:lnRef>
+            <a:fillRef idx="1">
+              <a:schemeClr val="accent6"/>
+            </a:fillRef>
+            <a:effectRef idx="0">
+              <a:schemeClr val="accent6"/>
+            </a:effectRef>
+            <a:fontRef idx="minor">
+              <a:schemeClr val="lt1"/>
+            </a:fontRef>
+          </p:style>
+          <p:txBody>
+            <a:bodyPr wrap="none" lIns="0" tIns="0" rIns="0" bIns="0" rtlCol="0" anchor="ctr">
+              <a:normAutofit/>
+            </a:bodyPr>
+            <a:lstStyle/>
+            <a:p>
+              <a:pPr algn="ctr"/>
+              <a:r>
+                <a:rPr lang="ko-KR" altLang="en-US" sz="1100" dirty="0">
+                  <a:solidFill>
+                    <a:schemeClr val="tx1"/>
+                  </a:solidFill>
+                </a:rPr>
+                <a:t>전적 </a:t>
+              </a:r>
+              <a:r>
+                <a:rPr lang="en-US" altLang="ko-KR" sz="1100" dirty="0">
+                  <a:solidFill>
+                    <a:schemeClr val="tx1"/>
+                  </a:solidFill>
+                </a:rPr>
+                <a:t>100</a:t>
+              </a:r>
+              <a:r>
+                <a:rPr lang="ko-KR" altLang="en-US" sz="1100" dirty="0">
+                  <a:solidFill>
+                    <a:schemeClr val="tx1"/>
+                  </a:solidFill>
+                </a:rPr>
+                <a:t>건</a:t>
+              </a:r>
+            </a:p>
+          </p:txBody>
+        </p:sp>
+        <p:cxnSp>
+          <p:nvCxnSpPr>
+            <p:cNvPr id="32" name="연결선: 꺾임 31">
+              <a:extLst>
+                <a:ext uri="{FF2B5EF4-FFF2-40B4-BE49-F238E27FC236}">
+                  <a16:creationId xmlns:a16="http://schemas.microsoft.com/office/drawing/2014/main" id="{F1A890A2-3229-9A7D-30FA-443F7F5945C7}"/>
+                </a:ext>
+              </a:extLst>
+            </p:cNvPr>
+            <p:cNvCxnSpPr>
+              <a:cxnSpLocks/>
+              <a:stCxn id="24" idx="2"/>
+              <a:endCxn id="30" idx="6"/>
+            </p:cNvCxnSpPr>
+            <p:nvPr/>
+          </p:nvCxnSpPr>
+          <p:spPr>
+            <a:xfrm rot="5400000">
+              <a:off x="3102090" y="3049066"/>
+              <a:ext cx="143510" cy="1754911"/>
+            </a:xfrm>
+            <a:prstGeom prst="bentConnector2">
+              <a:avLst/>
+            </a:prstGeom>
+            <a:ln w="57150">
+              <a:solidFill>
+                <a:srgbClr val="70AD47"/>
+              </a:solidFill>
+              <a:tailEnd type="triangle"/>
+            </a:ln>
+          </p:spPr>
+          <p:style>
+            <a:lnRef idx="1">
+              <a:schemeClr val="accent1"/>
+            </a:lnRef>
+            <a:fillRef idx="0">
+              <a:schemeClr val="accent1"/>
+            </a:fillRef>
+            <a:effectRef idx="0">
+              <a:schemeClr val="accent1"/>
+            </a:effectRef>
+            <a:fontRef idx="minor">
+              <a:schemeClr val="tx1"/>
+            </a:fontRef>
+          </p:style>
+        </p:cxnSp>
+        <p:grpSp>
+          <p:nvGrpSpPr>
+            <p:cNvPr id="40" name="그룹 39">
+              <a:extLst>
+                <a:ext uri="{FF2B5EF4-FFF2-40B4-BE49-F238E27FC236}">
+                  <a16:creationId xmlns:a16="http://schemas.microsoft.com/office/drawing/2014/main" id="{251D9DAD-4C9B-1F82-A01F-F9D640E2CFEB}"/>
+                </a:ext>
+              </a:extLst>
+            </p:cNvPr>
+            <p:cNvGrpSpPr/>
+            <p:nvPr/>
+          </p:nvGrpSpPr>
+          <p:grpSpPr>
+            <a:xfrm>
+              <a:off x="3550920" y="2263143"/>
+              <a:ext cx="1000760" cy="695960"/>
+              <a:chOff x="2890520" y="924560"/>
+              <a:chExt cx="1000760" cy="695960"/>
+            </a:xfrm>
+          </p:grpSpPr>
+          <p:sp>
+            <p:nvSpPr>
+              <p:cNvPr id="41" name="직사각형 40">
+                <a:extLst>
+                  <a:ext uri="{FF2B5EF4-FFF2-40B4-BE49-F238E27FC236}">
+                    <a16:creationId xmlns:a16="http://schemas.microsoft.com/office/drawing/2014/main" id="{99BB4D72-6AC6-6625-3717-7AC5EF41E650}"/>
+                  </a:ext>
+                </a:extLst>
+              </p:cNvPr>
+              <p:cNvSpPr/>
+              <p:nvPr/>
+            </p:nvSpPr>
+            <p:spPr>
+              <a:xfrm>
+                <a:off x="2890520" y="924560"/>
+                <a:ext cx="1000760" cy="695960"/>
+              </a:xfrm>
+              <a:prstGeom prst="rect">
+                <a:avLst/>
+              </a:prstGeom>
+            </p:spPr>
+            <p:style>
+              <a:lnRef idx="2">
+                <a:schemeClr val="accent5">
+                  <a:shade val="15000"/>
+                </a:schemeClr>
+              </a:lnRef>
+              <a:fillRef idx="1">
+                <a:schemeClr val="accent5"/>
+              </a:fillRef>
+              <a:effectRef idx="0">
+                <a:schemeClr val="accent5"/>
+              </a:effectRef>
+              <a:fontRef idx="minor">
+                <a:schemeClr val="lt1"/>
+              </a:fontRef>
+            </p:style>
+            <p:txBody>
+              <a:bodyPr wrap="none" rtlCol="0" anchor="ctr">
+                <a:normAutofit/>
+              </a:bodyPr>
+              <a:lstStyle/>
+              <a:p>
+                <a:pPr algn="r"/>
+                <a:r>
+                  <a:rPr lang="en-US" altLang="ko-KR" dirty="0">
+                    <a:solidFill>
+                      <a:schemeClr val="tx1"/>
+                    </a:solidFill>
+                  </a:rPr>
+                  <a:t>API</a:t>
+                </a:r>
+                <a:endParaRPr lang="ko-KR" altLang="en-US" dirty="0">
+                  <a:solidFill>
+                    <a:schemeClr val="tx1"/>
+                  </a:solidFill>
+                </a:endParaRPr>
+              </a:p>
+            </p:txBody>
+          </p:sp>
+          <p:pic>
+            <p:nvPicPr>
+              <p:cNvPr id="42" name="그림 41">
+                <a:extLst>
+                  <a:ext uri="{FF2B5EF4-FFF2-40B4-BE49-F238E27FC236}">
+                    <a16:creationId xmlns:a16="http://schemas.microsoft.com/office/drawing/2014/main" id="{A6732B69-8227-B209-978B-D9934757EDED}"/>
+                  </a:ext>
+                </a:extLst>
+              </p:cNvPr>
+              <p:cNvPicPr>
+                <a:picLocks noChangeAspect="1"/>
+              </p:cNvPicPr>
+              <p:nvPr/>
+            </p:nvPicPr>
+            <p:blipFill>
+              <a:blip r:embed="rId2">
+                <a:extLst>
+                  <a:ext uri="{28A0092B-C50C-407E-A947-70E740481C1C}">
+                    <a14:useLocalDpi xmlns:a14="http://schemas.microsoft.com/office/drawing/2010/main" val="0"/>
+                  </a:ext>
+                </a:extLst>
+              </a:blip>
+              <a:stretch>
+                <a:fillRect/>
+              </a:stretch>
+            </p:blipFill>
+            <p:spPr>
+              <a:xfrm>
+                <a:off x="2951734" y="970787"/>
+                <a:ext cx="477266" cy="576321"/>
+              </a:xfrm>
+              <a:prstGeom prst="rect">
+                <a:avLst/>
+              </a:prstGeom>
+            </p:spPr>
+            <p:style>
+              <a:lnRef idx="2">
+                <a:schemeClr val="accent5">
+                  <a:shade val="15000"/>
+                </a:schemeClr>
+              </a:lnRef>
+              <a:fillRef idx="1">
+                <a:schemeClr val="accent5"/>
+              </a:fillRef>
+              <a:effectRef idx="0">
+                <a:schemeClr val="accent5"/>
+              </a:effectRef>
+              <a:fontRef idx="minor">
+                <a:schemeClr val="lt1"/>
+              </a:fontRef>
+            </p:style>
+          </p:pic>
+        </p:grpSp>
+        <p:sp>
+          <p:nvSpPr>
+            <p:cNvPr id="47" name="타원 46">
+              <a:extLst>
+                <a:ext uri="{FF2B5EF4-FFF2-40B4-BE49-F238E27FC236}">
+                  <a16:creationId xmlns:a16="http://schemas.microsoft.com/office/drawing/2014/main" id="{1D12C34A-87D9-33A3-C72A-1FE4D7EC85B2}"/>
+                </a:ext>
+              </a:extLst>
+            </p:cNvPr>
+            <p:cNvSpPr/>
+            <p:nvPr/>
+          </p:nvSpPr>
+          <p:spPr>
+            <a:xfrm>
+              <a:off x="464820" y="2420616"/>
+              <a:ext cx="858774" cy="358137"/>
+            </a:xfrm>
+            <a:prstGeom prst="ellipse">
+              <a:avLst/>
+            </a:prstGeom>
+            <a:solidFill>
+              <a:schemeClr val="bg1">
+                <a:lumMod val="75000"/>
+              </a:schemeClr>
+            </a:solidFill>
+          </p:spPr>
+          <p:style>
+            <a:lnRef idx="2">
+              <a:schemeClr val="accent1">
+                <a:shade val="15000"/>
+              </a:schemeClr>
+            </a:lnRef>
+            <a:fillRef idx="1">
+              <a:schemeClr val="accent1"/>
+            </a:fillRef>
+            <a:effectRef idx="0">
+              <a:schemeClr val="accent1"/>
+            </a:effectRef>
+            <a:fontRef idx="minor">
+              <a:schemeClr val="lt1"/>
+            </a:fontRef>
+          </p:style>
+          <p:txBody>
+            <a:bodyPr wrap="none" rtlCol="0" anchor="ctr">
+              <a:normAutofit fontScale="85000" lnSpcReduction="20000"/>
+            </a:bodyPr>
+            <a:lstStyle/>
+            <a:p>
+              <a:pPr algn="ctr"/>
+              <a:r>
+                <a:rPr lang="en-US" altLang="ko-KR" sz="1400" dirty="0">
+                  <a:solidFill>
+                    <a:schemeClr val="tx1"/>
+                  </a:solidFill>
+                </a:rPr>
+                <a:t>null</a:t>
+              </a:r>
+              <a:endParaRPr lang="ko-KR" altLang="en-US" sz="1400" dirty="0">
+                <a:solidFill>
+                  <a:schemeClr val="tx1"/>
+                </a:solidFill>
+              </a:endParaRPr>
+            </a:p>
+          </p:txBody>
+        </p:sp>
+        <p:cxnSp>
+          <p:nvCxnSpPr>
+            <p:cNvPr id="49" name="직선 화살표 연결선 48">
+              <a:extLst>
+                <a:ext uri="{FF2B5EF4-FFF2-40B4-BE49-F238E27FC236}">
+                  <a16:creationId xmlns:a16="http://schemas.microsoft.com/office/drawing/2014/main" id="{1E72DC68-753D-3030-3486-96AAC21A94DE}"/>
+                </a:ext>
+              </a:extLst>
+            </p:cNvPr>
+            <p:cNvCxnSpPr>
+              <a:cxnSpLocks/>
+              <a:stCxn id="47" idx="6"/>
+              <a:endCxn id="41" idx="1"/>
+            </p:cNvCxnSpPr>
+            <p:nvPr/>
+          </p:nvCxnSpPr>
+          <p:spPr>
+            <a:xfrm>
+              <a:off x="1323594" y="2599685"/>
+              <a:ext cx="2227326" cy="11438"/>
+            </a:xfrm>
+            <a:prstGeom prst="straightConnector1">
+              <a:avLst/>
+            </a:prstGeom>
+            <a:ln w="57150">
+              <a:tailEnd type="triangle"/>
+            </a:ln>
+          </p:spPr>
+          <p:style>
+            <a:lnRef idx="1">
+              <a:schemeClr val="accent1"/>
+            </a:lnRef>
+            <a:fillRef idx="0">
+              <a:schemeClr val="accent1"/>
+            </a:fillRef>
+            <a:effectRef idx="0">
+              <a:schemeClr val="accent1"/>
+            </a:effectRef>
+            <a:fontRef idx="minor">
+              <a:schemeClr val="tx1"/>
+            </a:fontRef>
+          </p:style>
+        </p:cxnSp>
+        <p:sp>
+          <p:nvSpPr>
+            <p:cNvPr id="52" name="타원 51">
+              <a:extLst>
+                <a:ext uri="{FF2B5EF4-FFF2-40B4-BE49-F238E27FC236}">
+                  <a16:creationId xmlns:a16="http://schemas.microsoft.com/office/drawing/2014/main" id="{9E111D0F-E331-70E5-FC32-01F76CA5F408}"/>
+                </a:ext>
+              </a:extLst>
+            </p:cNvPr>
+            <p:cNvSpPr/>
+            <p:nvPr/>
+          </p:nvSpPr>
+          <p:spPr>
+            <a:xfrm>
+              <a:off x="464820" y="2826503"/>
+              <a:ext cx="858774" cy="358137"/>
+            </a:xfrm>
+            <a:prstGeom prst="ellipse">
+              <a:avLst/>
+            </a:prstGeom>
+            <a:solidFill>
+              <a:srgbClr val="5B9BD5"/>
+            </a:solidFill>
+          </p:spPr>
+          <p:style>
+            <a:lnRef idx="2">
+              <a:schemeClr val="accent1">
+                <a:shade val="15000"/>
+              </a:schemeClr>
+            </a:lnRef>
+            <a:fillRef idx="1">
+              <a:schemeClr val="accent1"/>
+            </a:fillRef>
+            <a:effectRef idx="0">
+              <a:schemeClr val="accent1"/>
+            </a:effectRef>
+            <a:fontRef idx="minor">
+              <a:schemeClr val="lt1"/>
+            </a:fontRef>
+          </p:style>
+          <p:txBody>
+            <a:bodyPr wrap="none" rtlCol="0" anchor="ctr">
+              <a:normAutofit/>
+            </a:bodyPr>
+            <a:lstStyle/>
+            <a:p>
+              <a:pPr algn="ctr"/>
+              <a:r>
+                <a:rPr lang="ko-KR" altLang="en-US" sz="800">
+                  <a:solidFill>
+                    <a:schemeClr val="tx1"/>
+                  </a:solidFill>
+                </a:rPr>
+                <a:t>시즌정보</a:t>
+              </a:r>
+            </a:p>
+          </p:txBody>
+        </p:sp>
+        <p:cxnSp>
+          <p:nvCxnSpPr>
+            <p:cNvPr id="54" name="연결선: 꺾임 53">
+              <a:extLst>
+                <a:ext uri="{FF2B5EF4-FFF2-40B4-BE49-F238E27FC236}">
+                  <a16:creationId xmlns:a16="http://schemas.microsoft.com/office/drawing/2014/main" id="{9A638E85-B0B1-ECA2-AE9C-39FB37532155}"/>
+                </a:ext>
+              </a:extLst>
+            </p:cNvPr>
+            <p:cNvCxnSpPr>
+              <a:cxnSpLocks/>
+              <a:stCxn id="41" idx="2"/>
+              <a:endCxn id="52" idx="6"/>
+            </p:cNvCxnSpPr>
+            <p:nvPr/>
+          </p:nvCxnSpPr>
+          <p:spPr>
+            <a:xfrm rot="5400000">
+              <a:off x="2664213" y="1618484"/>
+              <a:ext cx="46469" cy="2727706"/>
+            </a:xfrm>
+            <a:prstGeom prst="bentConnector2">
+              <a:avLst/>
+            </a:prstGeom>
+            <a:ln w="57150">
+              <a:solidFill>
+                <a:srgbClr val="5B9BD5"/>
+              </a:solidFill>
+              <a:tailEnd type="triangle"/>
+            </a:ln>
+          </p:spPr>
+          <p:style>
+            <a:lnRef idx="1">
+              <a:schemeClr val="accent1"/>
+            </a:lnRef>
+            <a:fillRef idx="0">
+              <a:schemeClr val="accent1"/>
+            </a:fillRef>
+            <a:effectRef idx="0">
+              <a:schemeClr val="accent1"/>
+            </a:effectRef>
+            <a:fontRef idx="minor">
+              <a:schemeClr val="tx1"/>
+            </a:fontRef>
+          </p:style>
+        </p:cxnSp>
+        <p:sp>
+          <p:nvSpPr>
+            <p:cNvPr id="77" name="타원 76">
+              <a:extLst>
+                <a:ext uri="{FF2B5EF4-FFF2-40B4-BE49-F238E27FC236}">
+                  <a16:creationId xmlns:a16="http://schemas.microsoft.com/office/drawing/2014/main" id="{6D8C3BF6-E287-DD6F-0496-5DD4CCC9090B}"/>
+                </a:ext>
+              </a:extLst>
+            </p:cNvPr>
+            <p:cNvSpPr/>
+            <p:nvPr/>
+          </p:nvSpPr>
+          <p:spPr>
+            <a:xfrm>
+              <a:off x="1442974" y="4277511"/>
+              <a:ext cx="858774" cy="358137"/>
+            </a:xfrm>
+            <a:prstGeom prst="ellipse">
+              <a:avLst/>
+            </a:prstGeom>
+            <a:solidFill>
+              <a:srgbClr val="5B9BD5"/>
+            </a:solidFill>
+          </p:spPr>
+          <p:style>
+            <a:lnRef idx="2">
+              <a:schemeClr val="accent1">
+                <a:shade val="15000"/>
+              </a:schemeClr>
+            </a:lnRef>
+            <a:fillRef idx="1">
+              <a:schemeClr val="accent1"/>
+            </a:fillRef>
+            <a:effectRef idx="0">
+              <a:schemeClr val="accent1"/>
+            </a:effectRef>
+            <a:fontRef idx="minor">
+              <a:schemeClr val="lt1"/>
+            </a:fontRef>
+          </p:style>
+          <p:txBody>
+            <a:bodyPr wrap="none" rtlCol="0" anchor="ctr">
+              <a:normAutofit/>
+            </a:bodyPr>
+            <a:lstStyle/>
+            <a:p>
+              <a:pPr algn="ctr"/>
+              <a:r>
+                <a:rPr lang="ko-KR" altLang="en-US" sz="600" dirty="0">
+                  <a:solidFill>
+                    <a:schemeClr val="tx1"/>
+                  </a:solidFill>
+                </a:rPr>
+                <a:t>현재시즌</a:t>
+              </a:r>
+              <a:r>
+                <a:rPr lang="en-US" altLang="ko-KR" sz="600" dirty="0">
+                  <a:solidFill>
+                    <a:schemeClr val="tx1"/>
+                  </a:solidFill>
+                </a:rPr>
+                <a:t>ID</a:t>
+              </a:r>
+              <a:endParaRPr lang="ko-KR" altLang="en-US" sz="600" dirty="0">
+                <a:solidFill>
+                  <a:schemeClr val="tx1"/>
+                </a:solidFill>
+              </a:endParaRPr>
+            </a:p>
+          </p:txBody>
+        </p:sp>
+        <p:grpSp>
+          <p:nvGrpSpPr>
+            <p:cNvPr id="79" name="그룹 78">
+              <a:extLst>
+                <a:ext uri="{FF2B5EF4-FFF2-40B4-BE49-F238E27FC236}">
+                  <a16:creationId xmlns:a16="http://schemas.microsoft.com/office/drawing/2014/main" id="{0677EEAA-F9FC-AB40-077C-60BE7B6B1F16}"/>
+                </a:ext>
+              </a:extLst>
+            </p:cNvPr>
+            <p:cNvGrpSpPr/>
+            <p:nvPr/>
+          </p:nvGrpSpPr>
+          <p:grpSpPr>
+            <a:xfrm>
+              <a:off x="3550920" y="4109871"/>
+              <a:ext cx="1000760" cy="695960"/>
+              <a:chOff x="2890520" y="924560"/>
+              <a:chExt cx="1000760" cy="695960"/>
+            </a:xfrm>
+          </p:grpSpPr>
+          <p:sp>
+            <p:nvSpPr>
+              <p:cNvPr id="80" name="직사각형 79">
+                <a:extLst>
+                  <a:ext uri="{FF2B5EF4-FFF2-40B4-BE49-F238E27FC236}">
+                    <a16:creationId xmlns:a16="http://schemas.microsoft.com/office/drawing/2014/main" id="{A666BDA6-5054-A252-FB67-DBD8B7B5A64E}"/>
+                  </a:ext>
+                </a:extLst>
+              </p:cNvPr>
+              <p:cNvSpPr/>
+              <p:nvPr/>
+            </p:nvSpPr>
+            <p:spPr>
+              <a:xfrm>
+                <a:off x="2890520" y="924560"/>
+                <a:ext cx="1000760" cy="695960"/>
+              </a:xfrm>
+              <a:prstGeom prst="rect">
+                <a:avLst/>
+              </a:prstGeom>
+            </p:spPr>
+            <p:style>
+              <a:lnRef idx="2">
+                <a:schemeClr val="accent4">
+                  <a:shade val="15000"/>
+                </a:schemeClr>
+              </a:lnRef>
+              <a:fillRef idx="1">
+                <a:schemeClr val="accent4"/>
+              </a:fillRef>
+              <a:effectRef idx="0">
+                <a:schemeClr val="accent4"/>
+              </a:effectRef>
+              <a:fontRef idx="minor">
+                <a:schemeClr val="lt1"/>
+              </a:fontRef>
+            </p:style>
+            <p:txBody>
+              <a:bodyPr wrap="none" rtlCol="0" anchor="ctr">
+                <a:normAutofit/>
+              </a:bodyPr>
+              <a:lstStyle/>
+              <a:p>
+                <a:pPr algn="r"/>
+                <a:r>
+                  <a:rPr lang="en-US" altLang="ko-KR" dirty="0">
+                    <a:solidFill>
+                      <a:schemeClr val="tx1"/>
+                    </a:solidFill>
+                  </a:rPr>
+                  <a:t>API</a:t>
+                </a:r>
+                <a:endParaRPr lang="ko-KR" altLang="en-US" dirty="0">
+                  <a:solidFill>
+                    <a:schemeClr val="tx1"/>
+                  </a:solidFill>
+                </a:endParaRPr>
+              </a:p>
+            </p:txBody>
+          </p:sp>
+          <p:pic>
+            <p:nvPicPr>
+              <p:cNvPr id="81" name="그림 80">
+                <a:extLst>
+                  <a:ext uri="{FF2B5EF4-FFF2-40B4-BE49-F238E27FC236}">
+                    <a16:creationId xmlns:a16="http://schemas.microsoft.com/office/drawing/2014/main" id="{E3B4565A-855F-0367-5570-B11E2E240F04}"/>
+                  </a:ext>
+                </a:extLst>
+              </p:cNvPr>
+              <p:cNvPicPr>
+                <a:picLocks noChangeAspect="1"/>
+              </p:cNvPicPr>
+              <p:nvPr/>
+            </p:nvPicPr>
+            <p:blipFill>
+              <a:blip r:embed="rId2">
+                <a:extLst>
+                  <a:ext uri="{28A0092B-C50C-407E-A947-70E740481C1C}">
+                    <a14:useLocalDpi xmlns:a14="http://schemas.microsoft.com/office/drawing/2010/main" val="0"/>
+                  </a:ext>
+                </a:extLst>
+              </a:blip>
+              <a:stretch>
+                <a:fillRect/>
+              </a:stretch>
+            </p:blipFill>
+            <p:spPr>
+              <a:xfrm>
+                <a:off x="2951734" y="970787"/>
+                <a:ext cx="477266" cy="576321"/>
+              </a:xfrm>
+              <a:prstGeom prst="rect">
+                <a:avLst/>
+              </a:prstGeom>
+            </p:spPr>
+            <p:style>
+              <a:lnRef idx="2">
+                <a:schemeClr val="accent4">
+                  <a:shade val="15000"/>
+                </a:schemeClr>
+              </a:lnRef>
+              <a:fillRef idx="1">
+                <a:schemeClr val="accent4"/>
+              </a:fillRef>
+              <a:effectRef idx="0">
+                <a:schemeClr val="accent4"/>
+              </a:effectRef>
+              <a:fontRef idx="minor">
+                <a:schemeClr val="lt1"/>
+              </a:fontRef>
+            </p:style>
+          </p:pic>
+        </p:grpSp>
+        <p:cxnSp>
+          <p:nvCxnSpPr>
+            <p:cNvPr id="85" name="연결선: 꺾임 84">
+              <a:extLst>
+                <a:ext uri="{FF2B5EF4-FFF2-40B4-BE49-F238E27FC236}">
+                  <a16:creationId xmlns:a16="http://schemas.microsoft.com/office/drawing/2014/main" id="{D1D0D493-FC3F-488E-0370-6A12BA6DC29E}"/>
+                </a:ext>
+              </a:extLst>
+            </p:cNvPr>
+            <p:cNvCxnSpPr>
+              <a:cxnSpLocks/>
+              <a:stCxn id="19" idx="6"/>
+              <a:endCxn id="80" idx="1"/>
+            </p:cNvCxnSpPr>
+            <p:nvPr/>
+          </p:nvCxnSpPr>
+          <p:spPr>
+            <a:xfrm>
+              <a:off x="2296389" y="3506786"/>
+              <a:ext cx="1254531" cy="951065"/>
+            </a:xfrm>
+            <a:prstGeom prst="bentConnector3">
+              <a:avLst/>
+            </a:prstGeom>
+            <a:ln w="57150">
+              <a:solidFill>
+                <a:srgbClr val="ED7D31"/>
+              </a:solidFill>
+              <a:tailEnd type="triangle"/>
+            </a:ln>
+          </p:spPr>
+          <p:style>
+            <a:lnRef idx="1">
+              <a:schemeClr val="accent1"/>
+            </a:lnRef>
+            <a:fillRef idx="0">
+              <a:schemeClr val="accent1"/>
+            </a:fillRef>
+            <a:effectRef idx="0">
+              <a:schemeClr val="accent1"/>
+            </a:effectRef>
+            <a:fontRef idx="minor">
+              <a:schemeClr val="tx1"/>
+            </a:fontRef>
+          </p:style>
+        </p:cxnSp>
+        <p:sp>
+          <p:nvSpPr>
+            <p:cNvPr id="86" name="타원 85">
+              <a:extLst>
+                <a:ext uri="{FF2B5EF4-FFF2-40B4-BE49-F238E27FC236}">
+                  <a16:creationId xmlns:a16="http://schemas.microsoft.com/office/drawing/2014/main" id="{11D70A97-8921-29FD-4122-AB70E9043F18}"/>
+                </a:ext>
+              </a:extLst>
+            </p:cNvPr>
+            <p:cNvSpPr/>
+            <p:nvPr/>
+          </p:nvSpPr>
+          <p:spPr>
+            <a:xfrm>
+              <a:off x="1330807" y="4758671"/>
+              <a:ext cx="1072388" cy="358137"/>
+            </a:xfrm>
+            <a:prstGeom prst="ellipse">
+              <a:avLst/>
+            </a:prstGeom>
+          </p:spPr>
+          <p:style>
+            <a:lnRef idx="2">
+              <a:schemeClr val="accent1">
+                <a:shade val="15000"/>
+              </a:schemeClr>
+            </a:lnRef>
+            <a:fillRef idx="1">
+              <a:schemeClr val="accent1"/>
+            </a:fillRef>
+            <a:effectRef idx="0">
+              <a:schemeClr val="accent1"/>
+            </a:effectRef>
+            <a:fontRef idx="minor">
+              <a:schemeClr val="lt1"/>
+            </a:fontRef>
+          </p:style>
+          <p:txBody>
+            <a:bodyPr wrap="none" rtlCol="0" anchor="ctr">
+              <a:normAutofit lnSpcReduction="10000"/>
+            </a:bodyPr>
+            <a:lstStyle/>
+            <a:p>
+              <a:pPr algn="ctr"/>
+              <a:r>
+                <a:rPr lang="ko-KR" altLang="en-US" sz="1100">
+                  <a:solidFill>
+                    <a:schemeClr val="tx1"/>
+                  </a:solidFill>
+                </a:rPr>
+                <a:t>유저정보</a:t>
+              </a:r>
+              <a:endParaRPr lang="ko-KR" altLang="en-US" sz="1100" dirty="0">
+                <a:solidFill>
+                  <a:schemeClr val="tx1"/>
+                </a:solidFill>
+              </a:endParaRPr>
+            </a:p>
+          </p:txBody>
+        </p:sp>
+        <p:cxnSp>
+          <p:nvCxnSpPr>
+            <p:cNvPr id="88" name="연결선: 꺾임 87">
+              <a:extLst>
+                <a:ext uri="{FF2B5EF4-FFF2-40B4-BE49-F238E27FC236}">
+                  <a16:creationId xmlns:a16="http://schemas.microsoft.com/office/drawing/2014/main" id="{1E7CC02D-E705-EEE3-710F-51A9BE00FFE0}"/>
+                </a:ext>
+              </a:extLst>
+            </p:cNvPr>
+            <p:cNvCxnSpPr>
+              <a:cxnSpLocks/>
+              <a:stCxn id="80" idx="2"/>
+              <a:endCxn id="86" idx="6"/>
+            </p:cNvCxnSpPr>
+            <p:nvPr/>
+          </p:nvCxnSpPr>
+          <p:spPr>
+            <a:xfrm rot="5400000">
+              <a:off x="3161294" y="4047733"/>
+              <a:ext cx="131909" cy="1648105"/>
+            </a:xfrm>
+            <a:prstGeom prst="bentConnector2">
+              <a:avLst/>
+            </a:prstGeom>
+            <a:ln w="57150">
+              <a:tailEnd type="triangle"/>
+            </a:ln>
+          </p:spPr>
+          <p:style>
+            <a:lnRef idx="1">
+              <a:schemeClr val="accent1"/>
+            </a:lnRef>
+            <a:fillRef idx="0">
+              <a:schemeClr val="accent1"/>
+            </a:fillRef>
+            <a:effectRef idx="0">
+              <a:schemeClr val="accent1"/>
+            </a:effectRef>
+            <a:fontRef idx="minor">
+              <a:schemeClr val="tx1"/>
+            </a:fontRef>
+          </p:style>
+        </p:cxnSp>
+        <p:sp>
+          <p:nvSpPr>
+            <p:cNvPr id="90" name="타원 89">
+              <a:extLst>
+                <a:ext uri="{FF2B5EF4-FFF2-40B4-BE49-F238E27FC236}">
+                  <a16:creationId xmlns:a16="http://schemas.microsoft.com/office/drawing/2014/main" id="{966B41A5-DAA2-0CBD-C2A6-DE9EA6B64814}"/>
+                </a:ext>
+              </a:extLst>
+            </p:cNvPr>
+            <p:cNvSpPr/>
+            <p:nvPr/>
+          </p:nvSpPr>
+          <p:spPr>
+            <a:xfrm>
+              <a:off x="480060" y="5291020"/>
+              <a:ext cx="858774" cy="358137"/>
+            </a:xfrm>
+            <a:prstGeom prst="ellipse">
+              <a:avLst/>
+            </a:prstGeom>
+          </p:spPr>
+          <p:style>
+            <a:lnRef idx="2">
+              <a:schemeClr val="accent1">
+                <a:shade val="15000"/>
+              </a:schemeClr>
+            </a:lnRef>
+            <a:fillRef idx="1">
+              <a:schemeClr val="accent1"/>
+            </a:fillRef>
+            <a:effectRef idx="0">
+              <a:schemeClr val="accent1"/>
+            </a:effectRef>
+            <a:fontRef idx="minor">
+              <a:schemeClr val="lt1"/>
+            </a:fontRef>
+          </p:style>
+          <p:txBody>
+            <a:bodyPr wrap="none" rtlCol="0" anchor="ctr">
+              <a:normAutofit/>
+            </a:bodyPr>
+            <a:lstStyle/>
+            <a:p>
+              <a:pPr algn="ctr"/>
+              <a:r>
+                <a:rPr lang="ko-KR" altLang="en-US" sz="600" dirty="0">
+                  <a:solidFill>
+                    <a:schemeClr val="tx1"/>
+                  </a:solidFill>
+                </a:rPr>
+                <a:t>주력캐릭터</a:t>
+              </a:r>
+            </a:p>
+          </p:txBody>
+        </p:sp>
+        <p:sp>
+          <p:nvSpPr>
+            <p:cNvPr id="91" name="타원 90">
+              <a:extLst>
+                <a:ext uri="{FF2B5EF4-FFF2-40B4-BE49-F238E27FC236}">
+                  <a16:creationId xmlns:a16="http://schemas.microsoft.com/office/drawing/2014/main" id="{8F6F8620-D99A-340E-5461-6B093F517E69}"/>
+                </a:ext>
+              </a:extLst>
+            </p:cNvPr>
+            <p:cNvSpPr/>
+            <p:nvPr/>
+          </p:nvSpPr>
+          <p:spPr>
+            <a:xfrm>
+              <a:off x="1437614" y="5288639"/>
+              <a:ext cx="858774" cy="358137"/>
+            </a:xfrm>
+            <a:prstGeom prst="ellipse">
+              <a:avLst/>
+            </a:prstGeom>
+          </p:spPr>
+          <p:style>
+            <a:lnRef idx="2">
+              <a:schemeClr val="accent1">
+                <a:shade val="15000"/>
+              </a:schemeClr>
+            </a:lnRef>
+            <a:fillRef idx="1">
+              <a:schemeClr val="accent1"/>
+            </a:fillRef>
+            <a:effectRef idx="0">
+              <a:schemeClr val="accent1"/>
+            </a:effectRef>
+            <a:fontRef idx="minor">
+              <a:schemeClr val="lt1"/>
+            </a:fontRef>
+          </p:style>
+          <p:txBody>
+            <a:bodyPr wrap="none" rtlCol="0" anchor="ctr">
+              <a:normAutofit/>
+            </a:bodyPr>
+            <a:lstStyle/>
+            <a:p>
+              <a:pPr algn="ctr"/>
+              <a:r>
+                <a:rPr lang="ko-KR" altLang="en-US" sz="600">
+                  <a:solidFill>
+                    <a:schemeClr val="tx1"/>
+                  </a:solidFill>
+                </a:rPr>
+                <a:t>유저닉네임</a:t>
+              </a:r>
+              <a:endParaRPr lang="ko-KR" altLang="en-US" sz="600" dirty="0">
+                <a:solidFill>
+                  <a:schemeClr val="tx1"/>
+                </a:solidFill>
+              </a:endParaRPr>
+            </a:p>
+          </p:txBody>
+        </p:sp>
+        <p:cxnSp>
+          <p:nvCxnSpPr>
+            <p:cNvPr id="93" name="직선 화살표 연결선 92">
+              <a:extLst>
+                <a:ext uri="{FF2B5EF4-FFF2-40B4-BE49-F238E27FC236}">
+                  <a16:creationId xmlns:a16="http://schemas.microsoft.com/office/drawing/2014/main" id="{B6C7EE35-CCAF-4332-2223-D40DB3793B31}"/>
+                </a:ext>
+              </a:extLst>
+            </p:cNvPr>
+            <p:cNvCxnSpPr>
+              <a:stCxn id="86" idx="4"/>
+              <a:endCxn id="91" idx="0"/>
+            </p:cNvCxnSpPr>
+            <p:nvPr/>
+          </p:nvCxnSpPr>
+          <p:spPr>
+            <a:xfrm>
+              <a:off x="1867001" y="5116808"/>
+              <a:ext cx="0" cy="171831"/>
+            </a:xfrm>
+            <a:prstGeom prst="straightConnector1">
+              <a:avLst/>
+            </a:prstGeom>
+            <a:ln>
+              <a:tailEnd type="triangle"/>
+            </a:ln>
+          </p:spPr>
+          <p:style>
+            <a:lnRef idx="1">
+              <a:schemeClr val="accent1"/>
+            </a:lnRef>
+            <a:fillRef idx="0">
+              <a:schemeClr val="accent1"/>
+            </a:fillRef>
+            <a:effectRef idx="0">
+              <a:schemeClr val="accent1"/>
+            </a:effectRef>
+            <a:fontRef idx="minor">
+              <a:schemeClr val="tx1"/>
+            </a:fontRef>
+          </p:style>
+        </p:cxnSp>
+        <p:cxnSp>
+          <p:nvCxnSpPr>
+            <p:cNvPr id="96" name="연결선: 꺾임 95">
+              <a:extLst>
+                <a:ext uri="{FF2B5EF4-FFF2-40B4-BE49-F238E27FC236}">
+                  <a16:creationId xmlns:a16="http://schemas.microsoft.com/office/drawing/2014/main" id="{7FCDFA54-3D4A-9A2F-DDE8-6473B16D7DF8}"/>
+                </a:ext>
+              </a:extLst>
+            </p:cNvPr>
+            <p:cNvCxnSpPr>
+              <a:stCxn id="86" idx="4"/>
+              <a:endCxn id="90" idx="0"/>
+            </p:cNvCxnSpPr>
+            <p:nvPr/>
+          </p:nvCxnSpPr>
+          <p:spPr>
+            <a:xfrm rot="5400000">
+              <a:off x="1301118" y="4725137"/>
+              <a:ext cx="174212" cy="957554"/>
+            </a:xfrm>
+            <a:prstGeom prst="bentConnector3">
+              <a:avLst/>
+            </a:prstGeom>
+            <a:ln w="57150">
+              <a:tailEnd type="triangle"/>
+            </a:ln>
+          </p:spPr>
+          <p:style>
+            <a:lnRef idx="1">
+              <a:schemeClr val="accent1"/>
+            </a:lnRef>
+            <a:fillRef idx="0">
+              <a:schemeClr val="accent1"/>
+            </a:fillRef>
+            <a:effectRef idx="0">
+              <a:schemeClr val="accent1"/>
+            </a:effectRef>
+            <a:fontRef idx="minor">
+              <a:schemeClr val="tx1"/>
+            </a:fontRef>
+          </p:style>
+        </p:cxnSp>
+        <p:cxnSp>
+          <p:nvCxnSpPr>
+            <p:cNvPr id="98" name="연결선: 꺾임 97">
+              <a:extLst>
+                <a:ext uri="{FF2B5EF4-FFF2-40B4-BE49-F238E27FC236}">
+                  <a16:creationId xmlns:a16="http://schemas.microsoft.com/office/drawing/2014/main" id="{FF446811-0723-7784-9A3D-864249679F5F}"/>
+                </a:ext>
+              </a:extLst>
+            </p:cNvPr>
+            <p:cNvCxnSpPr>
+              <a:stCxn id="52" idx="4"/>
+              <a:endCxn id="77" idx="2"/>
+            </p:cNvCxnSpPr>
+            <p:nvPr/>
+          </p:nvCxnSpPr>
+          <p:spPr>
+            <a:xfrm rot="16200000" flipH="1">
+              <a:off x="532620" y="3546226"/>
+              <a:ext cx="1271940" cy="548767"/>
+            </a:xfrm>
+            <a:prstGeom prst="bentConnector2">
+              <a:avLst/>
+            </a:prstGeom>
+            <a:ln w="57150">
+              <a:solidFill>
+                <a:srgbClr val="5B9BD5"/>
+              </a:solidFill>
+              <a:tailEnd type="triangle"/>
+            </a:ln>
+          </p:spPr>
+          <p:style>
+            <a:lnRef idx="1">
+              <a:schemeClr val="accent1"/>
+            </a:lnRef>
+            <a:fillRef idx="0">
+              <a:schemeClr val="accent1"/>
+            </a:fillRef>
+            <a:effectRef idx="0">
+              <a:schemeClr val="accent1"/>
+            </a:effectRef>
+            <a:fontRef idx="minor">
+              <a:schemeClr val="tx1"/>
+            </a:fontRef>
+          </p:style>
+        </p:cxnSp>
+        <p:cxnSp>
+          <p:nvCxnSpPr>
+            <p:cNvPr id="102" name="직선 화살표 연결선 101">
+              <a:extLst>
+                <a:ext uri="{FF2B5EF4-FFF2-40B4-BE49-F238E27FC236}">
+                  <a16:creationId xmlns:a16="http://schemas.microsoft.com/office/drawing/2014/main" id="{F08F404A-8034-2F3E-E207-6F1E9C7AE466}"/>
+                </a:ext>
+              </a:extLst>
+            </p:cNvPr>
+            <p:cNvCxnSpPr>
+              <a:stCxn id="77" idx="6"/>
+              <a:endCxn id="80" idx="1"/>
+            </p:cNvCxnSpPr>
+            <p:nvPr/>
+          </p:nvCxnSpPr>
+          <p:spPr>
+            <a:xfrm>
+              <a:off x="2301748" y="4456580"/>
+              <a:ext cx="1249172" cy="1271"/>
+            </a:xfrm>
+            <a:prstGeom prst="straightConnector1">
+              <a:avLst/>
+            </a:prstGeom>
+            <a:ln w="28575">
+              <a:solidFill>
+                <a:srgbClr val="5B9BD5"/>
+              </a:solidFill>
+              <a:tailEnd type="triangle"/>
+            </a:ln>
+          </p:spPr>
+          <p:style>
+            <a:lnRef idx="1">
+              <a:schemeClr val="accent1"/>
+            </a:lnRef>
+            <a:fillRef idx="0">
+              <a:schemeClr val="accent1"/>
+            </a:fillRef>
+            <a:effectRef idx="0">
+              <a:schemeClr val="accent1"/>
+            </a:effectRef>
+            <a:fontRef idx="minor">
+              <a:schemeClr val="tx1"/>
+            </a:fontRef>
+          </p:style>
+        </p:cxnSp>
+        <p:sp>
+          <p:nvSpPr>
+            <p:cNvPr id="106" name="타원 105">
+              <a:extLst>
+                <a:ext uri="{FF2B5EF4-FFF2-40B4-BE49-F238E27FC236}">
+                  <a16:creationId xmlns:a16="http://schemas.microsoft.com/office/drawing/2014/main" id="{D7017651-9546-D4BC-7FE1-2ECF7C6DF47F}"/>
+                </a:ext>
+              </a:extLst>
+            </p:cNvPr>
+            <p:cNvSpPr/>
+            <p:nvPr/>
+          </p:nvSpPr>
+          <p:spPr>
+            <a:xfrm>
+              <a:off x="962646" y="5763890"/>
+              <a:ext cx="858775" cy="358137"/>
+            </a:xfrm>
+            <a:prstGeom prst="ellipse">
+              <a:avLst/>
+            </a:prstGeom>
+          </p:spPr>
+          <p:style>
+            <a:lnRef idx="2">
+              <a:schemeClr val="accent6">
+                <a:shade val="15000"/>
+              </a:schemeClr>
+            </a:lnRef>
+            <a:fillRef idx="1">
+              <a:schemeClr val="accent6"/>
+            </a:fillRef>
+            <a:effectRef idx="0">
+              <a:schemeClr val="accent6"/>
+            </a:effectRef>
+            <a:fontRef idx="minor">
+              <a:schemeClr val="lt1"/>
+            </a:fontRef>
+          </p:style>
+          <p:txBody>
+            <a:bodyPr wrap="none" rtlCol="0" anchor="ctr">
+              <a:normAutofit lnSpcReduction="10000"/>
+            </a:bodyPr>
+            <a:lstStyle/>
+            <a:p>
+              <a:pPr algn="ctr"/>
+              <a:r>
+                <a:rPr lang="en-US" altLang="ko-KR" sz="1100" dirty="0">
+                  <a:solidFill>
+                    <a:schemeClr val="tx1"/>
+                  </a:solidFill>
+                </a:rPr>
+                <a:t>MMR</a:t>
+              </a:r>
+              <a:endParaRPr lang="ko-KR" altLang="en-US" sz="1100" dirty="0">
+                <a:solidFill>
+                  <a:schemeClr val="tx1"/>
+                </a:solidFill>
+              </a:endParaRPr>
+            </a:p>
+          </p:txBody>
+        </p:sp>
+        <p:sp>
+          <p:nvSpPr>
+            <p:cNvPr id="107" name="순서도: 처리 106">
+              <a:extLst>
+                <a:ext uri="{FF2B5EF4-FFF2-40B4-BE49-F238E27FC236}">
+                  <a16:creationId xmlns:a16="http://schemas.microsoft.com/office/drawing/2014/main" id="{C5839132-3B25-4B7B-CADF-EF43E4BAF267}"/>
+                </a:ext>
+              </a:extLst>
+            </p:cNvPr>
+            <p:cNvSpPr/>
+            <p:nvPr/>
+          </p:nvSpPr>
+          <p:spPr>
+            <a:xfrm>
+              <a:off x="487680" y="6367627"/>
+              <a:ext cx="1808708" cy="309633"/>
             </a:xfrm>
             <a:prstGeom prst="flowChartProcess">
+              <a:avLst/>
+            </a:prstGeom>
+            <a:solidFill>
+              <a:srgbClr val="70AD47"/>
+            </a:solidFill>
+          </p:spPr>
+          <p:style>
+            <a:lnRef idx="2">
+              <a:schemeClr val="accent1">
+                <a:shade val="15000"/>
+              </a:schemeClr>
+            </a:lnRef>
+            <a:fillRef idx="1">
+              <a:schemeClr val="accent1"/>
+            </a:fillRef>
+            <a:effectRef idx="0">
+              <a:schemeClr val="accent1"/>
+            </a:effectRef>
+            <a:fontRef idx="minor">
+              <a:schemeClr val="lt1"/>
+            </a:fontRef>
+          </p:style>
+          <p:txBody>
+            <a:bodyPr wrap="none" rtlCol="0" anchor="ctr">
+              <a:normAutofit/>
+            </a:bodyPr>
+            <a:lstStyle/>
+            <a:p>
+              <a:pPr algn="ctr"/>
+              <a:r>
+                <a:rPr lang="ko-KR" altLang="en-US" sz="1050" dirty="0" err="1">
+                  <a:solidFill>
+                    <a:schemeClr val="tx1"/>
+                  </a:solidFill>
+                </a:rPr>
+                <a:t>날짜별</a:t>
+              </a:r>
+              <a:r>
+                <a:rPr lang="ko-KR" altLang="en-US" sz="1050" dirty="0">
+                  <a:solidFill>
+                    <a:schemeClr val="tx1"/>
+                  </a:solidFill>
+                </a:rPr>
+                <a:t> </a:t>
+              </a:r>
+              <a:r>
+                <a:rPr lang="en-US" altLang="ko-KR" sz="1050" dirty="0">
+                  <a:solidFill>
+                    <a:schemeClr val="tx1"/>
+                  </a:solidFill>
+                </a:rPr>
+                <a:t>MMR </a:t>
+              </a:r>
+              <a:r>
+                <a:rPr lang="ko-KR" altLang="en-US" sz="1050" dirty="0">
+                  <a:solidFill>
+                    <a:schemeClr val="tx1"/>
+                  </a:solidFill>
+                </a:rPr>
+                <a:t>그래프 그리기</a:t>
+              </a:r>
+            </a:p>
+          </p:txBody>
+        </p:sp>
+        <p:sp>
+          <p:nvSpPr>
+            <p:cNvPr id="1030" name="직사각형 1029">
+              <a:extLst>
+                <a:ext uri="{FF2B5EF4-FFF2-40B4-BE49-F238E27FC236}">
+                  <a16:creationId xmlns:a16="http://schemas.microsoft.com/office/drawing/2014/main" id="{3EB4FE2D-D478-3A22-CB89-93C02BEA42A1}"/>
+                </a:ext>
+              </a:extLst>
+            </p:cNvPr>
+            <p:cNvSpPr/>
+            <p:nvPr/>
+          </p:nvSpPr>
+          <p:spPr>
+            <a:xfrm>
+              <a:off x="3429000" y="5285720"/>
+              <a:ext cx="1407160" cy="921238"/>
+            </a:xfrm>
+            <a:prstGeom prst="rect">
               <a:avLst/>
             </a:prstGeom>
           </p:spPr>
@@ -3073,22 +5107,117 @@
             </a:fontRef>
           </p:style>
           <p:txBody>
-            <a:bodyPr wrap="none" rtlCol="0" anchor="ctr">
-              <a:normAutofit/>
-            </a:bodyPr>
+            <a:bodyPr rtlCol="0" anchor="ctr"/>
             <a:lstStyle/>
             <a:p>
               <a:pPr algn="ctr"/>
-              <a:endParaRPr lang="ko-KR" altLang="en-US" sz="1400"/>
+              <a:endParaRPr lang="ko-KR" altLang="en-US">
+                <a:solidFill>
+                  <a:schemeClr val="tx1"/>
+                </a:solidFill>
+              </a:endParaRPr>
             </a:p>
           </p:txBody>
         </p:sp>
+        <p:cxnSp>
+          <p:nvCxnSpPr>
+            <p:cNvPr id="109" name="연결선: 꺾임 108">
+              <a:extLst>
+                <a:ext uri="{FF2B5EF4-FFF2-40B4-BE49-F238E27FC236}">
+                  <a16:creationId xmlns:a16="http://schemas.microsoft.com/office/drawing/2014/main" id="{0B68A801-B15A-F8DA-9606-D418B8E05C82}"/>
+                </a:ext>
+              </a:extLst>
+            </p:cNvPr>
+            <p:cNvCxnSpPr>
+              <a:cxnSpLocks/>
+              <a:stCxn id="30" idx="2"/>
+              <a:endCxn id="106" idx="2"/>
+            </p:cNvCxnSpPr>
+            <p:nvPr/>
+          </p:nvCxnSpPr>
+          <p:spPr>
+            <a:xfrm rot="10800000" flipV="1">
+              <a:off x="962646" y="3998275"/>
+              <a:ext cx="474968" cy="1944683"/>
+            </a:xfrm>
+            <a:prstGeom prst="bentConnector3">
+              <a:avLst>
+                <a:gd name="adj1" fmla="val 208025"/>
+              </a:avLst>
+            </a:prstGeom>
+            <a:ln w="57150">
+              <a:solidFill>
+                <a:srgbClr val="70AD47"/>
+              </a:solidFill>
+              <a:tailEnd type="triangle"/>
+            </a:ln>
+          </p:spPr>
+          <p:style>
+            <a:lnRef idx="1">
+              <a:schemeClr val="accent1"/>
+            </a:lnRef>
+            <a:fillRef idx="0">
+              <a:schemeClr val="accent1"/>
+            </a:fillRef>
+            <a:effectRef idx="0">
+              <a:schemeClr val="accent1"/>
+            </a:effectRef>
+            <a:fontRef idx="minor">
+              <a:schemeClr val="tx1"/>
+            </a:fontRef>
+          </p:style>
+        </p:cxnSp>
+        <p:cxnSp>
+          <p:nvCxnSpPr>
+            <p:cNvPr id="113" name="직선 화살표 연결선 112">
+              <a:extLst>
+                <a:ext uri="{FF2B5EF4-FFF2-40B4-BE49-F238E27FC236}">
+                  <a16:creationId xmlns:a16="http://schemas.microsoft.com/office/drawing/2014/main" id="{3B38905C-24AD-194D-3313-62EF7A6B2E6F}"/>
+                </a:ext>
+              </a:extLst>
+            </p:cNvPr>
+            <p:cNvCxnSpPr>
+              <a:stCxn id="106" idx="4"/>
+              <a:endCxn id="107" idx="0"/>
+            </p:cNvCxnSpPr>
+            <p:nvPr/>
+          </p:nvCxnSpPr>
+          <p:spPr>
+            <a:xfrm>
+              <a:off x="1392034" y="6122027"/>
+              <a:ext cx="0" cy="245600"/>
+            </a:xfrm>
+            <a:prstGeom prst="straightConnector1">
+              <a:avLst/>
+            </a:prstGeom>
+            <a:ln w="57150">
+              <a:solidFill>
+                <a:srgbClr val="70AD47"/>
+              </a:solidFill>
+              <a:tailEnd type="triangle"/>
+            </a:ln>
+          </p:spPr>
+          <p:style>
+            <a:lnRef idx="1">
+              <a:schemeClr val="accent1"/>
+            </a:lnRef>
+            <a:fillRef idx="0">
+              <a:schemeClr val="accent1"/>
+            </a:fillRef>
+            <a:effectRef idx="0">
+              <a:schemeClr val="accent1"/>
+            </a:effectRef>
+            <a:fontRef idx="minor">
+              <a:schemeClr val="tx1"/>
+            </a:fontRef>
+          </p:style>
+        </p:cxnSp>
         <p:sp>
           <p:nvSpPr>
-            <p:cNvPr id="6" name="순서도: 처리 5">
+            <p:cNvPr id="118" name="순서도: 처리 117">
               <a:extLst>
                 <a:ext uri="{FF2B5EF4-FFF2-40B4-BE49-F238E27FC236}">
-                  <a16:creationId xmlns:a16="http://schemas.microsoft.com/office/drawing/2014/main" id="{3BEC61EC-E2F3-EF65-5400-DE06AC149197}"/>
+                  <a16:creationId xmlns:a16="http://schemas.microsoft.com/office/drawing/2014/main" id="{7D2B04E6-6AA6-6022-8E82-BE49460BA6BC}"/>
                 </a:ext>
               </a:extLst>
             </p:cNvPr>
@@ -3097,8 +5226,8 @@
           </p:nvSpPr>
           <p:spPr>
             <a:xfrm>
-              <a:off x="487680" y="1021080"/>
-              <a:ext cx="675640" cy="289560"/>
+              <a:off x="487680" y="6777096"/>
+              <a:ext cx="1808708" cy="309633"/>
             </a:xfrm>
             <a:prstGeom prst="flowChartProcess">
               <a:avLst/>
@@ -3106,253 +5235,15 @@
           </p:spPr>
           <p:style>
             <a:lnRef idx="2">
-              <a:schemeClr val="dk1"/>
-            </a:lnRef>
-            <a:fillRef idx="1">
-              <a:schemeClr val="lt1"/>
-            </a:fillRef>
-            <a:effectRef idx="0">
-              <a:schemeClr val="dk1"/>
-            </a:effectRef>
-            <a:fontRef idx="minor">
-              <a:schemeClr val="dk1"/>
-            </a:fontRef>
-          </p:style>
-          <p:txBody>
-            <a:bodyPr wrap="none" rtlCol="0" anchor="ctr">
-              <a:normAutofit lnSpcReduction="10000"/>
-            </a:bodyPr>
-            <a:lstStyle/>
-            <a:p>
-              <a:pPr algn="ctr"/>
-              <a:r>
-                <a:rPr lang="ko-KR" altLang="en-US" sz="1400"/>
-                <a:t>로비</a:t>
-              </a:r>
-            </a:p>
-          </p:txBody>
-        </p:sp>
-      </p:grpSp>
-      <p:grpSp>
-        <p:nvGrpSpPr>
-          <p:cNvPr id="8" name="그룹 7">
-            <a:extLst>
-              <a:ext uri="{FF2B5EF4-FFF2-40B4-BE49-F238E27FC236}">
-                <a16:creationId xmlns:a16="http://schemas.microsoft.com/office/drawing/2014/main" id="{446780BD-3E68-1AFB-1E0A-1AC0252A321A}"/>
-              </a:ext>
-            </a:extLst>
-          </p:cNvPr>
-          <p:cNvGrpSpPr/>
-          <p:nvPr/>
-        </p:nvGrpSpPr>
-        <p:grpSpPr>
-          <a:xfrm>
-            <a:off x="375920" y="2045970"/>
-            <a:ext cx="2118360" cy="5495623"/>
-            <a:chOff x="398780" y="925830"/>
-            <a:chExt cx="2118360" cy="5495623"/>
-          </a:xfrm>
-        </p:grpSpPr>
-        <p:sp>
-          <p:nvSpPr>
-            <p:cNvPr id="9" name="순서도: 처리 8">
-              <a:extLst>
-                <a:ext uri="{FF2B5EF4-FFF2-40B4-BE49-F238E27FC236}">
-                  <a16:creationId xmlns:a16="http://schemas.microsoft.com/office/drawing/2014/main" id="{8A4209AB-23B0-3091-DB3A-074CF8B00A82}"/>
-                </a:ext>
-              </a:extLst>
-            </p:cNvPr>
-            <p:cNvSpPr/>
-            <p:nvPr/>
-          </p:nvSpPr>
-          <p:spPr>
-            <a:xfrm>
-              <a:off x="398780" y="1065530"/>
-              <a:ext cx="2118360" cy="5355923"/>
-            </a:xfrm>
-            <a:prstGeom prst="flowChartProcess">
-              <a:avLst/>
-            </a:prstGeom>
-          </p:spPr>
-          <p:style>
-            <a:lnRef idx="2">
-              <a:schemeClr val="dk1"/>
-            </a:lnRef>
-            <a:fillRef idx="1">
-              <a:schemeClr val="lt1"/>
-            </a:fillRef>
-            <a:effectRef idx="0">
-              <a:schemeClr val="dk1"/>
-            </a:effectRef>
-            <a:fontRef idx="minor">
-              <a:schemeClr val="dk1"/>
-            </a:fontRef>
-          </p:style>
-          <p:txBody>
-            <a:bodyPr wrap="none" rtlCol="0" anchor="ctr">
-              <a:normAutofit/>
-            </a:bodyPr>
-            <a:lstStyle/>
-            <a:p>
-              <a:pPr algn="ctr"/>
-              <a:endParaRPr lang="ko-KR" altLang="en-US" sz="1400" dirty="0"/>
-            </a:p>
-          </p:txBody>
-        </p:sp>
-        <p:sp>
-          <p:nvSpPr>
-            <p:cNvPr id="10" name="순서도: 처리 9">
-              <a:extLst>
-                <a:ext uri="{FF2B5EF4-FFF2-40B4-BE49-F238E27FC236}">
-                  <a16:creationId xmlns:a16="http://schemas.microsoft.com/office/drawing/2014/main" id="{B92EA284-A330-60FF-B786-DC57F4EA0A19}"/>
-                </a:ext>
-              </a:extLst>
-            </p:cNvPr>
-            <p:cNvSpPr/>
-            <p:nvPr/>
-          </p:nvSpPr>
-          <p:spPr>
-            <a:xfrm>
-              <a:off x="487680" y="925830"/>
-              <a:ext cx="675640" cy="279400"/>
-            </a:xfrm>
-            <a:prstGeom prst="flowChartProcess">
-              <a:avLst/>
-            </a:prstGeom>
-          </p:spPr>
-          <p:style>
-            <a:lnRef idx="2">
-              <a:schemeClr val="dk1"/>
-            </a:lnRef>
-            <a:fillRef idx="1">
-              <a:schemeClr val="lt1"/>
-            </a:fillRef>
-            <a:effectRef idx="0">
-              <a:schemeClr val="dk1"/>
-            </a:effectRef>
-            <a:fontRef idx="minor">
-              <a:schemeClr val="dk1"/>
-            </a:fontRef>
-          </p:style>
-          <p:txBody>
-            <a:bodyPr wrap="none" rtlCol="0" anchor="ctr">
-              <a:normAutofit fontScale="92500" lnSpcReduction="10000"/>
-            </a:bodyPr>
-            <a:lstStyle/>
-            <a:p>
-              <a:pPr algn="ctr"/>
-              <a:r>
-                <a:rPr lang="ko-KR" altLang="en-US" sz="1400" dirty="0"/>
-                <a:t>유저</a:t>
-              </a:r>
-              <a:endParaRPr lang="en-US" altLang="ko-KR" sz="1400" dirty="0"/>
-            </a:p>
-          </p:txBody>
-        </p:sp>
-      </p:grpSp>
-      <p:sp>
-        <p:nvSpPr>
-          <p:cNvPr id="11" name="순서도: 데이터 10">
-            <a:extLst>
-              <a:ext uri="{FF2B5EF4-FFF2-40B4-BE49-F238E27FC236}">
-                <a16:creationId xmlns:a16="http://schemas.microsoft.com/office/drawing/2014/main" id="{F839E9F4-4C7A-3F69-6069-FFB672AFE45A}"/>
-              </a:ext>
-            </a:extLst>
-          </p:cNvPr>
-          <p:cNvSpPr/>
-          <p:nvPr/>
-        </p:nvSpPr>
-        <p:spPr>
-          <a:xfrm>
-            <a:off x="553720" y="1165860"/>
-            <a:ext cx="1874520" cy="500380"/>
-          </a:xfrm>
-          <a:prstGeom prst="flowChartInputOutput">
-            <a:avLst/>
-          </a:prstGeom>
-        </p:spPr>
-        <p:style>
-          <a:lnRef idx="2">
-            <a:schemeClr val="accent1">
-              <a:shade val="15000"/>
-            </a:schemeClr>
-          </a:lnRef>
-          <a:fillRef idx="1">
-            <a:schemeClr val="accent1"/>
-          </a:fillRef>
-          <a:effectRef idx="0">
-            <a:schemeClr val="accent1"/>
-          </a:effectRef>
-          <a:fontRef idx="minor">
-            <a:schemeClr val="lt1"/>
-          </a:fontRef>
-        </p:style>
-        <p:txBody>
-          <a:bodyPr wrap="none" rtlCol="0" anchor="ctr">
-            <a:normAutofit/>
-          </a:bodyPr>
-          <a:lstStyle/>
-          <a:p>
-            <a:pPr algn="ctr"/>
-            <a:r>
-              <a:rPr lang="ko-KR" altLang="en-US" sz="1400" dirty="0"/>
-              <a:t>검색할 유저 닉네임 입력</a:t>
-            </a:r>
-          </a:p>
-        </p:txBody>
-      </p:sp>
-      <p:grpSp>
-        <p:nvGrpSpPr>
-          <p:cNvPr id="15" name="그룹 14">
-            <a:extLst>
-              <a:ext uri="{FF2B5EF4-FFF2-40B4-BE49-F238E27FC236}">
-                <a16:creationId xmlns:a16="http://schemas.microsoft.com/office/drawing/2014/main" id="{C0D5A51F-508D-8B0B-B74C-BAF505573225}"/>
-              </a:ext>
-            </a:extLst>
-          </p:cNvPr>
-          <p:cNvGrpSpPr/>
-          <p:nvPr/>
-        </p:nvGrpSpPr>
-        <p:grpSpPr>
-          <a:xfrm>
-            <a:off x="3550920" y="1068070"/>
-            <a:ext cx="1000760" cy="695960"/>
-            <a:chOff x="2890520" y="924560"/>
-            <a:chExt cx="1000760" cy="695960"/>
-          </a:xfrm>
-        </p:grpSpPr>
-        <p:sp>
-          <p:nvSpPr>
-            <p:cNvPr id="14" name="직사각형 13">
-              <a:extLst>
-                <a:ext uri="{FF2B5EF4-FFF2-40B4-BE49-F238E27FC236}">
-                  <a16:creationId xmlns:a16="http://schemas.microsoft.com/office/drawing/2014/main" id="{27EF5B85-5392-4263-CBB9-16F7170F1A01}"/>
-                </a:ext>
-              </a:extLst>
-            </p:cNvPr>
-            <p:cNvSpPr/>
-            <p:nvPr/>
-          </p:nvSpPr>
-          <p:spPr>
-            <a:xfrm>
-              <a:off x="2890520" y="924560"/>
-              <a:ext cx="1000760" cy="695960"/>
-            </a:xfrm>
-            <a:prstGeom prst="rect">
-              <a:avLst/>
-            </a:prstGeom>
-          </p:spPr>
-          <p:style>
-            <a:lnRef idx="2">
-              <a:schemeClr val="accent1">
+              <a:schemeClr val="accent6">
                 <a:shade val="15000"/>
               </a:schemeClr>
             </a:lnRef>
             <a:fillRef idx="1">
-              <a:schemeClr val="accent1"/>
+              <a:schemeClr val="accent6"/>
             </a:fillRef>
             <a:effectRef idx="0">
-              <a:schemeClr val="accent1"/>
+              <a:schemeClr val="accent6"/>
             </a:effectRef>
             <a:fontRef idx="minor">
               <a:schemeClr val="lt1"/>
@@ -3364,222 +5255,264 @@
             </a:bodyPr>
             <a:lstStyle/>
             <a:p>
-              <a:pPr algn="r"/>
+              <a:pPr algn="ctr"/>
               <a:r>
-                <a:rPr lang="en-US" altLang="ko-KR" dirty="0"/>
-                <a:t>API</a:t>
+                <a:rPr lang="ko-KR" altLang="en-US" sz="1050">
+                  <a:solidFill>
+                    <a:schemeClr val="tx1"/>
+                  </a:solidFill>
+                </a:rPr>
+                <a:t>대전기록 표시</a:t>
               </a:r>
-              <a:endParaRPr lang="ko-KR" altLang="en-US" dirty="0"/>
+              <a:endParaRPr lang="ko-KR" altLang="en-US" sz="1050" dirty="0">
+                <a:solidFill>
+                  <a:schemeClr val="tx1"/>
+                </a:solidFill>
+              </a:endParaRPr>
             </a:p>
           </p:txBody>
         </p:sp>
-        <p:pic>
-          <p:nvPicPr>
-            <p:cNvPr id="13" name="그림 12">
+        <p:cxnSp>
+          <p:nvCxnSpPr>
+            <p:cNvPr id="120" name="연결선: 꺾임 119">
               <a:extLst>
                 <a:ext uri="{FF2B5EF4-FFF2-40B4-BE49-F238E27FC236}">
-                  <a16:creationId xmlns:a16="http://schemas.microsoft.com/office/drawing/2014/main" id="{5DEEBA33-CFD2-847A-4168-CEAB173BF6BA}"/>
+                  <a16:creationId xmlns:a16="http://schemas.microsoft.com/office/drawing/2014/main" id="{201E4816-3E8B-D364-4710-B6EBF440DE71}"/>
                 </a:ext>
               </a:extLst>
             </p:cNvPr>
-            <p:cNvPicPr>
-              <a:picLocks noChangeAspect="1"/>
-            </p:cNvPicPr>
+            <p:cNvCxnSpPr>
+              <a:stCxn id="30" idx="2"/>
+              <a:endCxn id="118" idx="1"/>
+            </p:cNvCxnSpPr>
             <p:nvPr/>
-          </p:nvPicPr>
-          <p:blipFill>
-            <a:blip r:embed="rId2">
+          </p:nvCxnSpPr>
+          <p:spPr>
+            <a:xfrm rot="10800000" flipV="1">
+              <a:off x="487680" y="3998275"/>
+              <a:ext cx="949934" cy="2933637"/>
+            </a:xfrm>
+            <a:prstGeom prst="bentConnector3">
+              <a:avLst>
+                <a:gd name="adj1" fmla="val 124065"/>
+              </a:avLst>
+            </a:prstGeom>
+            <a:ln w="57150">
+              <a:solidFill>
+                <a:srgbClr val="70AD47"/>
+              </a:solidFill>
+              <a:tailEnd type="triangle"/>
+            </a:ln>
+          </p:spPr>
+          <p:style>
+            <a:lnRef idx="1">
+              <a:schemeClr val="accent1"/>
+            </a:lnRef>
+            <a:fillRef idx="0">
+              <a:schemeClr val="accent1"/>
+            </a:fillRef>
+            <a:effectRef idx="0">
+              <a:schemeClr val="accent1"/>
+            </a:effectRef>
+            <a:fontRef idx="minor">
+              <a:schemeClr val="tx1"/>
+            </a:fontRef>
+          </p:style>
+        </p:cxnSp>
+        <p:grpSp>
+          <p:nvGrpSpPr>
+            <p:cNvPr id="1025" name="그룹 1024">
               <a:extLst>
-                <a:ext uri="{28A0092B-C50C-407E-A947-70E740481C1C}">
-                  <a14:useLocalDpi xmlns:a14="http://schemas.microsoft.com/office/drawing/2010/main" val="0"/>
+                <a:ext uri="{FF2B5EF4-FFF2-40B4-BE49-F238E27FC236}">
+                  <a16:creationId xmlns:a16="http://schemas.microsoft.com/office/drawing/2014/main" id="{FB6AEAE1-4E3D-7E7B-335A-8DCFCF12C530}"/>
                 </a:ext>
               </a:extLst>
-            </a:blip>
-            <a:stretch>
-              <a:fillRect/>
-            </a:stretch>
-          </p:blipFill>
+            </p:cNvPr>
+            <p:cNvGrpSpPr/>
+            <p:nvPr/>
+          </p:nvGrpSpPr>
+          <p:grpSpPr>
+            <a:xfrm>
+              <a:off x="3550920" y="5011884"/>
+              <a:ext cx="1148080" cy="619760"/>
+              <a:chOff x="3550920" y="5547360"/>
+              <a:chExt cx="1148080" cy="619760"/>
+            </a:xfrm>
+            <a:solidFill>
+              <a:schemeClr val="tx1">
+                <a:lumMod val="75000"/>
+                <a:lumOff val="25000"/>
+              </a:schemeClr>
+            </a:solidFill>
+          </p:grpSpPr>
+          <p:sp>
+            <p:nvSpPr>
+              <p:cNvPr id="127" name="직사각형 126">
+                <a:extLst>
+                  <a:ext uri="{FF2B5EF4-FFF2-40B4-BE49-F238E27FC236}">
+                    <a16:creationId xmlns:a16="http://schemas.microsoft.com/office/drawing/2014/main" id="{7EC5B530-289D-D98E-7AF1-CF8F237CDC3E}"/>
+                  </a:ext>
+                </a:extLst>
+              </p:cNvPr>
+              <p:cNvSpPr/>
+              <p:nvPr/>
+            </p:nvSpPr>
+            <p:spPr>
+              <a:xfrm>
+                <a:off x="3550920" y="5547360"/>
+                <a:ext cx="1148080" cy="619760"/>
+              </a:xfrm>
+              <a:prstGeom prst="rect">
+                <a:avLst/>
+              </a:prstGeom>
+              <a:grpFill/>
+            </p:spPr>
+            <p:style>
+              <a:lnRef idx="2">
+                <a:schemeClr val="accent3">
+                  <a:shade val="15000"/>
+                </a:schemeClr>
+              </a:lnRef>
+              <a:fillRef idx="1">
+                <a:schemeClr val="accent3"/>
+              </a:fillRef>
+              <a:effectRef idx="0">
+                <a:schemeClr val="accent3"/>
+              </a:effectRef>
+              <a:fontRef idx="minor">
+                <a:schemeClr val="lt1"/>
+              </a:fontRef>
+            </p:style>
+            <p:txBody>
+              <a:bodyPr wrap="none" rtlCol="0" anchor="ctr">
+                <a:normAutofit/>
+              </a:bodyPr>
+              <a:lstStyle/>
+              <a:p>
+                <a:pPr algn="r"/>
+                <a:r>
+                  <a:rPr lang="ko-KR" altLang="en-US">
+                    <a:solidFill>
+                      <a:schemeClr val="bg1"/>
+                    </a:solidFill>
+                  </a:rPr>
+                  <a:t>서버</a:t>
+                </a:r>
+                <a:endParaRPr lang="ko-KR" altLang="en-US" dirty="0">
+                  <a:solidFill>
+                    <a:schemeClr val="bg1"/>
+                  </a:solidFill>
+                </a:endParaRPr>
+              </a:p>
+            </p:txBody>
+          </p:sp>
+          <p:pic>
+            <p:nvPicPr>
+              <p:cNvPr id="1026" name="Picture 2" descr="Python 로고 - 소셜 미디어 및 로고 아이콘">
+                <a:extLst>
+                  <a:ext uri="{FF2B5EF4-FFF2-40B4-BE49-F238E27FC236}">
+                    <a16:creationId xmlns:a16="http://schemas.microsoft.com/office/drawing/2014/main" id="{D7F8420F-F25A-A638-D5A8-44052F6602EF}"/>
+                  </a:ext>
+                </a:extLst>
+              </p:cNvPr>
+              <p:cNvPicPr>
+                <a:picLocks noChangeAspect="1" noChangeArrowheads="1"/>
+              </p:cNvPicPr>
+              <p:nvPr/>
+            </p:nvPicPr>
+            <p:blipFill>
+              <a:blip r:embed="rId3">
+                <a:extLst>
+                  <a:ext uri="{28A0092B-C50C-407E-A947-70E740481C1C}">
+                    <a14:useLocalDpi xmlns:a14="http://schemas.microsoft.com/office/drawing/2010/main" val="0"/>
+                  </a:ext>
+                </a:extLst>
+              </a:blip>
+              <a:srcRect/>
+              <a:stretch>
+                <a:fillRect/>
+              </a:stretch>
+            </p:blipFill>
+            <p:spPr bwMode="auto">
+              <a:xfrm>
+                <a:off x="3592320" y="5605134"/>
+                <a:ext cx="516893" cy="516893"/>
+              </a:xfrm>
+              <a:prstGeom prst="rect">
+                <a:avLst/>
+              </a:prstGeom>
+              <a:grpFill/>
+            </p:spPr>
+            <p:style>
+              <a:lnRef idx="2">
+                <a:schemeClr val="accent3">
+                  <a:shade val="15000"/>
+                </a:schemeClr>
+              </a:lnRef>
+              <a:fillRef idx="1">
+                <a:schemeClr val="accent3"/>
+              </a:fillRef>
+              <a:effectRef idx="0">
+                <a:schemeClr val="accent3"/>
+              </a:effectRef>
+              <a:fontRef idx="minor">
+                <a:schemeClr val="lt1"/>
+              </a:fontRef>
+            </p:style>
+          </p:pic>
+        </p:grpSp>
+        <p:cxnSp>
+          <p:nvCxnSpPr>
+            <p:cNvPr id="1028" name="직선 화살표 연결선 1027">
+              <a:extLst>
+                <a:ext uri="{FF2B5EF4-FFF2-40B4-BE49-F238E27FC236}">
+                  <a16:creationId xmlns:a16="http://schemas.microsoft.com/office/drawing/2014/main" id="{CFC3F05E-FE6C-2DE3-8EEF-4301A0EEA82C}"/>
+                </a:ext>
+              </a:extLst>
+            </p:cNvPr>
+            <p:cNvCxnSpPr>
+              <a:cxnSpLocks/>
+              <a:stCxn id="106" idx="6"/>
+              <a:endCxn id="1031" idx="1"/>
+            </p:cNvCxnSpPr>
+            <p:nvPr/>
+          </p:nvCxnSpPr>
           <p:spPr>
             <a:xfrm>
-              <a:off x="2951734" y="970787"/>
-              <a:ext cx="477266" cy="576321"/>
+              <a:off x="1821421" y="5942959"/>
+              <a:ext cx="1729499" cy="4647"/>
             </a:xfrm>
-            <a:prstGeom prst="rect">
+            <a:prstGeom prst="straightConnector1">
               <a:avLst/>
             </a:prstGeom>
+            <a:ln w="57150">
+              <a:solidFill>
+                <a:srgbClr val="70AD47"/>
+              </a:solidFill>
+              <a:tailEnd type="triangle"/>
+            </a:ln>
           </p:spPr>
-        </p:pic>
-      </p:grpSp>
-      <p:cxnSp>
-        <p:nvCxnSpPr>
-          <p:cNvPr id="17" name="직선 화살표 연결선 16">
-            <a:extLst>
-              <a:ext uri="{FF2B5EF4-FFF2-40B4-BE49-F238E27FC236}">
-                <a16:creationId xmlns:a16="http://schemas.microsoft.com/office/drawing/2014/main" id="{AF13839A-A7E4-7534-9ACD-98C5BC412327}"/>
-              </a:ext>
-            </a:extLst>
-          </p:cNvPr>
-          <p:cNvCxnSpPr>
-            <a:cxnSpLocks/>
-            <a:stCxn id="11" idx="5"/>
-            <a:endCxn id="14" idx="1"/>
-          </p:cNvCxnSpPr>
-          <p:nvPr/>
-        </p:nvCxnSpPr>
-        <p:spPr>
-          <a:xfrm>
-            <a:off x="2240788" y="1416050"/>
-            <a:ext cx="1310132" cy="0"/>
-          </a:xfrm>
-          <a:prstGeom prst="straightConnector1">
-            <a:avLst/>
-          </a:prstGeom>
-          <a:ln>
-            <a:tailEnd type="triangle"/>
-          </a:ln>
-        </p:spPr>
-        <p:style>
-          <a:lnRef idx="1">
-            <a:schemeClr val="accent1"/>
-          </a:lnRef>
-          <a:fillRef idx="0">
-            <a:schemeClr val="accent1"/>
-          </a:fillRef>
-          <a:effectRef idx="0">
-            <a:schemeClr val="accent1"/>
-          </a:effectRef>
-          <a:fontRef idx="minor">
-            <a:schemeClr val="tx1"/>
-          </a:fontRef>
-        </p:style>
-      </p:cxnSp>
-      <p:sp>
-        <p:nvSpPr>
-          <p:cNvPr id="19" name="타원 18">
-            <a:extLst>
-              <a:ext uri="{FF2B5EF4-FFF2-40B4-BE49-F238E27FC236}">
-                <a16:creationId xmlns:a16="http://schemas.microsoft.com/office/drawing/2014/main" id="{3182E211-0B51-A554-B714-2B3D38E67B87}"/>
-              </a:ext>
-            </a:extLst>
-          </p:cNvPr>
-          <p:cNvSpPr/>
-          <p:nvPr/>
-        </p:nvSpPr>
-        <p:spPr>
-          <a:xfrm>
-            <a:off x="1437615" y="3327717"/>
-            <a:ext cx="858774" cy="358137"/>
-          </a:xfrm>
-          <a:prstGeom prst="ellipse">
-            <a:avLst/>
-          </a:prstGeom>
-        </p:spPr>
-        <p:style>
-          <a:lnRef idx="2">
-            <a:schemeClr val="accent1">
-              <a:shade val="15000"/>
-            </a:schemeClr>
-          </a:lnRef>
-          <a:fillRef idx="1">
-            <a:schemeClr val="accent1"/>
-          </a:fillRef>
-          <a:effectRef idx="0">
-            <a:schemeClr val="accent1"/>
-          </a:effectRef>
-          <a:fontRef idx="minor">
-            <a:schemeClr val="lt1"/>
-          </a:fontRef>
-        </p:style>
-        <p:txBody>
-          <a:bodyPr wrap="none" rtlCol="0" anchor="ctr">
-            <a:normAutofit lnSpcReduction="10000"/>
-          </a:bodyPr>
-          <a:lstStyle/>
-          <a:p>
-            <a:pPr algn="ctr"/>
-            <a:r>
-              <a:rPr lang="ko-KR" altLang="en-US" sz="1100" dirty="0"/>
-              <a:t>유저</a:t>
-            </a:r>
-            <a:r>
-              <a:rPr lang="en-US" altLang="ko-KR" sz="1100" dirty="0"/>
-              <a:t>ID</a:t>
-            </a:r>
-            <a:endParaRPr lang="ko-KR" altLang="en-US" sz="1100" dirty="0"/>
-          </a:p>
-        </p:txBody>
-      </p:sp>
-      <p:cxnSp>
-        <p:nvCxnSpPr>
-          <p:cNvPr id="21" name="연결선: 꺾임 20">
-            <a:extLst>
-              <a:ext uri="{FF2B5EF4-FFF2-40B4-BE49-F238E27FC236}">
-                <a16:creationId xmlns:a16="http://schemas.microsoft.com/office/drawing/2014/main" id="{8C625713-3691-2B27-D4EE-7EBF5E75F764}"/>
-              </a:ext>
-            </a:extLst>
-          </p:cNvPr>
-          <p:cNvCxnSpPr>
-            <a:cxnSpLocks/>
-            <a:stCxn id="14" idx="2"/>
-            <a:endCxn id="19" idx="0"/>
-          </p:cNvCxnSpPr>
-          <p:nvPr/>
-        </p:nvCxnSpPr>
-        <p:spPr>
-          <a:xfrm rot="5400000">
-            <a:off x="2177308" y="1453724"/>
-            <a:ext cx="1563687" cy="2184298"/>
-          </a:xfrm>
-          <a:prstGeom prst="bentConnector3">
-            <a:avLst>
-              <a:gd name="adj1" fmla="val 20761"/>
-            </a:avLst>
-          </a:prstGeom>
-          <a:ln>
-            <a:tailEnd type="triangle"/>
-          </a:ln>
-        </p:spPr>
-        <p:style>
-          <a:lnRef idx="1">
-            <a:schemeClr val="accent1"/>
-          </a:lnRef>
-          <a:fillRef idx="0">
-            <a:schemeClr val="accent1"/>
-          </a:fillRef>
-          <a:effectRef idx="0">
-            <a:schemeClr val="accent1"/>
-          </a:effectRef>
-          <a:fontRef idx="minor">
-            <a:schemeClr val="tx1"/>
-          </a:fontRef>
-        </p:style>
-      </p:cxnSp>
-      <p:grpSp>
-        <p:nvGrpSpPr>
-          <p:cNvPr id="23" name="그룹 22">
-            <a:extLst>
-              <a:ext uri="{FF2B5EF4-FFF2-40B4-BE49-F238E27FC236}">
-                <a16:creationId xmlns:a16="http://schemas.microsoft.com/office/drawing/2014/main" id="{FDED2CC5-D077-D73A-39AB-41C057DE9620}"/>
-              </a:ext>
-            </a:extLst>
-          </p:cNvPr>
-          <p:cNvGrpSpPr/>
-          <p:nvPr/>
-        </p:nvGrpSpPr>
-        <p:grpSpPr>
-          <a:xfrm>
-            <a:off x="3550920" y="3158806"/>
-            <a:ext cx="1000760" cy="695960"/>
-            <a:chOff x="2890520" y="924560"/>
-            <a:chExt cx="1000760" cy="695960"/>
-          </a:xfrm>
-        </p:grpSpPr>
+          <p:style>
+            <a:lnRef idx="1">
+              <a:schemeClr val="accent1"/>
+            </a:lnRef>
+            <a:fillRef idx="0">
+              <a:schemeClr val="accent1"/>
+            </a:fillRef>
+            <a:effectRef idx="0">
+              <a:schemeClr val="accent1"/>
+            </a:effectRef>
+            <a:fontRef idx="minor">
+              <a:schemeClr val="tx1"/>
+            </a:fontRef>
+          </p:style>
+        </p:cxnSp>
         <p:sp>
           <p:nvSpPr>
-            <p:cNvPr id="24" name="직사각형 23">
+            <p:cNvPr id="1031" name="직사각형 1030">
               <a:extLst>
                 <a:ext uri="{FF2B5EF4-FFF2-40B4-BE49-F238E27FC236}">
-                  <a16:creationId xmlns:a16="http://schemas.microsoft.com/office/drawing/2014/main" id="{3C0BEE33-121B-8377-F71F-948A00058209}"/>
+                  <a16:creationId xmlns:a16="http://schemas.microsoft.com/office/drawing/2014/main" id="{D0BE4A50-B413-5A79-B3B9-E406E8D36CA6}"/>
                 </a:ext>
               </a:extLst>
             </p:cNvPr>
@@ -3588,12 +5521,68 @@
           </p:nvSpPr>
           <p:spPr>
             <a:xfrm>
-              <a:off x="2890520" y="924560"/>
-              <a:ext cx="1000760" cy="695960"/>
+              <a:off x="3550920" y="5761666"/>
+              <a:ext cx="1148080" cy="371879"/>
             </a:xfrm>
             <a:prstGeom prst="rect">
               <a:avLst/>
             </a:prstGeom>
+          </p:spPr>
+          <p:style>
+            <a:lnRef idx="2">
+              <a:schemeClr val="accent3">
+                <a:shade val="15000"/>
+              </a:schemeClr>
+            </a:lnRef>
+            <a:fillRef idx="1">
+              <a:schemeClr val="accent3"/>
+            </a:fillRef>
+            <a:effectRef idx="0">
+              <a:schemeClr val="accent3"/>
+            </a:effectRef>
+            <a:fontRef idx="minor">
+              <a:schemeClr val="lt1"/>
+            </a:fontRef>
+          </p:style>
+          <p:txBody>
+            <a:bodyPr rtlCol="0" anchor="ctr"/>
+            <a:lstStyle/>
+            <a:p>
+              <a:pPr algn="ctr"/>
+              <a:r>
+                <a:rPr lang="ko-KR" altLang="en-US" sz="1000" dirty="0">
+                  <a:solidFill>
+                    <a:schemeClr val="tx1"/>
+                  </a:solidFill>
+                </a:rPr>
+                <a:t>선형회귀를 이용한 예측</a:t>
+              </a:r>
+            </a:p>
+          </p:txBody>
+        </p:sp>
+        <p:sp>
+          <p:nvSpPr>
+            <p:cNvPr id="1037" name="순서도: 처리 1036">
+              <a:extLst>
+                <a:ext uri="{FF2B5EF4-FFF2-40B4-BE49-F238E27FC236}">
+                  <a16:creationId xmlns:a16="http://schemas.microsoft.com/office/drawing/2014/main" id="{3B8204E9-E8B9-0274-3693-656B571018FC}"/>
+                </a:ext>
+              </a:extLst>
+            </p:cNvPr>
+            <p:cNvSpPr/>
+            <p:nvPr/>
+          </p:nvSpPr>
+          <p:spPr>
+            <a:xfrm>
+              <a:off x="487680" y="7199686"/>
+              <a:ext cx="1808708" cy="309633"/>
+            </a:xfrm>
+            <a:prstGeom prst="flowChartProcess">
+              <a:avLst/>
+            </a:prstGeom>
+            <a:solidFill>
+              <a:srgbClr val="A5A5A5"/>
+            </a:solidFill>
           </p:spPr>
           <p:style>
             <a:lnRef idx="2">
@@ -3617,1716 +5606,106 @@
             </a:bodyPr>
             <a:lstStyle/>
             <a:p>
-              <a:pPr algn="r"/>
+              <a:pPr algn="ctr"/>
               <a:r>
-                <a:rPr lang="en-US" altLang="ko-KR" dirty="0"/>
-                <a:t>API</a:t>
+                <a:rPr lang="ko-KR" altLang="en-US" sz="1050" dirty="0">
+                  <a:solidFill>
+                    <a:schemeClr val="tx1"/>
+                  </a:solidFill>
+                </a:rPr>
+                <a:t>예측 그래프 그리기</a:t>
               </a:r>
-              <a:endParaRPr lang="ko-KR" altLang="en-US" dirty="0"/>
             </a:p>
           </p:txBody>
         </p:sp>
-        <p:pic>
-          <p:nvPicPr>
-            <p:cNvPr id="25" name="그림 24">
+        <p:cxnSp>
+          <p:nvCxnSpPr>
+            <p:cNvPr id="1039" name="연결선: 꺾임 1038">
               <a:extLst>
                 <a:ext uri="{FF2B5EF4-FFF2-40B4-BE49-F238E27FC236}">
-                  <a16:creationId xmlns:a16="http://schemas.microsoft.com/office/drawing/2014/main" id="{16C1BC69-3462-673E-3F5B-388EC091F14F}"/>
+                  <a16:creationId xmlns:a16="http://schemas.microsoft.com/office/drawing/2014/main" id="{BE037180-A3BF-F2FD-CFF0-DDD0D07ECAB7}"/>
                 </a:ext>
               </a:extLst>
             </p:cNvPr>
-            <p:cNvPicPr>
-              <a:picLocks noChangeAspect="1"/>
-            </p:cNvPicPr>
+            <p:cNvCxnSpPr>
+              <a:stCxn id="1031" idx="2"/>
+              <a:endCxn id="1037" idx="3"/>
+            </p:cNvCxnSpPr>
             <p:nvPr/>
-          </p:nvPicPr>
-          <p:blipFill>
-            <a:blip r:embed="rId2">
-              <a:extLst>
-                <a:ext uri="{28A0092B-C50C-407E-A947-70E740481C1C}">
-                  <a14:useLocalDpi xmlns:a14="http://schemas.microsoft.com/office/drawing/2010/main" val="0"/>
-                </a:ext>
-              </a:extLst>
-            </a:blip>
-            <a:stretch>
-              <a:fillRect/>
-            </a:stretch>
-          </p:blipFill>
+          </p:nvCxnSpPr>
           <p:spPr>
-            <a:xfrm>
-              <a:off x="2951734" y="970787"/>
-              <a:ext cx="477266" cy="576321"/>
+            <a:xfrm rot="5400000">
+              <a:off x="2600195" y="5829738"/>
+              <a:ext cx="1220958" cy="1828572"/>
             </a:xfrm>
-            <a:prstGeom prst="rect">
+            <a:prstGeom prst="bentConnector2">
               <a:avLst/>
             </a:prstGeom>
+            <a:ln w="57150">
+              <a:solidFill>
+                <a:srgbClr val="A5A5A5"/>
+              </a:solidFill>
+              <a:tailEnd type="triangle"/>
+            </a:ln>
           </p:spPr>
-        </p:pic>
-      </p:grpSp>
-      <p:cxnSp>
-        <p:nvCxnSpPr>
-          <p:cNvPr id="27" name="직선 화살표 연결선 26">
-            <a:extLst>
-              <a:ext uri="{FF2B5EF4-FFF2-40B4-BE49-F238E27FC236}">
-                <a16:creationId xmlns:a16="http://schemas.microsoft.com/office/drawing/2014/main" id="{872DED0C-938E-0B10-C3A1-AF514C19E112}"/>
-              </a:ext>
-            </a:extLst>
-          </p:cNvPr>
-          <p:cNvCxnSpPr>
-            <a:cxnSpLocks/>
-            <a:stCxn id="19" idx="6"/>
-            <a:endCxn id="24" idx="1"/>
-          </p:cNvCxnSpPr>
-          <p:nvPr/>
-        </p:nvCxnSpPr>
-        <p:spPr>
-          <a:xfrm>
-            <a:off x="2296389" y="3506786"/>
-            <a:ext cx="1254531" cy="0"/>
-          </a:xfrm>
-          <a:prstGeom prst="straightConnector1">
-            <a:avLst/>
-          </a:prstGeom>
-          <a:ln>
-            <a:tailEnd type="triangle"/>
-          </a:ln>
-        </p:spPr>
-        <p:style>
-          <a:lnRef idx="1">
-            <a:schemeClr val="accent1"/>
-          </a:lnRef>
-          <a:fillRef idx="0">
-            <a:schemeClr val="accent1"/>
-          </a:fillRef>
-          <a:effectRef idx="0">
-            <a:schemeClr val="accent1"/>
-          </a:effectRef>
-          <a:fontRef idx="minor">
-            <a:schemeClr val="tx1"/>
-          </a:fontRef>
-        </p:style>
-      </p:cxnSp>
-      <p:sp>
-        <p:nvSpPr>
-          <p:cNvPr id="30" name="타원 29">
-            <a:extLst>
-              <a:ext uri="{FF2B5EF4-FFF2-40B4-BE49-F238E27FC236}">
-                <a16:creationId xmlns:a16="http://schemas.microsoft.com/office/drawing/2014/main" id="{70059D7C-D312-F254-7BC1-D25C67E5961E}"/>
-              </a:ext>
-            </a:extLst>
-          </p:cNvPr>
-          <p:cNvSpPr/>
-          <p:nvPr/>
-        </p:nvSpPr>
-        <p:spPr>
-          <a:xfrm>
-            <a:off x="1437614" y="3819207"/>
-            <a:ext cx="858775" cy="358137"/>
-          </a:xfrm>
-          <a:prstGeom prst="ellipse">
-            <a:avLst/>
-          </a:prstGeom>
-        </p:spPr>
-        <p:style>
-          <a:lnRef idx="2">
-            <a:schemeClr val="accent1">
-              <a:shade val="15000"/>
-            </a:schemeClr>
-          </a:lnRef>
-          <a:fillRef idx="1">
-            <a:schemeClr val="accent1"/>
-          </a:fillRef>
-          <a:effectRef idx="0">
-            <a:schemeClr val="accent1"/>
-          </a:effectRef>
-          <a:fontRef idx="minor">
-            <a:schemeClr val="lt1"/>
-          </a:fontRef>
-        </p:style>
-        <p:txBody>
-          <a:bodyPr wrap="none" lIns="0" tIns="0" rIns="0" bIns="0" rtlCol="0" anchor="ctr">
-            <a:normAutofit/>
-          </a:bodyPr>
-          <a:lstStyle/>
-          <a:p>
-            <a:pPr algn="ctr"/>
-            <a:r>
-              <a:rPr lang="ko-KR" altLang="en-US" sz="1100" dirty="0"/>
-              <a:t>전적 </a:t>
-            </a:r>
-            <a:r>
-              <a:rPr lang="en-US" altLang="ko-KR" sz="1100" dirty="0"/>
-              <a:t>100</a:t>
-            </a:r>
-            <a:r>
-              <a:rPr lang="ko-KR" altLang="en-US" sz="1100" dirty="0"/>
-              <a:t>건</a:t>
-            </a:r>
-          </a:p>
-        </p:txBody>
-      </p:sp>
-      <p:cxnSp>
-        <p:nvCxnSpPr>
-          <p:cNvPr id="32" name="연결선: 꺾임 31">
-            <a:extLst>
-              <a:ext uri="{FF2B5EF4-FFF2-40B4-BE49-F238E27FC236}">
-                <a16:creationId xmlns:a16="http://schemas.microsoft.com/office/drawing/2014/main" id="{F1A890A2-3229-9A7D-30FA-443F7F5945C7}"/>
-              </a:ext>
-            </a:extLst>
-          </p:cNvPr>
-          <p:cNvCxnSpPr>
-            <a:cxnSpLocks/>
-            <a:stCxn id="24" idx="2"/>
-            <a:endCxn id="30" idx="6"/>
-          </p:cNvCxnSpPr>
-          <p:nvPr/>
-        </p:nvCxnSpPr>
-        <p:spPr>
-          <a:xfrm rot="5400000">
-            <a:off x="3102090" y="3049066"/>
-            <a:ext cx="143510" cy="1754911"/>
-          </a:xfrm>
-          <a:prstGeom prst="bentConnector2">
-            <a:avLst/>
-          </a:prstGeom>
-          <a:ln>
-            <a:tailEnd type="triangle"/>
-          </a:ln>
-        </p:spPr>
-        <p:style>
-          <a:lnRef idx="1">
-            <a:schemeClr val="accent1"/>
-          </a:lnRef>
-          <a:fillRef idx="0">
-            <a:schemeClr val="accent1"/>
-          </a:fillRef>
-          <a:effectRef idx="0">
-            <a:schemeClr val="accent1"/>
-          </a:effectRef>
-          <a:fontRef idx="minor">
-            <a:schemeClr val="tx1"/>
-          </a:fontRef>
-        </p:style>
-      </p:cxnSp>
-      <p:grpSp>
-        <p:nvGrpSpPr>
-          <p:cNvPr id="40" name="그룹 39">
-            <a:extLst>
-              <a:ext uri="{FF2B5EF4-FFF2-40B4-BE49-F238E27FC236}">
-                <a16:creationId xmlns:a16="http://schemas.microsoft.com/office/drawing/2014/main" id="{251D9DAD-4C9B-1F82-A01F-F9D640E2CFEB}"/>
-              </a:ext>
-            </a:extLst>
-          </p:cNvPr>
-          <p:cNvGrpSpPr/>
-          <p:nvPr/>
-        </p:nvGrpSpPr>
-        <p:grpSpPr>
-          <a:xfrm>
-            <a:off x="3550920" y="2263143"/>
-            <a:ext cx="1000760" cy="695960"/>
-            <a:chOff x="2890520" y="924560"/>
-            <a:chExt cx="1000760" cy="695960"/>
-          </a:xfrm>
-        </p:grpSpPr>
-        <p:sp>
-          <p:nvSpPr>
-            <p:cNvPr id="41" name="직사각형 40">
+          <p:style>
+            <a:lnRef idx="1">
+              <a:schemeClr val="accent1"/>
+            </a:lnRef>
+            <a:fillRef idx="0">
+              <a:schemeClr val="accent1"/>
+            </a:fillRef>
+            <a:effectRef idx="0">
+              <a:schemeClr val="accent1"/>
+            </a:effectRef>
+            <a:fontRef idx="minor">
+              <a:schemeClr val="tx1"/>
+            </a:fontRef>
+          </p:style>
+        </p:cxnSp>
+        <p:cxnSp>
+          <p:nvCxnSpPr>
+            <p:cNvPr id="22" name="직선 화살표 연결선 21">
               <a:extLst>
                 <a:ext uri="{FF2B5EF4-FFF2-40B4-BE49-F238E27FC236}">
-                  <a16:creationId xmlns:a16="http://schemas.microsoft.com/office/drawing/2014/main" id="{99BB4D72-6AC6-6625-3717-7AC5EF41E650}"/>
+                  <a16:creationId xmlns:a16="http://schemas.microsoft.com/office/drawing/2014/main" id="{EEFB2E75-E907-0BD4-6F17-EBCAF10A0CFC}"/>
                 </a:ext>
               </a:extLst>
             </p:cNvPr>
-            <p:cNvSpPr/>
+            <p:cNvCxnSpPr>
+              <a:stCxn id="4" idx="2"/>
+              <a:endCxn id="11" idx="1"/>
+            </p:cNvCxnSpPr>
             <p:nvPr/>
-          </p:nvSpPr>
+          </p:nvCxnSpPr>
           <p:spPr>
             <a:xfrm>
-              <a:off x="2890520" y="924560"/>
-              <a:ext cx="1000760" cy="695960"/>
+              <a:off x="1490980" y="575877"/>
+              <a:ext cx="0" cy="589983"/>
             </a:xfrm>
-            <a:prstGeom prst="rect">
+            <a:prstGeom prst="straightConnector1">
               <a:avLst/>
             </a:prstGeom>
+            <a:ln w="57150">
+              <a:tailEnd type="triangle"/>
+            </a:ln>
           </p:spPr>
           <p:style>
-            <a:lnRef idx="2">
-              <a:schemeClr val="accent1">
-                <a:shade val="15000"/>
-              </a:schemeClr>
+            <a:lnRef idx="1">
+              <a:schemeClr val="accent1"/>
             </a:lnRef>
-            <a:fillRef idx="1">
+            <a:fillRef idx="0">
               <a:schemeClr val="accent1"/>
             </a:fillRef>
             <a:effectRef idx="0">
               <a:schemeClr val="accent1"/>
             </a:effectRef>
             <a:fontRef idx="minor">
-              <a:schemeClr val="lt1"/>
+              <a:schemeClr val="tx1"/>
             </a:fontRef>
           </p:style>
-          <p:txBody>
-            <a:bodyPr wrap="none" rtlCol="0" anchor="ctr">
-              <a:normAutofit/>
-            </a:bodyPr>
-            <a:lstStyle/>
-            <a:p>
-              <a:pPr algn="r"/>
-              <a:r>
-                <a:rPr lang="en-US" altLang="ko-KR" dirty="0"/>
-                <a:t>API</a:t>
-              </a:r>
-              <a:endParaRPr lang="ko-KR" altLang="en-US" dirty="0"/>
-            </a:p>
-          </p:txBody>
-        </p:sp>
-        <p:pic>
-          <p:nvPicPr>
-            <p:cNvPr id="42" name="그림 41">
-              <a:extLst>
-                <a:ext uri="{FF2B5EF4-FFF2-40B4-BE49-F238E27FC236}">
-                  <a16:creationId xmlns:a16="http://schemas.microsoft.com/office/drawing/2014/main" id="{A6732B69-8227-B209-978B-D9934757EDED}"/>
-                </a:ext>
-              </a:extLst>
-            </p:cNvPr>
-            <p:cNvPicPr>
-              <a:picLocks noChangeAspect="1"/>
-            </p:cNvPicPr>
-            <p:nvPr/>
-          </p:nvPicPr>
-          <p:blipFill>
-            <a:blip r:embed="rId2">
-              <a:extLst>
-                <a:ext uri="{28A0092B-C50C-407E-A947-70E740481C1C}">
-                  <a14:useLocalDpi xmlns:a14="http://schemas.microsoft.com/office/drawing/2010/main" val="0"/>
-                </a:ext>
-              </a:extLst>
-            </a:blip>
-            <a:stretch>
-              <a:fillRect/>
-            </a:stretch>
-          </p:blipFill>
-          <p:spPr>
-            <a:xfrm>
-              <a:off x="2951734" y="970787"/>
-              <a:ext cx="477266" cy="576321"/>
-            </a:xfrm>
-            <a:prstGeom prst="rect">
-              <a:avLst/>
-            </a:prstGeom>
-          </p:spPr>
-        </p:pic>
+        </p:cxnSp>
       </p:grpSp>
-      <p:sp>
-        <p:nvSpPr>
-          <p:cNvPr id="47" name="타원 46">
-            <a:extLst>
-              <a:ext uri="{FF2B5EF4-FFF2-40B4-BE49-F238E27FC236}">
-                <a16:creationId xmlns:a16="http://schemas.microsoft.com/office/drawing/2014/main" id="{1D12C34A-87D9-33A3-C72A-1FE4D7EC85B2}"/>
-              </a:ext>
-            </a:extLst>
-          </p:cNvPr>
-          <p:cNvSpPr/>
-          <p:nvPr/>
-        </p:nvSpPr>
-        <p:spPr>
-          <a:xfrm>
-            <a:off x="464820" y="2420616"/>
-            <a:ext cx="858774" cy="358137"/>
-          </a:xfrm>
-          <a:prstGeom prst="ellipse">
-            <a:avLst/>
-          </a:prstGeom>
-        </p:spPr>
-        <p:style>
-          <a:lnRef idx="2">
-            <a:schemeClr val="accent1">
-              <a:shade val="15000"/>
-            </a:schemeClr>
-          </a:lnRef>
-          <a:fillRef idx="1">
-            <a:schemeClr val="accent1"/>
-          </a:fillRef>
-          <a:effectRef idx="0">
-            <a:schemeClr val="accent1"/>
-          </a:effectRef>
-          <a:fontRef idx="minor">
-            <a:schemeClr val="lt1"/>
-          </a:fontRef>
-        </p:style>
-        <p:txBody>
-          <a:bodyPr wrap="none" rtlCol="0" anchor="ctr">
-            <a:normAutofit fontScale="85000" lnSpcReduction="20000"/>
-          </a:bodyPr>
-          <a:lstStyle/>
-          <a:p>
-            <a:pPr algn="ctr"/>
-            <a:r>
-              <a:rPr lang="en-US" altLang="ko-KR" sz="1400" dirty="0"/>
-              <a:t>null</a:t>
-            </a:r>
-            <a:endParaRPr lang="ko-KR" altLang="en-US" sz="1400" dirty="0"/>
-          </a:p>
-        </p:txBody>
-      </p:sp>
-      <p:cxnSp>
-        <p:nvCxnSpPr>
-          <p:cNvPr id="49" name="직선 화살표 연결선 48">
-            <a:extLst>
-              <a:ext uri="{FF2B5EF4-FFF2-40B4-BE49-F238E27FC236}">
-                <a16:creationId xmlns:a16="http://schemas.microsoft.com/office/drawing/2014/main" id="{1E72DC68-753D-3030-3486-96AAC21A94DE}"/>
-              </a:ext>
-            </a:extLst>
-          </p:cNvPr>
-          <p:cNvCxnSpPr>
-            <a:cxnSpLocks/>
-            <a:stCxn id="47" idx="6"/>
-            <a:endCxn id="41" idx="1"/>
-          </p:cNvCxnSpPr>
-          <p:nvPr/>
-        </p:nvCxnSpPr>
-        <p:spPr>
-          <a:xfrm>
-            <a:off x="1323594" y="2599685"/>
-            <a:ext cx="2227326" cy="11438"/>
-          </a:xfrm>
-          <a:prstGeom prst="straightConnector1">
-            <a:avLst/>
-          </a:prstGeom>
-          <a:ln>
-            <a:tailEnd type="triangle"/>
-          </a:ln>
-        </p:spPr>
-        <p:style>
-          <a:lnRef idx="1">
-            <a:schemeClr val="accent1"/>
-          </a:lnRef>
-          <a:fillRef idx="0">
-            <a:schemeClr val="accent1"/>
-          </a:fillRef>
-          <a:effectRef idx="0">
-            <a:schemeClr val="accent1"/>
-          </a:effectRef>
-          <a:fontRef idx="minor">
-            <a:schemeClr val="tx1"/>
-          </a:fontRef>
-        </p:style>
-      </p:cxnSp>
-      <p:sp>
-        <p:nvSpPr>
-          <p:cNvPr id="52" name="타원 51">
-            <a:extLst>
-              <a:ext uri="{FF2B5EF4-FFF2-40B4-BE49-F238E27FC236}">
-                <a16:creationId xmlns:a16="http://schemas.microsoft.com/office/drawing/2014/main" id="{9E111D0F-E331-70E5-FC32-01F76CA5F408}"/>
-              </a:ext>
-            </a:extLst>
-          </p:cNvPr>
-          <p:cNvSpPr/>
-          <p:nvPr/>
-        </p:nvSpPr>
-        <p:spPr>
-          <a:xfrm>
-            <a:off x="464820" y="2826503"/>
-            <a:ext cx="858774" cy="358137"/>
-          </a:xfrm>
-          <a:prstGeom prst="ellipse">
-            <a:avLst/>
-          </a:prstGeom>
-        </p:spPr>
-        <p:style>
-          <a:lnRef idx="2">
-            <a:schemeClr val="accent1">
-              <a:shade val="15000"/>
-            </a:schemeClr>
-          </a:lnRef>
-          <a:fillRef idx="1">
-            <a:schemeClr val="accent1"/>
-          </a:fillRef>
-          <a:effectRef idx="0">
-            <a:schemeClr val="accent1"/>
-          </a:effectRef>
-          <a:fontRef idx="minor">
-            <a:schemeClr val="lt1"/>
-          </a:fontRef>
-        </p:style>
-        <p:txBody>
-          <a:bodyPr wrap="none" rtlCol="0" anchor="ctr">
-            <a:normAutofit/>
-          </a:bodyPr>
-          <a:lstStyle/>
-          <a:p>
-            <a:pPr algn="ctr"/>
-            <a:r>
-              <a:rPr lang="ko-KR" altLang="en-US" sz="800"/>
-              <a:t>시즌정보</a:t>
-            </a:r>
-          </a:p>
-        </p:txBody>
-      </p:sp>
-      <p:cxnSp>
-        <p:nvCxnSpPr>
-          <p:cNvPr id="54" name="연결선: 꺾임 53">
-            <a:extLst>
-              <a:ext uri="{FF2B5EF4-FFF2-40B4-BE49-F238E27FC236}">
-                <a16:creationId xmlns:a16="http://schemas.microsoft.com/office/drawing/2014/main" id="{9A638E85-B0B1-ECA2-AE9C-39FB37532155}"/>
-              </a:ext>
-            </a:extLst>
-          </p:cNvPr>
-          <p:cNvCxnSpPr>
-            <a:cxnSpLocks/>
-            <a:stCxn id="41" idx="2"/>
-            <a:endCxn id="52" idx="6"/>
-          </p:cNvCxnSpPr>
-          <p:nvPr/>
-        </p:nvCxnSpPr>
-        <p:spPr>
-          <a:xfrm rot="5400000">
-            <a:off x="2664213" y="1618484"/>
-            <a:ext cx="46469" cy="2727706"/>
-          </a:xfrm>
-          <a:prstGeom prst="bentConnector2">
-            <a:avLst/>
-          </a:prstGeom>
-          <a:ln>
-            <a:tailEnd type="triangle"/>
-          </a:ln>
-        </p:spPr>
-        <p:style>
-          <a:lnRef idx="1">
-            <a:schemeClr val="accent1"/>
-          </a:lnRef>
-          <a:fillRef idx="0">
-            <a:schemeClr val="accent1"/>
-          </a:fillRef>
-          <a:effectRef idx="0">
-            <a:schemeClr val="accent1"/>
-          </a:effectRef>
-          <a:fontRef idx="minor">
-            <a:schemeClr val="tx1"/>
-          </a:fontRef>
-        </p:style>
-      </p:cxnSp>
-      <p:sp>
-        <p:nvSpPr>
-          <p:cNvPr id="77" name="타원 76">
-            <a:extLst>
-              <a:ext uri="{FF2B5EF4-FFF2-40B4-BE49-F238E27FC236}">
-                <a16:creationId xmlns:a16="http://schemas.microsoft.com/office/drawing/2014/main" id="{6D8C3BF6-E287-DD6F-0496-5DD4CCC9090B}"/>
-              </a:ext>
-            </a:extLst>
-          </p:cNvPr>
-          <p:cNvSpPr/>
-          <p:nvPr/>
-        </p:nvSpPr>
-        <p:spPr>
-          <a:xfrm>
-            <a:off x="1442974" y="4277511"/>
-            <a:ext cx="858774" cy="358137"/>
-          </a:xfrm>
-          <a:prstGeom prst="ellipse">
-            <a:avLst/>
-          </a:prstGeom>
-        </p:spPr>
-        <p:style>
-          <a:lnRef idx="2">
-            <a:schemeClr val="accent1">
-              <a:shade val="15000"/>
-            </a:schemeClr>
-          </a:lnRef>
-          <a:fillRef idx="1">
-            <a:schemeClr val="accent1"/>
-          </a:fillRef>
-          <a:effectRef idx="0">
-            <a:schemeClr val="accent1"/>
-          </a:effectRef>
-          <a:fontRef idx="minor">
-            <a:schemeClr val="lt1"/>
-          </a:fontRef>
-        </p:style>
-        <p:txBody>
-          <a:bodyPr wrap="none" rtlCol="0" anchor="ctr">
-            <a:normAutofit/>
-          </a:bodyPr>
-          <a:lstStyle/>
-          <a:p>
-            <a:pPr algn="ctr"/>
-            <a:r>
-              <a:rPr lang="ko-KR" altLang="en-US" sz="600" dirty="0"/>
-              <a:t>현재시즌</a:t>
-            </a:r>
-            <a:r>
-              <a:rPr lang="en-US" altLang="ko-KR" sz="600" dirty="0"/>
-              <a:t>ID</a:t>
-            </a:r>
-            <a:endParaRPr lang="ko-KR" altLang="en-US" sz="600" dirty="0"/>
-          </a:p>
-        </p:txBody>
-      </p:sp>
-      <p:grpSp>
-        <p:nvGrpSpPr>
-          <p:cNvPr id="79" name="그룹 78">
-            <a:extLst>
-              <a:ext uri="{FF2B5EF4-FFF2-40B4-BE49-F238E27FC236}">
-                <a16:creationId xmlns:a16="http://schemas.microsoft.com/office/drawing/2014/main" id="{0677EEAA-F9FC-AB40-077C-60BE7B6B1F16}"/>
-              </a:ext>
-            </a:extLst>
-          </p:cNvPr>
-          <p:cNvGrpSpPr/>
-          <p:nvPr/>
-        </p:nvGrpSpPr>
-        <p:grpSpPr>
-          <a:xfrm>
-            <a:off x="3550920" y="4109871"/>
-            <a:ext cx="1000760" cy="695960"/>
-            <a:chOff x="2890520" y="924560"/>
-            <a:chExt cx="1000760" cy="695960"/>
-          </a:xfrm>
-        </p:grpSpPr>
-        <p:sp>
-          <p:nvSpPr>
-            <p:cNvPr id="80" name="직사각형 79">
-              <a:extLst>
-                <a:ext uri="{FF2B5EF4-FFF2-40B4-BE49-F238E27FC236}">
-                  <a16:creationId xmlns:a16="http://schemas.microsoft.com/office/drawing/2014/main" id="{A666BDA6-5054-A252-FB67-DBD8B7B5A64E}"/>
-                </a:ext>
-              </a:extLst>
-            </p:cNvPr>
-            <p:cNvSpPr/>
-            <p:nvPr/>
-          </p:nvSpPr>
-          <p:spPr>
-            <a:xfrm>
-              <a:off x="2890520" y="924560"/>
-              <a:ext cx="1000760" cy="695960"/>
-            </a:xfrm>
-            <a:prstGeom prst="rect">
-              <a:avLst/>
-            </a:prstGeom>
-          </p:spPr>
-          <p:style>
-            <a:lnRef idx="2">
-              <a:schemeClr val="accent1">
-                <a:shade val="15000"/>
-              </a:schemeClr>
-            </a:lnRef>
-            <a:fillRef idx="1">
-              <a:schemeClr val="accent1"/>
-            </a:fillRef>
-            <a:effectRef idx="0">
-              <a:schemeClr val="accent1"/>
-            </a:effectRef>
-            <a:fontRef idx="minor">
-              <a:schemeClr val="lt1"/>
-            </a:fontRef>
-          </p:style>
-          <p:txBody>
-            <a:bodyPr wrap="none" rtlCol="0" anchor="ctr">
-              <a:normAutofit/>
-            </a:bodyPr>
-            <a:lstStyle/>
-            <a:p>
-              <a:pPr algn="r"/>
-              <a:r>
-                <a:rPr lang="en-US" altLang="ko-KR" dirty="0"/>
-                <a:t>API</a:t>
-              </a:r>
-              <a:endParaRPr lang="ko-KR" altLang="en-US" dirty="0"/>
-            </a:p>
-          </p:txBody>
-        </p:sp>
-        <p:pic>
-          <p:nvPicPr>
-            <p:cNvPr id="81" name="그림 80">
-              <a:extLst>
-                <a:ext uri="{FF2B5EF4-FFF2-40B4-BE49-F238E27FC236}">
-                  <a16:creationId xmlns:a16="http://schemas.microsoft.com/office/drawing/2014/main" id="{E3B4565A-855F-0367-5570-B11E2E240F04}"/>
-                </a:ext>
-              </a:extLst>
-            </p:cNvPr>
-            <p:cNvPicPr>
-              <a:picLocks noChangeAspect="1"/>
-            </p:cNvPicPr>
-            <p:nvPr/>
-          </p:nvPicPr>
-          <p:blipFill>
-            <a:blip r:embed="rId2">
-              <a:extLst>
-                <a:ext uri="{28A0092B-C50C-407E-A947-70E740481C1C}">
-                  <a14:useLocalDpi xmlns:a14="http://schemas.microsoft.com/office/drawing/2010/main" val="0"/>
-                </a:ext>
-              </a:extLst>
-            </a:blip>
-            <a:stretch>
-              <a:fillRect/>
-            </a:stretch>
-          </p:blipFill>
-          <p:spPr>
-            <a:xfrm>
-              <a:off x="2951734" y="970787"/>
-              <a:ext cx="477266" cy="576321"/>
-            </a:xfrm>
-            <a:prstGeom prst="rect">
-              <a:avLst/>
-            </a:prstGeom>
-          </p:spPr>
-        </p:pic>
-      </p:grpSp>
-      <p:cxnSp>
-        <p:nvCxnSpPr>
-          <p:cNvPr id="85" name="연결선: 꺾임 84">
-            <a:extLst>
-              <a:ext uri="{FF2B5EF4-FFF2-40B4-BE49-F238E27FC236}">
-                <a16:creationId xmlns:a16="http://schemas.microsoft.com/office/drawing/2014/main" id="{D1D0D493-FC3F-488E-0370-6A12BA6DC29E}"/>
-              </a:ext>
-            </a:extLst>
-          </p:cNvPr>
-          <p:cNvCxnSpPr>
-            <a:cxnSpLocks/>
-            <a:stCxn id="19" idx="6"/>
-            <a:endCxn id="80" idx="1"/>
-          </p:cNvCxnSpPr>
-          <p:nvPr/>
-        </p:nvCxnSpPr>
-        <p:spPr>
-          <a:xfrm>
-            <a:off x="2296389" y="3506786"/>
-            <a:ext cx="1254531" cy="951065"/>
-          </a:xfrm>
-          <a:prstGeom prst="bentConnector3">
-            <a:avLst/>
-          </a:prstGeom>
-          <a:ln>
-            <a:tailEnd type="triangle"/>
-          </a:ln>
-        </p:spPr>
-        <p:style>
-          <a:lnRef idx="1">
-            <a:schemeClr val="accent1"/>
-          </a:lnRef>
-          <a:fillRef idx="0">
-            <a:schemeClr val="accent1"/>
-          </a:fillRef>
-          <a:effectRef idx="0">
-            <a:schemeClr val="accent1"/>
-          </a:effectRef>
-          <a:fontRef idx="minor">
-            <a:schemeClr val="tx1"/>
-          </a:fontRef>
-        </p:style>
-      </p:cxnSp>
-      <p:sp>
-        <p:nvSpPr>
-          <p:cNvPr id="86" name="타원 85">
-            <a:extLst>
-              <a:ext uri="{FF2B5EF4-FFF2-40B4-BE49-F238E27FC236}">
-                <a16:creationId xmlns:a16="http://schemas.microsoft.com/office/drawing/2014/main" id="{11D70A97-8921-29FD-4122-AB70E9043F18}"/>
-              </a:ext>
-            </a:extLst>
-          </p:cNvPr>
-          <p:cNvSpPr/>
-          <p:nvPr/>
-        </p:nvSpPr>
-        <p:spPr>
-          <a:xfrm>
-            <a:off x="1330807" y="4758671"/>
-            <a:ext cx="1072388" cy="358137"/>
-          </a:xfrm>
-          <a:prstGeom prst="ellipse">
-            <a:avLst/>
-          </a:prstGeom>
-        </p:spPr>
-        <p:style>
-          <a:lnRef idx="2">
-            <a:schemeClr val="accent1">
-              <a:shade val="15000"/>
-            </a:schemeClr>
-          </a:lnRef>
-          <a:fillRef idx="1">
-            <a:schemeClr val="accent1"/>
-          </a:fillRef>
-          <a:effectRef idx="0">
-            <a:schemeClr val="accent1"/>
-          </a:effectRef>
-          <a:fontRef idx="minor">
-            <a:schemeClr val="lt1"/>
-          </a:fontRef>
-        </p:style>
-        <p:txBody>
-          <a:bodyPr wrap="none" rtlCol="0" anchor="ctr">
-            <a:normAutofit lnSpcReduction="10000"/>
-          </a:bodyPr>
-          <a:lstStyle/>
-          <a:p>
-            <a:pPr algn="ctr"/>
-            <a:r>
-              <a:rPr lang="ko-KR" altLang="en-US" sz="1100"/>
-              <a:t>유저정보</a:t>
-            </a:r>
-            <a:endParaRPr lang="ko-KR" altLang="en-US" sz="1100" dirty="0"/>
-          </a:p>
-        </p:txBody>
-      </p:sp>
-      <p:cxnSp>
-        <p:nvCxnSpPr>
-          <p:cNvPr id="88" name="연결선: 꺾임 87">
-            <a:extLst>
-              <a:ext uri="{FF2B5EF4-FFF2-40B4-BE49-F238E27FC236}">
-                <a16:creationId xmlns:a16="http://schemas.microsoft.com/office/drawing/2014/main" id="{1E7CC02D-E705-EEE3-710F-51A9BE00FFE0}"/>
-              </a:ext>
-            </a:extLst>
-          </p:cNvPr>
-          <p:cNvCxnSpPr>
-            <a:cxnSpLocks/>
-            <a:stCxn id="80" idx="2"/>
-            <a:endCxn id="86" idx="6"/>
-          </p:cNvCxnSpPr>
-          <p:nvPr/>
-        </p:nvCxnSpPr>
-        <p:spPr>
-          <a:xfrm rot="5400000">
-            <a:off x="3161294" y="4047733"/>
-            <a:ext cx="131909" cy="1648105"/>
-          </a:xfrm>
-          <a:prstGeom prst="bentConnector2">
-            <a:avLst/>
-          </a:prstGeom>
-          <a:ln>
-            <a:tailEnd type="triangle"/>
-          </a:ln>
-        </p:spPr>
-        <p:style>
-          <a:lnRef idx="1">
-            <a:schemeClr val="accent1"/>
-          </a:lnRef>
-          <a:fillRef idx="0">
-            <a:schemeClr val="accent1"/>
-          </a:fillRef>
-          <a:effectRef idx="0">
-            <a:schemeClr val="accent1"/>
-          </a:effectRef>
-          <a:fontRef idx="minor">
-            <a:schemeClr val="tx1"/>
-          </a:fontRef>
-        </p:style>
-      </p:cxnSp>
-      <p:sp>
-        <p:nvSpPr>
-          <p:cNvPr id="90" name="타원 89">
-            <a:extLst>
-              <a:ext uri="{FF2B5EF4-FFF2-40B4-BE49-F238E27FC236}">
-                <a16:creationId xmlns:a16="http://schemas.microsoft.com/office/drawing/2014/main" id="{966B41A5-DAA2-0CBD-C2A6-DE9EA6B64814}"/>
-              </a:ext>
-            </a:extLst>
-          </p:cNvPr>
-          <p:cNvSpPr/>
-          <p:nvPr/>
-        </p:nvSpPr>
-        <p:spPr>
-          <a:xfrm>
-            <a:off x="480060" y="5291020"/>
-            <a:ext cx="858774" cy="358137"/>
-          </a:xfrm>
-          <a:prstGeom prst="ellipse">
-            <a:avLst/>
-          </a:prstGeom>
-        </p:spPr>
-        <p:style>
-          <a:lnRef idx="2">
-            <a:schemeClr val="accent1">
-              <a:shade val="15000"/>
-            </a:schemeClr>
-          </a:lnRef>
-          <a:fillRef idx="1">
-            <a:schemeClr val="accent1"/>
-          </a:fillRef>
-          <a:effectRef idx="0">
-            <a:schemeClr val="accent1"/>
-          </a:effectRef>
-          <a:fontRef idx="minor">
-            <a:schemeClr val="lt1"/>
-          </a:fontRef>
-        </p:style>
-        <p:txBody>
-          <a:bodyPr wrap="none" rtlCol="0" anchor="ctr">
-            <a:normAutofit/>
-          </a:bodyPr>
-          <a:lstStyle/>
-          <a:p>
-            <a:pPr algn="ctr"/>
-            <a:r>
-              <a:rPr lang="ko-KR" altLang="en-US" sz="600" dirty="0"/>
-              <a:t>주력캐릭터</a:t>
-            </a:r>
-          </a:p>
-        </p:txBody>
-      </p:sp>
-      <p:sp>
-        <p:nvSpPr>
-          <p:cNvPr id="91" name="타원 90">
-            <a:extLst>
-              <a:ext uri="{FF2B5EF4-FFF2-40B4-BE49-F238E27FC236}">
-                <a16:creationId xmlns:a16="http://schemas.microsoft.com/office/drawing/2014/main" id="{8F6F8620-D99A-340E-5461-6B093F517E69}"/>
-              </a:ext>
-            </a:extLst>
-          </p:cNvPr>
-          <p:cNvSpPr/>
-          <p:nvPr/>
-        </p:nvSpPr>
-        <p:spPr>
-          <a:xfrm>
-            <a:off x="1437614" y="5288639"/>
-            <a:ext cx="858774" cy="358137"/>
-          </a:xfrm>
-          <a:prstGeom prst="ellipse">
-            <a:avLst/>
-          </a:prstGeom>
-        </p:spPr>
-        <p:style>
-          <a:lnRef idx="2">
-            <a:schemeClr val="accent1">
-              <a:shade val="15000"/>
-            </a:schemeClr>
-          </a:lnRef>
-          <a:fillRef idx="1">
-            <a:schemeClr val="accent1"/>
-          </a:fillRef>
-          <a:effectRef idx="0">
-            <a:schemeClr val="accent1"/>
-          </a:effectRef>
-          <a:fontRef idx="minor">
-            <a:schemeClr val="lt1"/>
-          </a:fontRef>
-        </p:style>
-        <p:txBody>
-          <a:bodyPr wrap="none" rtlCol="0" anchor="ctr">
-            <a:normAutofit/>
-          </a:bodyPr>
-          <a:lstStyle/>
-          <a:p>
-            <a:pPr algn="ctr"/>
-            <a:r>
-              <a:rPr lang="ko-KR" altLang="en-US" sz="600"/>
-              <a:t>유저닉네임</a:t>
-            </a:r>
-            <a:endParaRPr lang="ko-KR" altLang="en-US" sz="600" dirty="0"/>
-          </a:p>
-        </p:txBody>
-      </p:sp>
-      <p:cxnSp>
-        <p:nvCxnSpPr>
-          <p:cNvPr id="93" name="직선 화살표 연결선 92">
-            <a:extLst>
-              <a:ext uri="{FF2B5EF4-FFF2-40B4-BE49-F238E27FC236}">
-                <a16:creationId xmlns:a16="http://schemas.microsoft.com/office/drawing/2014/main" id="{B6C7EE35-CCAF-4332-2223-D40DB3793B31}"/>
-              </a:ext>
-            </a:extLst>
-          </p:cNvPr>
-          <p:cNvCxnSpPr>
-            <a:stCxn id="86" idx="4"/>
-            <a:endCxn id="91" idx="0"/>
-          </p:cNvCxnSpPr>
-          <p:nvPr/>
-        </p:nvCxnSpPr>
-        <p:spPr>
-          <a:xfrm>
-            <a:off x="1867001" y="5116808"/>
-            <a:ext cx="0" cy="171831"/>
-          </a:xfrm>
-          <a:prstGeom prst="straightConnector1">
-            <a:avLst/>
-          </a:prstGeom>
-          <a:ln>
-            <a:tailEnd type="triangle"/>
-          </a:ln>
-        </p:spPr>
-        <p:style>
-          <a:lnRef idx="1">
-            <a:schemeClr val="accent1"/>
-          </a:lnRef>
-          <a:fillRef idx="0">
-            <a:schemeClr val="accent1"/>
-          </a:fillRef>
-          <a:effectRef idx="0">
-            <a:schemeClr val="accent1"/>
-          </a:effectRef>
-          <a:fontRef idx="minor">
-            <a:schemeClr val="tx1"/>
-          </a:fontRef>
-        </p:style>
-      </p:cxnSp>
-      <p:cxnSp>
-        <p:nvCxnSpPr>
-          <p:cNvPr id="96" name="연결선: 꺾임 95">
-            <a:extLst>
-              <a:ext uri="{FF2B5EF4-FFF2-40B4-BE49-F238E27FC236}">
-                <a16:creationId xmlns:a16="http://schemas.microsoft.com/office/drawing/2014/main" id="{7FCDFA54-3D4A-9A2F-DDE8-6473B16D7DF8}"/>
-              </a:ext>
-            </a:extLst>
-          </p:cNvPr>
-          <p:cNvCxnSpPr>
-            <a:stCxn id="86" idx="4"/>
-            <a:endCxn id="90" idx="0"/>
-          </p:cNvCxnSpPr>
-          <p:nvPr/>
-        </p:nvCxnSpPr>
-        <p:spPr>
-          <a:xfrm rot="5400000">
-            <a:off x="1301118" y="4725137"/>
-            <a:ext cx="174212" cy="957554"/>
-          </a:xfrm>
-          <a:prstGeom prst="bentConnector3">
-            <a:avLst/>
-          </a:prstGeom>
-          <a:ln>
-            <a:tailEnd type="triangle"/>
-          </a:ln>
-        </p:spPr>
-        <p:style>
-          <a:lnRef idx="1">
-            <a:schemeClr val="accent1"/>
-          </a:lnRef>
-          <a:fillRef idx="0">
-            <a:schemeClr val="accent1"/>
-          </a:fillRef>
-          <a:effectRef idx="0">
-            <a:schemeClr val="accent1"/>
-          </a:effectRef>
-          <a:fontRef idx="minor">
-            <a:schemeClr val="tx1"/>
-          </a:fontRef>
-        </p:style>
-      </p:cxnSp>
-      <p:cxnSp>
-        <p:nvCxnSpPr>
-          <p:cNvPr id="98" name="연결선: 꺾임 97">
-            <a:extLst>
-              <a:ext uri="{FF2B5EF4-FFF2-40B4-BE49-F238E27FC236}">
-                <a16:creationId xmlns:a16="http://schemas.microsoft.com/office/drawing/2014/main" id="{FF446811-0723-7784-9A3D-864249679F5F}"/>
-              </a:ext>
-            </a:extLst>
-          </p:cNvPr>
-          <p:cNvCxnSpPr>
-            <a:stCxn id="52" idx="4"/>
-            <a:endCxn id="77" idx="2"/>
-          </p:cNvCxnSpPr>
-          <p:nvPr/>
-        </p:nvCxnSpPr>
-        <p:spPr>
-          <a:xfrm rot="16200000" flipH="1">
-            <a:off x="532620" y="3546226"/>
-            <a:ext cx="1271940" cy="548767"/>
-          </a:xfrm>
-          <a:prstGeom prst="bentConnector2">
-            <a:avLst/>
-          </a:prstGeom>
-          <a:ln>
-            <a:tailEnd type="triangle"/>
-          </a:ln>
-        </p:spPr>
-        <p:style>
-          <a:lnRef idx="1">
-            <a:schemeClr val="accent1"/>
-          </a:lnRef>
-          <a:fillRef idx="0">
-            <a:schemeClr val="accent1"/>
-          </a:fillRef>
-          <a:effectRef idx="0">
-            <a:schemeClr val="accent1"/>
-          </a:effectRef>
-          <a:fontRef idx="minor">
-            <a:schemeClr val="tx1"/>
-          </a:fontRef>
-        </p:style>
-      </p:cxnSp>
-      <p:cxnSp>
-        <p:nvCxnSpPr>
-          <p:cNvPr id="102" name="직선 화살표 연결선 101">
-            <a:extLst>
-              <a:ext uri="{FF2B5EF4-FFF2-40B4-BE49-F238E27FC236}">
-                <a16:creationId xmlns:a16="http://schemas.microsoft.com/office/drawing/2014/main" id="{F08F404A-8034-2F3E-E207-6F1E9C7AE466}"/>
-              </a:ext>
-            </a:extLst>
-          </p:cNvPr>
-          <p:cNvCxnSpPr>
-            <a:stCxn id="77" idx="6"/>
-            <a:endCxn id="80" idx="1"/>
-          </p:cNvCxnSpPr>
-          <p:nvPr/>
-        </p:nvCxnSpPr>
-        <p:spPr>
-          <a:xfrm>
-            <a:off x="2301748" y="4456580"/>
-            <a:ext cx="1249172" cy="1271"/>
-          </a:xfrm>
-          <a:prstGeom prst="straightConnector1">
-            <a:avLst/>
-          </a:prstGeom>
-          <a:ln>
-            <a:tailEnd type="triangle"/>
-          </a:ln>
-        </p:spPr>
-        <p:style>
-          <a:lnRef idx="1">
-            <a:schemeClr val="accent1"/>
-          </a:lnRef>
-          <a:fillRef idx="0">
-            <a:schemeClr val="accent1"/>
-          </a:fillRef>
-          <a:effectRef idx="0">
-            <a:schemeClr val="accent1"/>
-          </a:effectRef>
-          <a:fontRef idx="minor">
-            <a:schemeClr val="tx1"/>
-          </a:fontRef>
-        </p:style>
-      </p:cxnSp>
-      <p:sp>
-        <p:nvSpPr>
-          <p:cNvPr id="106" name="타원 105">
-            <a:extLst>
-              <a:ext uri="{FF2B5EF4-FFF2-40B4-BE49-F238E27FC236}">
-                <a16:creationId xmlns:a16="http://schemas.microsoft.com/office/drawing/2014/main" id="{D7017651-9546-D4BC-7FE1-2ECF7C6DF47F}"/>
-              </a:ext>
-            </a:extLst>
-          </p:cNvPr>
-          <p:cNvSpPr/>
-          <p:nvPr/>
-        </p:nvSpPr>
-        <p:spPr>
-          <a:xfrm>
-            <a:off x="962646" y="5763890"/>
-            <a:ext cx="858775" cy="358137"/>
-          </a:xfrm>
-          <a:prstGeom prst="ellipse">
-            <a:avLst/>
-          </a:prstGeom>
-        </p:spPr>
-        <p:style>
-          <a:lnRef idx="2">
-            <a:schemeClr val="accent1">
-              <a:shade val="15000"/>
-            </a:schemeClr>
-          </a:lnRef>
-          <a:fillRef idx="1">
-            <a:schemeClr val="accent1"/>
-          </a:fillRef>
-          <a:effectRef idx="0">
-            <a:schemeClr val="accent1"/>
-          </a:effectRef>
-          <a:fontRef idx="minor">
-            <a:schemeClr val="lt1"/>
-          </a:fontRef>
-        </p:style>
-        <p:txBody>
-          <a:bodyPr wrap="none" rtlCol="0" anchor="ctr">
-            <a:normAutofit lnSpcReduction="10000"/>
-          </a:bodyPr>
-          <a:lstStyle/>
-          <a:p>
-            <a:pPr algn="ctr"/>
-            <a:r>
-              <a:rPr lang="en-US" altLang="ko-KR" sz="1100" dirty="0"/>
-              <a:t>MMR</a:t>
-            </a:r>
-            <a:endParaRPr lang="ko-KR" altLang="en-US" sz="1100" dirty="0"/>
-          </a:p>
-        </p:txBody>
-      </p:sp>
-      <p:sp>
-        <p:nvSpPr>
-          <p:cNvPr id="107" name="순서도: 처리 106">
-            <a:extLst>
-              <a:ext uri="{FF2B5EF4-FFF2-40B4-BE49-F238E27FC236}">
-                <a16:creationId xmlns:a16="http://schemas.microsoft.com/office/drawing/2014/main" id="{C5839132-3B25-4B7B-CADF-EF43E4BAF267}"/>
-              </a:ext>
-            </a:extLst>
-          </p:cNvPr>
-          <p:cNvSpPr/>
-          <p:nvPr/>
-        </p:nvSpPr>
-        <p:spPr>
-          <a:xfrm>
-            <a:off x="487680" y="6253327"/>
-            <a:ext cx="1808708" cy="309633"/>
-          </a:xfrm>
-          <a:prstGeom prst="flowChartProcess">
-            <a:avLst/>
-          </a:prstGeom>
-        </p:spPr>
-        <p:style>
-          <a:lnRef idx="2">
-            <a:schemeClr val="accent1">
-              <a:shade val="15000"/>
-            </a:schemeClr>
-          </a:lnRef>
-          <a:fillRef idx="1">
-            <a:schemeClr val="accent1"/>
-          </a:fillRef>
-          <a:effectRef idx="0">
-            <a:schemeClr val="accent1"/>
-          </a:effectRef>
-          <a:fontRef idx="minor">
-            <a:schemeClr val="lt1"/>
-          </a:fontRef>
-        </p:style>
-        <p:txBody>
-          <a:bodyPr wrap="none" rtlCol="0" anchor="ctr">
-            <a:normAutofit/>
-          </a:bodyPr>
-          <a:lstStyle/>
-          <a:p>
-            <a:pPr algn="ctr"/>
-            <a:r>
-              <a:rPr lang="ko-KR" altLang="en-US" sz="1050" dirty="0" err="1"/>
-              <a:t>날짜별</a:t>
-            </a:r>
-            <a:r>
-              <a:rPr lang="ko-KR" altLang="en-US" sz="1050" dirty="0"/>
-              <a:t> </a:t>
-            </a:r>
-            <a:r>
-              <a:rPr lang="en-US" altLang="ko-KR" sz="1050" dirty="0"/>
-              <a:t>MMR </a:t>
-            </a:r>
-            <a:r>
-              <a:rPr lang="ko-KR" altLang="en-US" sz="1050" dirty="0"/>
-              <a:t>그래프 그리기</a:t>
-            </a:r>
-          </a:p>
-        </p:txBody>
-      </p:sp>
-      <p:sp>
-        <p:nvSpPr>
-          <p:cNvPr id="1030" name="직사각형 1029">
-            <a:extLst>
-              <a:ext uri="{FF2B5EF4-FFF2-40B4-BE49-F238E27FC236}">
-                <a16:creationId xmlns:a16="http://schemas.microsoft.com/office/drawing/2014/main" id="{3EB4FE2D-D478-3A22-CB89-93C02BEA42A1}"/>
-              </a:ext>
-            </a:extLst>
-          </p:cNvPr>
-          <p:cNvSpPr/>
-          <p:nvPr/>
-        </p:nvSpPr>
-        <p:spPr>
-          <a:xfrm>
-            <a:off x="3429000" y="5285720"/>
-            <a:ext cx="1407160" cy="921238"/>
-          </a:xfrm>
-          <a:prstGeom prst="rect">
-            <a:avLst/>
-          </a:prstGeom>
-        </p:spPr>
-        <p:style>
-          <a:lnRef idx="2">
-            <a:schemeClr val="dk1"/>
-          </a:lnRef>
-          <a:fillRef idx="1">
-            <a:schemeClr val="lt1"/>
-          </a:fillRef>
-          <a:effectRef idx="0">
-            <a:schemeClr val="dk1"/>
-          </a:effectRef>
-          <a:fontRef idx="minor">
-            <a:schemeClr val="dk1"/>
-          </a:fontRef>
-        </p:style>
-        <p:txBody>
-          <a:bodyPr rtlCol="0" anchor="ctr"/>
-          <a:lstStyle/>
-          <a:p>
-            <a:pPr algn="ctr"/>
-            <a:endParaRPr lang="ko-KR" altLang="en-US"/>
-          </a:p>
-        </p:txBody>
-      </p:sp>
-      <p:cxnSp>
-        <p:nvCxnSpPr>
-          <p:cNvPr id="109" name="연결선: 꺾임 108">
-            <a:extLst>
-              <a:ext uri="{FF2B5EF4-FFF2-40B4-BE49-F238E27FC236}">
-                <a16:creationId xmlns:a16="http://schemas.microsoft.com/office/drawing/2014/main" id="{0B68A801-B15A-F8DA-9606-D418B8E05C82}"/>
-              </a:ext>
-            </a:extLst>
-          </p:cNvPr>
-          <p:cNvCxnSpPr>
-            <a:cxnSpLocks/>
-            <a:stCxn id="30" idx="2"/>
-            <a:endCxn id="106" idx="2"/>
-          </p:cNvCxnSpPr>
-          <p:nvPr/>
-        </p:nvCxnSpPr>
-        <p:spPr>
-          <a:xfrm rot="10800000" flipV="1">
-            <a:off x="962646" y="3998275"/>
-            <a:ext cx="474968" cy="1944683"/>
-          </a:xfrm>
-          <a:prstGeom prst="bentConnector3">
-            <a:avLst>
-              <a:gd name="adj1" fmla="val 208025"/>
-            </a:avLst>
-          </a:prstGeom>
-          <a:ln>
-            <a:tailEnd type="triangle"/>
-          </a:ln>
-        </p:spPr>
-        <p:style>
-          <a:lnRef idx="1">
-            <a:schemeClr val="accent1"/>
-          </a:lnRef>
-          <a:fillRef idx="0">
-            <a:schemeClr val="accent1"/>
-          </a:fillRef>
-          <a:effectRef idx="0">
-            <a:schemeClr val="accent1"/>
-          </a:effectRef>
-          <a:fontRef idx="minor">
-            <a:schemeClr val="tx1"/>
-          </a:fontRef>
-        </p:style>
-      </p:cxnSp>
-      <p:cxnSp>
-        <p:nvCxnSpPr>
-          <p:cNvPr id="113" name="직선 화살표 연결선 112">
-            <a:extLst>
-              <a:ext uri="{FF2B5EF4-FFF2-40B4-BE49-F238E27FC236}">
-                <a16:creationId xmlns:a16="http://schemas.microsoft.com/office/drawing/2014/main" id="{3B38905C-24AD-194D-3313-62EF7A6B2E6F}"/>
-              </a:ext>
-            </a:extLst>
-          </p:cNvPr>
-          <p:cNvCxnSpPr>
-            <a:stCxn id="106" idx="4"/>
-            <a:endCxn id="107" idx="0"/>
-          </p:cNvCxnSpPr>
-          <p:nvPr/>
-        </p:nvCxnSpPr>
-        <p:spPr>
-          <a:xfrm>
-            <a:off x="1392034" y="6122027"/>
-            <a:ext cx="0" cy="131300"/>
-          </a:xfrm>
-          <a:prstGeom prst="straightConnector1">
-            <a:avLst/>
-          </a:prstGeom>
-          <a:ln>
-            <a:tailEnd type="triangle"/>
-          </a:ln>
-        </p:spPr>
-        <p:style>
-          <a:lnRef idx="1">
-            <a:schemeClr val="accent1"/>
-          </a:lnRef>
-          <a:fillRef idx="0">
-            <a:schemeClr val="accent1"/>
-          </a:fillRef>
-          <a:effectRef idx="0">
-            <a:schemeClr val="accent1"/>
-          </a:effectRef>
-          <a:fontRef idx="minor">
-            <a:schemeClr val="tx1"/>
-          </a:fontRef>
-        </p:style>
-      </p:cxnSp>
-      <p:sp>
-        <p:nvSpPr>
-          <p:cNvPr id="118" name="순서도: 처리 117">
-            <a:extLst>
-              <a:ext uri="{FF2B5EF4-FFF2-40B4-BE49-F238E27FC236}">
-                <a16:creationId xmlns:a16="http://schemas.microsoft.com/office/drawing/2014/main" id="{7D2B04E6-6AA6-6022-8E82-BE49460BA6BC}"/>
-              </a:ext>
-            </a:extLst>
-          </p:cNvPr>
-          <p:cNvSpPr/>
-          <p:nvPr/>
-        </p:nvSpPr>
-        <p:spPr>
-          <a:xfrm>
-            <a:off x="487680" y="6662796"/>
-            <a:ext cx="1808708" cy="309633"/>
-          </a:xfrm>
-          <a:prstGeom prst="flowChartProcess">
-            <a:avLst/>
-          </a:prstGeom>
-        </p:spPr>
-        <p:style>
-          <a:lnRef idx="2">
-            <a:schemeClr val="accent1">
-              <a:shade val="15000"/>
-            </a:schemeClr>
-          </a:lnRef>
-          <a:fillRef idx="1">
-            <a:schemeClr val="accent1"/>
-          </a:fillRef>
-          <a:effectRef idx="0">
-            <a:schemeClr val="accent1"/>
-          </a:effectRef>
-          <a:fontRef idx="minor">
-            <a:schemeClr val="lt1"/>
-          </a:fontRef>
-        </p:style>
-        <p:txBody>
-          <a:bodyPr wrap="none" rtlCol="0" anchor="ctr">
-            <a:normAutofit/>
-          </a:bodyPr>
-          <a:lstStyle/>
-          <a:p>
-            <a:pPr algn="ctr"/>
-            <a:r>
-              <a:rPr lang="ko-KR" altLang="en-US" sz="1050"/>
-              <a:t>대전기록 표시</a:t>
-            </a:r>
-            <a:endParaRPr lang="ko-KR" altLang="en-US" sz="1050" dirty="0"/>
-          </a:p>
-        </p:txBody>
-      </p:sp>
-      <p:cxnSp>
-        <p:nvCxnSpPr>
-          <p:cNvPr id="120" name="연결선: 꺾임 119">
-            <a:extLst>
-              <a:ext uri="{FF2B5EF4-FFF2-40B4-BE49-F238E27FC236}">
-                <a16:creationId xmlns:a16="http://schemas.microsoft.com/office/drawing/2014/main" id="{201E4816-3E8B-D364-4710-B6EBF440DE71}"/>
-              </a:ext>
-            </a:extLst>
-          </p:cNvPr>
-          <p:cNvCxnSpPr>
-            <a:stCxn id="30" idx="2"/>
-            <a:endCxn id="118" idx="1"/>
-          </p:cNvCxnSpPr>
-          <p:nvPr/>
-        </p:nvCxnSpPr>
-        <p:spPr>
-          <a:xfrm rot="10800000" flipV="1">
-            <a:off x="487680" y="3998275"/>
-            <a:ext cx="949934" cy="2819337"/>
-          </a:xfrm>
-          <a:prstGeom prst="bentConnector3">
-            <a:avLst>
-              <a:gd name="adj1" fmla="val 124065"/>
-            </a:avLst>
-          </a:prstGeom>
-          <a:ln>
-            <a:tailEnd type="triangle"/>
-          </a:ln>
-        </p:spPr>
-        <p:style>
-          <a:lnRef idx="1">
-            <a:schemeClr val="accent1"/>
-          </a:lnRef>
-          <a:fillRef idx="0">
-            <a:schemeClr val="accent1"/>
-          </a:fillRef>
-          <a:effectRef idx="0">
-            <a:schemeClr val="accent1"/>
-          </a:effectRef>
-          <a:fontRef idx="minor">
-            <a:schemeClr val="tx1"/>
-          </a:fontRef>
-        </p:style>
-      </p:cxnSp>
-      <p:grpSp>
-        <p:nvGrpSpPr>
-          <p:cNvPr id="1025" name="그룹 1024">
-            <a:extLst>
-              <a:ext uri="{FF2B5EF4-FFF2-40B4-BE49-F238E27FC236}">
-                <a16:creationId xmlns:a16="http://schemas.microsoft.com/office/drawing/2014/main" id="{FB6AEAE1-4E3D-7E7B-335A-8DCFCF12C530}"/>
-              </a:ext>
-            </a:extLst>
-          </p:cNvPr>
-          <p:cNvGrpSpPr/>
-          <p:nvPr/>
-        </p:nvGrpSpPr>
-        <p:grpSpPr>
-          <a:xfrm>
-            <a:off x="3550920" y="5011884"/>
-            <a:ext cx="1148080" cy="619760"/>
-            <a:chOff x="3550920" y="5547360"/>
-            <a:chExt cx="1148080" cy="619760"/>
-          </a:xfrm>
-        </p:grpSpPr>
-        <p:sp>
-          <p:nvSpPr>
-            <p:cNvPr id="127" name="직사각형 126">
-              <a:extLst>
-                <a:ext uri="{FF2B5EF4-FFF2-40B4-BE49-F238E27FC236}">
-                  <a16:creationId xmlns:a16="http://schemas.microsoft.com/office/drawing/2014/main" id="{7EC5B530-289D-D98E-7AF1-CF8F237CDC3E}"/>
-                </a:ext>
-              </a:extLst>
-            </p:cNvPr>
-            <p:cNvSpPr/>
-            <p:nvPr/>
-          </p:nvSpPr>
-          <p:spPr>
-            <a:xfrm>
-              <a:off x="3550920" y="5547360"/>
-              <a:ext cx="1148080" cy="619760"/>
-            </a:xfrm>
-            <a:prstGeom prst="rect">
-              <a:avLst/>
-            </a:prstGeom>
-          </p:spPr>
-          <p:style>
-            <a:lnRef idx="2">
-              <a:schemeClr val="accent1">
-                <a:shade val="15000"/>
-              </a:schemeClr>
-            </a:lnRef>
-            <a:fillRef idx="1">
-              <a:schemeClr val="accent1"/>
-            </a:fillRef>
-            <a:effectRef idx="0">
-              <a:schemeClr val="accent1"/>
-            </a:effectRef>
-            <a:fontRef idx="minor">
-              <a:schemeClr val="lt1"/>
-            </a:fontRef>
-          </p:style>
-          <p:txBody>
-            <a:bodyPr wrap="none" rtlCol="0" anchor="ctr">
-              <a:normAutofit/>
-            </a:bodyPr>
-            <a:lstStyle/>
-            <a:p>
-              <a:pPr algn="r"/>
-              <a:r>
-                <a:rPr lang="ko-KR" altLang="en-US"/>
-                <a:t>서버</a:t>
-              </a:r>
-              <a:endParaRPr lang="ko-KR" altLang="en-US" dirty="0"/>
-            </a:p>
-          </p:txBody>
-        </p:sp>
-        <p:pic>
-          <p:nvPicPr>
-            <p:cNvPr id="1026" name="Picture 2" descr="Python 로고 - 소셜 미디어 및 로고 아이콘">
-              <a:extLst>
-                <a:ext uri="{FF2B5EF4-FFF2-40B4-BE49-F238E27FC236}">
-                  <a16:creationId xmlns:a16="http://schemas.microsoft.com/office/drawing/2014/main" id="{D7F8420F-F25A-A638-D5A8-44052F6602EF}"/>
-                </a:ext>
-              </a:extLst>
-            </p:cNvPr>
-            <p:cNvPicPr>
-              <a:picLocks noChangeAspect="1" noChangeArrowheads="1"/>
-            </p:cNvPicPr>
-            <p:nvPr/>
-          </p:nvPicPr>
-          <p:blipFill>
-            <a:blip r:embed="rId3">
-              <a:extLst>
-                <a:ext uri="{28A0092B-C50C-407E-A947-70E740481C1C}">
-                  <a14:useLocalDpi xmlns:a14="http://schemas.microsoft.com/office/drawing/2010/main" val="0"/>
-                </a:ext>
-              </a:extLst>
-            </a:blip>
-            <a:srcRect/>
-            <a:stretch>
-              <a:fillRect/>
-            </a:stretch>
-          </p:blipFill>
-          <p:spPr bwMode="auto">
-            <a:xfrm>
-              <a:off x="3592320" y="5605134"/>
-              <a:ext cx="516893" cy="516893"/>
-            </a:xfrm>
-            <a:prstGeom prst="rect">
-              <a:avLst/>
-            </a:prstGeom>
-            <a:noFill/>
-            <a:extLst>
-              <a:ext uri="{909E8E84-426E-40DD-AFC4-6F175D3DCCD1}">
-                <a14:hiddenFill xmlns:a14="http://schemas.microsoft.com/office/drawing/2010/main">
-                  <a:solidFill>
-                    <a:srgbClr val="FFFFFF"/>
-                  </a:solidFill>
-                </a14:hiddenFill>
-              </a:ext>
-            </a:extLst>
-          </p:spPr>
-        </p:pic>
-      </p:grpSp>
-      <p:cxnSp>
-        <p:nvCxnSpPr>
-          <p:cNvPr id="1028" name="직선 화살표 연결선 1027">
-            <a:extLst>
-              <a:ext uri="{FF2B5EF4-FFF2-40B4-BE49-F238E27FC236}">
-                <a16:creationId xmlns:a16="http://schemas.microsoft.com/office/drawing/2014/main" id="{CFC3F05E-FE6C-2DE3-8EEF-4301A0EEA82C}"/>
-              </a:ext>
-            </a:extLst>
-          </p:cNvPr>
-          <p:cNvCxnSpPr>
-            <a:cxnSpLocks/>
-            <a:stCxn id="106" idx="6"/>
-            <a:endCxn id="1031" idx="1"/>
-          </p:cNvCxnSpPr>
-          <p:nvPr/>
-        </p:nvCxnSpPr>
-        <p:spPr>
-          <a:xfrm>
-            <a:off x="1821421" y="5942959"/>
-            <a:ext cx="1729499" cy="4647"/>
-          </a:xfrm>
-          <a:prstGeom prst="straightConnector1">
-            <a:avLst/>
-          </a:prstGeom>
-          <a:ln>
-            <a:tailEnd type="triangle"/>
-          </a:ln>
-        </p:spPr>
-        <p:style>
-          <a:lnRef idx="1">
-            <a:schemeClr val="accent1"/>
-          </a:lnRef>
-          <a:fillRef idx="0">
-            <a:schemeClr val="accent1"/>
-          </a:fillRef>
-          <a:effectRef idx="0">
-            <a:schemeClr val="accent1"/>
-          </a:effectRef>
-          <a:fontRef idx="minor">
-            <a:schemeClr val="tx1"/>
-          </a:fontRef>
-        </p:style>
-      </p:cxnSp>
-      <p:sp>
-        <p:nvSpPr>
-          <p:cNvPr id="1031" name="직사각형 1030">
-            <a:extLst>
-              <a:ext uri="{FF2B5EF4-FFF2-40B4-BE49-F238E27FC236}">
-                <a16:creationId xmlns:a16="http://schemas.microsoft.com/office/drawing/2014/main" id="{D0BE4A50-B413-5A79-B3B9-E406E8D36CA6}"/>
-              </a:ext>
-            </a:extLst>
-          </p:cNvPr>
-          <p:cNvSpPr/>
-          <p:nvPr/>
-        </p:nvSpPr>
-        <p:spPr>
-          <a:xfrm>
-            <a:off x="3550920" y="5761666"/>
-            <a:ext cx="1148080" cy="371879"/>
-          </a:xfrm>
-          <a:prstGeom prst="rect">
-            <a:avLst/>
-          </a:prstGeom>
-        </p:spPr>
-        <p:style>
-          <a:lnRef idx="2">
-            <a:schemeClr val="accent1">
-              <a:shade val="15000"/>
-            </a:schemeClr>
-          </a:lnRef>
-          <a:fillRef idx="1">
-            <a:schemeClr val="accent1"/>
-          </a:fillRef>
-          <a:effectRef idx="0">
-            <a:schemeClr val="accent1"/>
-          </a:effectRef>
-          <a:fontRef idx="minor">
-            <a:schemeClr val="lt1"/>
-          </a:fontRef>
-        </p:style>
-        <p:txBody>
-          <a:bodyPr rtlCol="0" anchor="ctr"/>
-          <a:lstStyle/>
-          <a:p>
-            <a:pPr algn="ctr"/>
-            <a:r>
-              <a:rPr lang="ko-KR" altLang="en-US" sz="1000" dirty="0"/>
-              <a:t>선형회귀를 이용한 예측</a:t>
-            </a:r>
-          </a:p>
-        </p:txBody>
-      </p:sp>
-      <p:sp>
-        <p:nvSpPr>
-          <p:cNvPr id="1037" name="순서도: 처리 1036">
-            <a:extLst>
-              <a:ext uri="{FF2B5EF4-FFF2-40B4-BE49-F238E27FC236}">
-                <a16:creationId xmlns:a16="http://schemas.microsoft.com/office/drawing/2014/main" id="{3B8204E9-E8B9-0274-3693-656B571018FC}"/>
-              </a:ext>
-            </a:extLst>
-          </p:cNvPr>
-          <p:cNvSpPr/>
-          <p:nvPr/>
-        </p:nvSpPr>
-        <p:spPr>
-          <a:xfrm>
-            <a:off x="487680" y="7085386"/>
-            <a:ext cx="1808708" cy="309633"/>
-          </a:xfrm>
-          <a:prstGeom prst="flowChartProcess">
-            <a:avLst/>
-          </a:prstGeom>
-        </p:spPr>
-        <p:style>
-          <a:lnRef idx="2">
-            <a:schemeClr val="accent1">
-              <a:shade val="15000"/>
-            </a:schemeClr>
-          </a:lnRef>
-          <a:fillRef idx="1">
-            <a:schemeClr val="accent1"/>
-          </a:fillRef>
-          <a:effectRef idx="0">
-            <a:schemeClr val="accent1"/>
-          </a:effectRef>
-          <a:fontRef idx="minor">
-            <a:schemeClr val="lt1"/>
-          </a:fontRef>
-        </p:style>
-        <p:txBody>
-          <a:bodyPr wrap="none" rtlCol="0" anchor="ctr">
-            <a:normAutofit/>
-          </a:bodyPr>
-          <a:lstStyle/>
-          <a:p>
-            <a:pPr algn="ctr"/>
-            <a:r>
-              <a:rPr lang="ko-KR" altLang="en-US" sz="1050" dirty="0"/>
-              <a:t>예측 그래프 그리기</a:t>
-            </a:r>
-          </a:p>
-        </p:txBody>
-      </p:sp>
-      <p:cxnSp>
-        <p:nvCxnSpPr>
-          <p:cNvPr id="1039" name="연결선: 꺾임 1038">
-            <a:extLst>
-              <a:ext uri="{FF2B5EF4-FFF2-40B4-BE49-F238E27FC236}">
-                <a16:creationId xmlns:a16="http://schemas.microsoft.com/office/drawing/2014/main" id="{BE037180-A3BF-F2FD-CFF0-DDD0D07ECAB7}"/>
-              </a:ext>
-            </a:extLst>
-          </p:cNvPr>
-          <p:cNvCxnSpPr>
-            <a:stCxn id="1031" idx="2"/>
-            <a:endCxn id="1037" idx="3"/>
-          </p:cNvCxnSpPr>
-          <p:nvPr/>
-        </p:nvCxnSpPr>
-        <p:spPr>
-          <a:xfrm rot="5400000">
-            <a:off x="2657345" y="5772588"/>
-            <a:ext cx="1106658" cy="1828572"/>
-          </a:xfrm>
-          <a:prstGeom prst="bentConnector2">
-            <a:avLst/>
-          </a:prstGeom>
-          <a:ln>
-            <a:tailEnd type="triangle"/>
-          </a:ln>
-        </p:spPr>
-        <p:style>
-          <a:lnRef idx="1">
-            <a:schemeClr val="accent1"/>
-          </a:lnRef>
-          <a:fillRef idx="0">
-            <a:schemeClr val="accent1"/>
-          </a:fillRef>
-          <a:effectRef idx="0">
-            <a:schemeClr val="accent1"/>
-          </a:effectRef>
-          <a:fontRef idx="minor">
-            <a:schemeClr val="tx1"/>
-          </a:fontRef>
-        </p:style>
-      </p:cxnSp>
     </p:spTree>
     <p:extLst>
       <p:ext uri="{BB962C8B-B14F-4D97-AF65-F5344CB8AC3E}">

--- a/흐름도.pptx
+++ b/흐름도.pptx
@@ -243,7 +243,7 @@
           <a:p>
             <a:fld id="{F04BCF61-BBED-4DC7-B344-F2E5734B06BA}" type="datetimeFigureOut">
               <a:rPr lang="ko-KR" altLang="en-US" smtClean="0"/>
-              <a:t>2023-12-09</a:t>
+              <a:t>2023-12-10</a:t>
             </a:fld>
             <a:endParaRPr lang="ko-KR" altLang="en-US"/>
           </a:p>
@@ -413,7 +413,7 @@
           <a:p>
             <a:fld id="{F04BCF61-BBED-4DC7-B344-F2E5734B06BA}" type="datetimeFigureOut">
               <a:rPr lang="ko-KR" altLang="en-US" smtClean="0"/>
-              <a:t>2023-12-09</a:t>
+              <a:t>2023-12-10</a:t>
             </a:fld>
             <a:endParaRPr lang="ko-KR" altLang="en-US"/>
           </a:p>
@@ -593,7 +593,7 @@
           <a:p>
             <a:fld id="{F04BCF61-BBED-4DC7-B344-F2E5734B06BA}" type="datetimeFigureOut">
               <a:rPr lang="ko-KR" altLang="en-US" smtClean="0"/>
-              <a:t>2023-12-09</a:t>
+              <a:t>2023-12-10</a:t>
             </a:fld>
             <a:endParaRPr lang="ko-KR" altLang="en-US"/>
           </a:p>
@@ -763,7 +763,7 @@
           <a:p>
             <a:fld id="{F04BCF61-BBED-4DC7-B344-F2E5734B06BA}" type="datetimeFigureOut">
               <a:rPr lang="ko-KR" altLang="en-US" smtClean="0"/>
-              <a:t>2023-12-09</a:t>
+              <a:t>2023-12-10</a:t>
             </a:fld>
             <a:endParaRPr lang="ko-KR" altLang="en-US"/>
           </a:p>
@@ -1007,7 +1007,7 @@
           <a:p>
             <a:fld id="{F04BCF61-BBED-4DC7-B344-F2E5734B06BA}" type="datetimeFigureOut">
               <a:rPr lang="ko-KR" altLang="en-US" smtClean="0"/>
-              <a:t>2023-12-09</a:t>
+              <a:t>2023-12-10</a:t>
             </a:fld>
             <a:endParaRPr lang="ko-KR" altLang="en-US"/>
           </a:p>
@@ -1239,7 +1239,7 @@
           <a:p>
             <a:fld id="{F04BCF61-BBED-4DC7-B344-F2E5734B06BA}" type="datetimeFigureOut">
               <a:rPr lang="ko-KR" altLang="en-US" smtClean="0"/>
-              <a:t>2023-12-09</a:t>
+              <a:t>2023-12-10</a:t>
             </a:fld>
             <a:endParaRPr lang="ko-KR" altLang="en-US"/>
           </a:p>
@@ -1606,7 +1606,7 @@
           <a:p>
             <a:fld id="{F04BCF61-BBED-4DC7-B344-F2E5734B06BA}" type="datetimeFigureOut">
               <a:rPr lang="ko-KR" altLang="en-US" smtClean="0"/>
-              <a:t>2023-12-09</a:t>
+              <a:t>2023-12-10</a:t>
             </a:fld>
             <a:endParaRPr lang="ko-KR" altLang="en-US"/>
           </a:p>
@@ -1724,7 +1724,7 @@
           <a:p>
             <a:fld id="{F04BCF61-BBED-4DC7-B344-F2E5734B06BA}" type="datetimeFigureOut">
               <a:rPr lang="ko-KR" altLang="en-US" smtClean="0"/>
-              <a:t>2023-12-09</a:t>
+              <a:t>2023-12-10</a:t>
             </a:fld>
             <a:endParaRPr lang="ko-KR" altLang="en-US"/>
           </a:p>
@@ -1819,7 +1819,7 @@
           <a:p>
             <a:fld id="{F04BCF61-BBED-4DC7-B344-F2E5734B06BA}" type="datetimeFigureOut">
               <a:rPr lang="ko-KR" altLang="en-US" smtClean="0"/>
-              <a:t>2023-12-09</a:t>
+              <a:t>2023-12-10</a:t>
             </a:fld>
             <a:endParaRPr lang="ko-KR" altLang="en-US"/>
           </a:p>
@@ -2096,7 +2096,7 @@
           <a:p>
             <a:fld id="{F04BCF61-BBED-4DC7-B344-F2E5734B06BA}" type="datetimeFigureOut">
               <a:rPr lang="ko-KR" altLang="en-US" smtClean="0"/>
-              <a:t>2023-12-09</a:t>
+              <a:t>2023-12-10</a:t>
             </a:fld>
             <a:endParaRPr lang="ko-KR" altLang="en-US"/>
           </a:p>
@@ -2353,7 +2353,7 @@
           <a:p>
             <a:fld id="{F04BCF61-BBED-4DC7-B344-F2E5734B06BA}" type="datetimeFigureOut">
               <a:rPr lang="ko-KR" altLang="en-US" smtClean="0"/>
-              <a:t>2023-12-09</a:t>
+              <a:t>2023-12-10</a:t>
             </a:fld>
             <a:endParaRPr lang="ko-KR" altLang="en-US"/>
           </a:p>
@@ -2566,7 +2566,7 @@
           <a:p>
             <a:fld id="{F04BCF61-BBED-4DC7-B344-F2E5734B06BA}" type="datetimeFigureOut">
               <a:rPr lang="ko-KR" altLang="en-US" smtClean="0"/>
-              <a:t>2023-12-09</a:t>
+              <a:t>2023-12-10</a:t>
             </a:fld>
             <a:endParaRPr lang="ko-KR" altLang="en-US"/>
           </a:p>
@@ -2985,10 +2985,10 @@
         </p:nvGrpSpPr>
         <p:grpSpPr>
           <a:xfrm>
-            <a:off x="375920" y="255837"/>
-            <a:ext cx="4460240" cy="7604193"/>
+            <a:off x="947420" y="122487"/>
+            <a:ext cx="4460240" cy="8912285"/>
             <a:chOff x="375920" y="255837"/>
-            <a:chExt cx="4460240" cy="7604193"/>
+            <a:chExt cx="4460240" cy="8912285"/>
           </a:xfrm>
         </p:grpSpPr>
         <p:sp>
@@ -3185,9 +3185,9 @@
           <p:grpSpPr>
             <a:xfrm>
               <a:off x="375920" y="2045970"/>
-              <a:ext cx="2118360" cy="5814060"/>
+              <a:ext cx="2118360" cy="7122152"/>
               <a:chOff x="398780" y="925830"/>
-              <a:chExt cx="2118360" cy="5814060"/>
+              <a:chExt cx="2118360" cy="7122152"/>
             </a:xfrm>
           </p:grpSpPr>
           <p:sp>
@@ -3205,7 +3205,7 @@
             <p:spPr>
               <a:xfrm>
                 <a:off x="398780" y="1065530"/>
-                <a:ext cx="2118360" cy="5674360"/>
+                <a:ext cx="2118360" cy="6982452"/>
               </a:xfrm>
               <a:prstGeom prst="flowChartProcess">
                 <a:avLst/>
@@ -5705,6 +5705,316 @@
             </a:fontRef>
           </p:style>
         </p:cxnSp>
+        <p:sp>
+          <p:nvSpPr>
+            <p:cNvPr id="12" name="순서도: 처리 11">
+              <a:extLst>
+                <a:ext uri="{FF2B5EF4-FFF2-40B4-BE49-F238E27FC236}">
+                  <a16:creationId xmlns:a16="http://schemas.microsoft.com/office/drawing/2014/main" id="{C7DABBA7-A38F-B35C-F44A-07EFD7DB95A4}"/>
+                </a:ext>
+              </a:extLst>
+            </p:cNvPr>
+            <p:cNvSpPr/>
+            <p:nvPr/>
+          </p:nvSpPr>
+          <p:spPr>
+            <a:xfrm>
+              <a:off x="480060" y="7613528"/>
+              <a:ext cx="1808708" cy="309633"/>
+            </a:xfrm>
+            <a:prstGeom prst="flowChartProcess">
+              <a:avLst/>
+            </a:prstGeom>
+          </p:spPr>
+          <p:style>
+            <a:lnRef idx="2">
+              <a:schemeClr val="accent6">
+                <a:shade val="15000"/>
+              </a:schemeClr>
+            </a:lnRef>
+            <a:fillRef idx="1">
+              <a:schemeClr val="accent6"/>
+            </a:fillRef>
+            <a:effectRef idx="0">
+              <a:schemeClr val="accent6"/>
+            </a:effectRef>
+            <a:fontRef idx="minor">
+              <a:schemeClr val="lt1"/>
+            </a:fontRef>
+          </p:style>
+          <p:txBody>
+            <a:bodyPr wrap="none" rtlCol="0" anchor="ctr">
+              <a:normAutofit/>
+            </a:bodyPr>
+            <a:lstStyle/>
+            <a:p>
+              <a:pPr algn="ctr"/>
+              <a:r>
+                <a:rPr lang="ko-KR" altLang="en-US" sz="1050" dirty="0">
+                  <a:solidFill>
+                    <a:schemeClr val="tx1"/>
+                  </a:solidFill>
+                </a:rPr>
+                <a:t>대전기록 클릭</a:t>
+              </a:r>
+            </a:p>
+          </p:txBody>
+        </p:sp>
+        <p:sp>
+          <p:nvSpPr>
+            <p:cNvPr id="16" name="순서도: 처리 15">
+              <a:extLst>
+                <a:ext uri="{FF2B5EF4-FFF2-40B4-BE49-F238E27FC236}">
+                  <a16:creationId xmlns:a16="http://schemas.microsoft.com/office/drawing/2014/main" id="{946A12F5-5391-3AC7-2584-37E7604B2C7C}"/>
+                </a:ext>
+              </a:extLst>
+            </p:cNvPr>
+            <p:cNvSpPr/>
+            <p:nvPr/>
+          </p:nvSpPr>
+          <p:spPr>
+            <a:xfrm>
+              <a:off x="480060" y="8164485"/>
+              <a:ext cx="1808708" cy="941415"/>
+            </a:xfrm>
+            <a:prstGeom prst="flowChartProcess">
+              <a:avLst/>
+            </a:prstGeom>
+          </p:spPr>
+          <p:style>
+            <a:lnRef idx="2">
+              <a:schemeClr val="accent6"/>
+            </a:lnRef>
+            <a:fillRef idx="1">
+              <a:schemeClr val="lt1"/>
+            </a:fillRef>
+            <a:effectRef idx="0">
+              <a:schemeClr val="accent6"/>
+            </a:effectRef>
+            <a:fontRef idx="minor">
+              <a:schemeClr val="dk1"/>
+            </a:fontRef>
+          </p:style>
+          <p:txBody>
+            <a:bodyPr wrap="none" rtlCol="0" anchor="t">
+              <a:normAutofit/>
+            </a:bodyPr>
+            <a:lstStyle/>
+            <a:p>
+              <a:pPr algn="ctr"/>
+              <a:r>
+                <a:rPr lang="ko-KR" altLang="en-US" sz="1050" dirty="0">
+                  <a:solidFill>
+                    <a:schemeClr val="tx1"/>
+                  </a:solidFill>
+                </a:rPr>
+                <a:t>대전 세부사항 표시</a:t>
+              </a:r>
+            </a:p>
+          </p:txBody>
+        </p:sp>
+        <p:cxnSp>
+          <p:nvCxnSpPr>
+            <p:cNvPr id="18" name="직선 화살표 연결선 17">
+              <a:extLst>
+                <a:ext uri="{FF2B5EF4-FFF2-40B4-BE49-F238E27FC236}">
+                  <a16:creationId xmlns:a16="http://schemas.microsoft.com/office/drawing/2014/main" id="{8C9F5AB2-A993-8119-98E8-CB8FD09676F4}"/>
+                </a:ext>
+              </a:extLst>
+            </p:cNvPr>
+            <p:cNvCxnSpPr>
+              <a:cxnSpLocks/>
+              <a:stCxn id="12" idx="2"/>
+              <a:endCxn id="16" idx="0"/>
+            </p:cNvCxnSpPr>
+            <p:nvPr/>
+          </p:nvCxnSpPr>
+          <p:spPr>
+            <a:xfrm>
+              <a:off x="1384414" y="7923161"/>
+              <a:ext cx="0" cy="241324"/>
+            </a:xfrm>
+            <a:prstGeom prst="straightConnector1">
+              <a:avLst/>
+            </a:prstGeom>
+            <a:ln w="57150">
+              <a:solidFill>
+                <a:srgbClr val="70AD47"/>
+              </a:solidFill>
+              <a:tailEnd type="triangle"/>
+            </a:ln>
+          </p:spPr>
+          <p:style>
+            <a:lnRef idx="1">
+              <a:schemeClr val="accent1"/>
+            </a:lnRef>
+            <a:fillRef idx="0">
+              <a:schemeClr val="accent1"/>
+            </a:fillRef>
+            <a:effectRef idx="0">
+              <a:schemeClr val="accent1"/>
+            </a:effectRef>
+            <a:fontRef idx="minor">
+              <a:schemeClr val="tx1"/>
+            </a:fontRef>
+          </p:style>
+        </p:cxnSp>
+        <p:sp>
+          <p:nvSpPr>
+            <p:cNvPr id="31" name="순서도: 처리 30">
+              <a:extLst>
+                <a:ext uri="{FF2B5EF4-FFF2-40B4-BE49-F238E27FC236}">
+                  <a16:creationId xmlns:a16="http://schemas.microsoft.com/office/drawing/2014/main" id="{6D5CA040-F691-8571-0D2D-81F9E1EE053E}"/>
+                </a:ext>
+              </a:extLst>
+            </p:cNvPr>
+            <p:cNvSpPr/>
+            <p:nvPr/>
+          </p:nvSpPr>
+          <p:spPr>
+            <a:xfrm>
+              <a:off x="590784" y="8416656"/>
+              <a:ext cx="1587260" cy="634443"/>
+            </a:xfrm>
+            <a:prstGeom prst="flowChartProcess">
+              <a:avLst/>
+            </a:prstGeom>
+          </p:spPr>
+          <p:style>
+            <a:lnRef idx="2">
+              <a:schemeClr val="accent6">
+                <a:shade val="15000"/>
+              </a:schemeClr>
+            </a:lnRef>
+            <a:fillRef idx="1">
+              <a:schemeClr val="accent6"/>
+            </a:fillRef>
+            <a:effectRef idx="0">
+              <a:schemeClr val="accent6"/>
+            </a:effectRef>
+            <a:fontRef idx="minor">
+              <a:schemeClr val="lt1"/>
+            </a:fontRef>
+          </p:style>
+          <p:txBody>
+            <a:bodyPr wrap="none" rtlCol="0" anchor="t">
+              <a:normAutofit/>
+            </a:bodyPr>
+            <a:lstStyle/>
+            <a:p>
+              <a:pPr algn="ctr"/>
+              <a:r>
+                <a:rPr lang="ko-KR" altLang="en-US" sz="1050" dirty="0">
+                  <a:solidFill>
+                    <a:schemeClr val="tx1"/>
+                  </a:solidFill>
+                </a:rPr>
+                <a:t>유저 표시</a:t>
+              </a:r>
+            </a:p>
+          </p:txBody>
+        </p:sp>
+        <p:sp>
+          <p:nvSpPr>
+            <p:cNvPr id="34" name="순서도: 처리 33">
+              <a:extLst>
+                <a:ext uri="{FF2B5EF4-FFF2-40B4-BE49-F238E27FC236}">
+                  <a16:creationId xmlns:a16="http://schemas.microsoft.com/office/drawing/2014/main" id="{2F0674AB-21AA-A5BF-2AC0-96CE2C5778C5}"/>
+                </a:ext>
+              </a:extLst>
+            </p:cNvPr>
+            <p:cNvSpPr/>
+            <p:nvPr/>
+          </p:nvSpPr>
+          <p:spPr>
+            <a:xfrm>
+              <a:off x="669406" y="8644157"/>
+              <a:ext cx="1426093" cy="362683"/>
+            </a:xfrm>
+            <a:prstGeom prst="flowChartProcess">
+              <a:avLst/>
+            </a:prstGeom>
+          </p:spPr>
+          <p:style>
+            <a:lnRef idx="2">
+              <a:schemeClr val="accent6"/>
+            </a:lnRef>
+            <a:fillRef idx="1">
+              <a:schemeClr val="lt1"/>
+            </a:fillRef>
+            <a:effectRef idx="0">
+              <a:schemeClr val="accent6"/>
+            </a:effectRef>
+            <a:fontRef idx="minor">
+              <a:schemeClr val="dk1"/>
+            </a:fontRef>
+          </p:style>
+          <p:txBody>
+            <a:bodyPr wrap="none" rtlCol="0" anchor="ctr">
+              <a:normAutofit/>
+            </a:bodyPr>
+            <a:lstStyle/>
+            <a:p>
+              <a:pPr algn="ctr"/>
+              <a:r>
+                <a:rPr lang="ko-KR" altLang="en-US" sz="1050" dirty="0">
+                  <a:solidFill>
+                    <a:schemeClr val="tx1"/>
+                  </a:solidFill>
+                </a:rPr>
+                <a:t>유저 클릭</a:t>
+              </a:r>
+            </a:p>
+          </p:txBody>
+        </p:sp>
+        <p:cxnSp>
+          <p:nvCxnSpPr>
+            <p:cNvPr id="124" name="연결선: 꺾임 123">
+              <a:extLst>
+                <a:ext uri="{FF2B5EF4-FFF2-40B4-BE49-F238E27FC236}">
+                  <a16:creationId xmlns:a16="http://schemas.microsoft.com/office/drawing/2014/main" id="{4F4D1EBA-29A9-3808-C133-7C2FEE37F599}"/>
+                </a:ext>
+              </a:extLst>
+            </p:cNvPr>
+            <p:cNvCxnSpPr>
+              <a:cxnSpLocks/>
+              <a:stCxn id="31" idx="3"/>
+              <a:endCxn id="14" idx="3"/>
+            </p:cNvCxnSpPr>
+            <p:nvPr/>
+          </p:nvCxnSpPr>
+          <p:spPr>
+            <a:xfrm flipV="1">
+              <a:off x="2178044" y="1416050"/>
+              <a:ext cx="2373636" cy="7317828"/>
+            </a:xfrm>
+            <a:prstGeom prst="bentConnector3">
+              <a:avLst>
+                <a:gd name="adj1" fmla="val 118459"/>
+              </a:avLst>
+            </a:prstGeom>
+            <a:ln w="57150">
+              <a:solidFill>
+                <a:srgbClr val="70AD47"/>
+              </a:solidFill>
+              <a:tailEnd type="triangle"/>
+            </a:ln>
+          </p:spPr>
+          <p:style>
+            <a:lnRef idx="1">
+              <a:schemeClr val="accent1"/>
+            </a:lnRef>
+            <a:fillRef idx="0">
+              <a:schemeClr val="accent1"/>
+            </a:fillRef>
+            <a:effectRef idx="0">
+              <a:schemeClr val="accent1"/>
+            </a:effectRef>
+            <a:fontRef idx="minor">
+              <a:schemeClr val="tx1"/>
+            </a:fontRef>
+          </p:style>
+        </p:cxnSp>
       </p:grpSp>
     </p:spTree>
     <p:extLst>

--- a/흐름도.pptx
+++ b/흐름도.pptx
@@ -243,7 +243,7 @@
           <a:p>
             <a:fld id="{F04BCF61-BBED-4DC7-B344-F2E5734B06BA}" type="datetimeFigureOut">
               <a:rPr lang="ko-KR" altLang="en-US" smtClean="0"/>
-              <a:t>2023-12-10</a:t>
+              <a:t>2023-12-14</a:t>
             </a:fld>
             <a:endParaRPr lang="ko-KR" altLang="en-US"/>
           </a:p>
@@ -413,7 +413,7 @@
           <a:p>
             <a:fld id="{F04BCF61-BBED-4DC7-B344-F2E5734B06BA}" type="datetimeFigureOut">
               <a:rPr lang="ko-KR" altLang="en-US" smtClean="0"/>
-              <a:t>2023-12-10</a:t>
+              <a:t>2023-12-14</a:t>
             </a:fld>
             <a:endParaRPr lang="ko-KR" altLang="en-US"/>
           </a:p>
@@ -593,7 +593,7 @@
           <a:p>
             <a:fld id="{F04BCF61-BBED-4DC7-B344-F2E5734B06BA}" type="datetimeFigureOut">
               <a:rPr lang="ko-KR" altLang="en-US" smtClean="0"/>
-              <a:t>2023-12-10</a:t>
+              <a:t>2023-12-14</a:t>
             </a:fld>
             <a:endParaRPr lang="ko-KR" altLang="en-US"/>
           </a:p>
@@ -763,7 +763,7 @@
           <a:p>
             <a:fld id="{F04BCF61-BBED-4DC7-B344-F2E5734B06BA}" type="datetimeFigureOut">
               <a:rPr lang="ko-KR" altLang="en-US" smtClean="0"/>
-              <a:t>2023-12-10</a:t>
+              <a:t>2023-12-14</a:t>
             </a:fld>
             <a:endParaRPr lang="ko-KR" altLang="en-US"/>
           </a:p>
@@ -1007,7 +1007,7 @@
           <a:p>
             <a:fld id="{F04BCF61-BBED-4DC7-B344-F2E5734B06BA}" type="datetimeFigureOut">
               <a:rPr lang="ko-KR" altLang="en-US" smtClean="0"/>
-              <a:t>2023-12-10</a:t>
+              <a:t>2023-12-14</a:t>
             </a:fld>
             <a:endParaRPr lang="ko-KR" altLang="en-US"/>
           </a:p>
@@ -1239,7 +1239,7 @@
           <a:p>
             <a:fld id="{F04BCF61-BBED-4DC7-B344-F2E5734B06BA}" type="datetimeFigureOut">
               <a:rPr lang="ko-KR" altLang="en-US" smtClean="0"/>
-              <a:t>2023-12-10</a:t>
+              <a:t>2023-12-14</a:t>
             </a:fld>
             <a:endParaRPr lang="ko-KR" altLang="en-US"/>
           </a:p>
@@ -1606,7 +1606,7 @@
           <a:p>
             <a:fld id="{F04BCF61-BBED-4DC7-B344-F2E5734B06BA}" type="datetimeFigureOut">
               <a:rPr lang="ko-KR" altLang="en-US" smtClean="0"/>
-              <a:t>2023-12-10</a:t>
+              <a:t>2023-12-14</a:t>
             </a:fld>
             <a:endParaRPr lang="ko-KR" altLang="en-US"/>
           </a:p>
@@ -1724,7 +1724,7 @@
           <a:p>
             <a:fld id="{F04BCF61-BBED-4DC7-B344-F2E5734B06BA}" type="datetimeFigureOut">
               <a:rPr lang="ko-KR" altLang="en-US" smtClean="0"/>
-              <a:t>2023-12-10</a:t>
+              <a:t>2023-12-14</a:t>
             </a:fld>
             <a:endParaRPr lang="ko-KR" altLang="en-US"/>
           </a:p>
@@ -1819,7 +1819,7 @@
           <a:p>
             <a:fld id="{F04BCF61-BBED-4DC7-B344-F2E5734B06BA}" type="datetimeFigureOut">
               <a:rPr lang="ko-KR" altLang="en-US" smtClean="0"/>
-              <a:t>2023-12-10</a:t>
+              <a:t>2023-12-14</a:t>
             </a:fld>
             <a:endParaRPr lang="ko-KR" altLang="en-US"/>
           </a:p>
@@ -2096,7 +2096,7 @@
           <a:p>
             <a:fld id="{F04BCF61-BBED-4DC7-B344-F2E5734B06BA}" type="datetimeFigureOut">
               <a:rPr lang="ko-KR" altLang="en-US" smtClean="0"/>
-              <a:t>2023-12-10</a:t>
+              <a:t>2023-12-14</a:t>
             </a:fld>
             <a:endParaRPr lang="ko-KR" altLang="en-US"/>
           </a:p>
@@ -2353,7 +2353,7 @@
           <a:p>
             <a:fld id="{F04BCF61-BBED-4DC7-B344-F2E5734B06BA}" type="datetimeFigureOut">
               <a:rPr lang="ko-KR" altLang="en-US" smtClean="0"/>
-              <a:t>2023-12-10</a:t>
+              <a:t>2023-12-14</a:t>
             </a:fld>
             <a:endParaRPr lang="ko-KR" altLang="en-US"/>
           </a:p>
@@ -2566,7 +2566,7 @@
           <a:p>
             <a:fld id="{F04BCF61-BBED-4DC7-B344-F2E5734B06BA}" type="datetimeFigureOut">
               <a:rPr lang="ko-KR" altLang="en-US" smtClean="0"/>
-              <a:t>2023-12-10</a:t>
+              <a:t>2023-12-14</a:t>
             </a:fld>
             <a:endParaRPr lang="ko-KR" altLang="en-US"/>
           </a:p>
@@ -2973,10 +2973,10 @@
       </p:grpSpPr>
       <p:grpSp>
         <p:nvGrpSpPr>
-          <p:cNvPr id="28" name="그룹 27">
+          <p:cNvPr id="59" name="그룹 58">
             <a:extLst>
               <a:ext uri="{FF2B5EF4-FFF2-40B4-BE49-F238E27FC236}">
-                <a16:creationId xmlns:a16="http://schemas.microsoft.com/office/drawing/2014/main" id="{72FFCED2-9028-2819-E49D-2CBE36E377B0}"/>
+                <a16:creationId xmlns:a16="http://schemas.microsoft.com/office/drawing/2014/main" id="{B4FB14FB-328F-56B3-28BC-1457F9B2E6E0}"/>
               </a:ext>
             </a:extLst>
           </p:cNvPr>
@@ -2985,10 +2985,10 @@
         </p:nvGrpSpPr>
         <p:grpSpPr>
           <a:xfrm>
-            <a:off x="947420" y="122487"/>
-            <a:ext cx="4460240" cy="8912285"/>
-            <a:chOff x="375920" y="255837"/>
-            <a:chExt cx="4460240" cy="8912285"/>
+            <a:off x="793967" y="122487"/>
+            <a:ext cx="4613693" cy="9628980"/>
+            <a:chOff x="793967" y="122487"/>
+            <a:chExt cx="4613693" cy="9628980"/>
           </a:xfrm>
         </p:grpSpPr>
         <p:sp>
@@ -3005,7 +3005,7 @@
           </p:nvSpPr>
           <p:spPr>
             <a:xfrm>
-              <a:off x="520700" y="255837"/>
+              <a:off x="1092200" y="122487"/>
               <a:ext cx="1940560" cy="320040"/>
             </a:xfrm>
             <a:prstGeom prst="flowChartTerminator">
@@ -3060,10 +3060,10 @@
           </p:nvGrpSpPr>
           <p:grpSpPr>
             <a:xfrm>
-              <a:off x="398780" y="726440"/>
-              <a:ext cx="2118360" cy="1229360"/>
+              <a:off x="970280" y="593090"/>
+              <a:ext cx="2118360" cy="1790624"/>
               <a:chOff x="398780" y="1021080"/>
-              <a:chExt cx="2118360" cy="1229360"/>
+              <a:chExt cx="2118360" cy="1790624"/>
             </a:xfrm>
           </p:grpSpPr>
           <p:sp>
@@ -3080,8 +3080,8 @@
             </p:nvSpPr>
             <p:spPr>
               <a:xfrm>
-                <a:off x="398780" y="1148080"/>
-                <a:ext cx="2118360" cy="1102360"/>
+                <a:off x="398780" y="1148079"/>
+                <a:ext cx="2118360" cy="1663625"/>
               </a:xfrm>
               <a:prstGeom prst="flowChartProcess">
                 <a:avLst/>
@@ -3184,7 +3184,7 @@
           </p:nvGrpSpPr>
           <p:grpSpPr>
             <a:xfrm>
-              <a:off x="375920" y="2045970"/>
+              <a:off x="947420" y="2629315"/>
               <a:ext cx="2118360" cy="7122152"/>
               <a:chOff x="398780" y="925830"/>
               <a:chExt cx="2118360" cy="7122152"/>
@@ -3313,8 +3313,8 @@
           </p:nvSpPr>
           <p:spPr>
             <a:xfrm>
-              <a:off x="553720" y="1165860"/>
-              <a:ext cx="1874520" cy="500380"/>
+              <a:off x="793967" y="1828673"/>
+              <a:ext cx="2706268" cy="318933"/>
             </a:xfrm>
             <a:prstGeom prst="flowChartInputOutput">
               <a:avLst/>
@@ -3368,7 +3368,7 @@
           </p:nvGrpSpPr>
           <p:grpSpPr>
             <a:xfrm>
-              <a:off x="3550920" y="1068070"/>
+              <a:off x="4122420" y="1651415"/>
               <a:ext cx="1000760" cy="695960"/>
               <a:chOff x="2890520" y="924560"/>
               <a:chExt cx="1000760" cy="695960"/>
@@ -3505,13 +3505,16 @@
           </p:nvCxnSpPr>
           <p:spPr>
             <a:xfrm>
-              <a:off x="2240788" y="1416050"/>
-              <a:ext cx="1310132" cy="0"/>
+              <a:off x="3229608" y="1988140"/>
+              <a:ext cx="892812" cy="11255"/>
             </a:xfrm>
             <a:prstGeom prst="straightConnector1">
               <a:avLst/>
             </a:prstGeom>
             <a:ln w="57150">
+              <a:solidFill>
+                <a:srgbClr val="ED7D31"/>
+              </a:solidFill>
               <a:tailEnd type="triangle"/>
             </a:ln>
           </p:spPr>
@@ -3544,7 +3547,7 @@
           </p:nvSpPr>
           <p:spPr>
             <a:xfrm>
-              <a:off x="1437615" y="3327717"/>
+              <a:off x="2009115" y="3911062"/>
               <a:ext cx="858774" cy="358137"/>
             </a:xfrm>
             <a:prstGeom prst="ellipse">
@@ -3616,7 +3619,7 @@
           </p:nvCxnSpPr>
           <p:spPr>
             <a:xfrm rot="5400000">
-              <a:off x="2177308" y="1453724"/>
+              <a:off x="2748808" y="2037069"/>
               <a:ext cx="1563687" cy="2184298"/>
             </a:xfrm>
             <a:prstGeom prst="bentConnector3">
@@ -3660,7 +3663,7 @@
           </p:nvGrpSpPr>
           <p:grpSpPr>
             <a:xfrm>
-              <a:off x="3550920" y="3158806"/>
+              <a:off x="4122420" y="3742151"/>
               <a:ext cx="1000760" cy="695960"/>
               <a:chOff x="2890520" y="924560"/>
               <a:chExt cx="1000760" cy="695960"/>
@@ -3797,7 +3800,7 @@
           </p:nvCxnSpPr>
           <p:spPr>
             <a:xfrm>
-              <a:off x="2296389" y="3506786"/>
+              <a:off x="2867889" y="4090131"/>
               <a:ext cx="1254531" cy="0"/>
             </a:xfrm>
             <a:prstGeom prst="straightConnector1">
@@ -3839,7 +3842,7 @@
           </p:nvSpPr>
           <p:spPr>
             <a:xfrm>
-              <a:off x="1437614" y="3819207"/>
+              <a:off x="2009114" y="4402552"/>
               <a:ext cx="858775" cy="358137"/>
             </a:xfrm>
             <a:prstGeom prst="ellipse">
@@ -3914,7 +3917,7 @@
           </p:nvCxnSpPr>
           <p:spPr>
             <a:xfrm rot="5400000">
-              <a:off x="3102090" y="3049066"/>
+              <a:off x="3673590" y="3632411"/>
               <a:ext cx="143510" cy="1754911"/>
             </a:xfrm>
             <a:prstGeom prst="bentConnector2">
@@ -3956,7 +3959,7 @@
           </p:nvGrpSpPr>
           <p:grpSpPr>
             <a:xfrm>
-              <a:off x="3550920" y="2263143"/>
+              <a:off x="4122420" y="2846488"/>
               <a:ext cx="1000760" cy="695960"/>
               <a:chOff x="2890520" y="924560"/>
               <a:chExt cx="1000760" cy="695960"/>
@@ -4089,7 +4092,7 @@
           </p:nvSpPr>
           <p:spPr>
             <a:xfrm>
-              <a:off x="464820" y="2420616"/>
+              <a:off x="1036320" y="3003961"/>
               <a:ext cx="858774" cy="358137"/>
             </a:xfrm>
             <a:prstGeom prst="ellipse">
@@ -4158,7 +4161,7 @@
           </p:nvCxnSpPr>
           <p:spPr>
             <a:xfrm>
-              <a:off x="1323594" y="2599685"/>
+              <a:off x="1895094" y="3183030"/>
               <a:ext cx="2227326" cy="11438"/>
             </a:xfrm>
             <a:prstGeom prst="straightConnector1">
@@ -4197,7 +4200,7 @@
           </p:nvSpPr>
           <p:spPr>
             <a:xfrm>
-              <a:off x="464820" y="2826503"/>
+              <a:off x="1036320" y="3409848"/>
               <a:ext cx="858774" cy="358137"/>
             </a:xfrm>
             <a:prstGeom prst="ellipse">
@@ -4259,7 +4262,7 @@
           </p:nvCxnSpPr>
           <p:spPr>
             <a:xfrm rot="5400000">
-              <a:off x="2664213" y="1618484"/>
+              <a:off x="3235713" y="2201829"/>
               <a:ext cx="46469" cy="2727706"/>
             </a:xfrm>
             <a:prstGeom prst="bentConnector2">
@@ -4301,7 +4304,7 @@
           </p:nvSpPr>
           <p:spPr>
             <a:xfrm>
-              <a:off x="1442974" y="4277511"/>
+              <a:off x="2014474" y="4860856"/>
               <a:ext cx="858774" cy="358137"/>
             </a:xfrm>
             <a:prstGeom prst="ellipse">
@@ -4372,7 +4375,7 @@
           </p:nvGrpSpPr>
           <p:grpSpPr>
             <a:xfrm>
-              <a:off x="3550920" y="4109871"/>
+              <a:off x="4122420" y="4693216"/>
               <a:ext cx="1000760" cy="695960"/>
               <a:chOff x="2890520" y="924560"/>
               <a:chExt cx="1000760" cy="695960"/>
@@ -4509,7 +4512,7 @@
           </p:nvCxnSpPr>
           <p:spPr>
             <a:xfrm>
-              <a:off x="2296389" y="3506786"/>
+              <a:off x="2867889" y="4090131"/>
               <a:ext cx="1254531" cy="951065"/>
             </a:xfrm>
             <a:prstGeom prst="bentConnector3">
@@ -4551,7 +4554,7 @@
           </p:nvSpPr>
           <p:spPr>
             <a:xfrm>
-              <a:off x="1330807" y="4758671"/>
+              <a:off x="1902307" y="5342016"/>
               <a:ext cx="1072388" cy="358137"/>
             </a:xfrm>
             <a:prstGeom prst="ellipse">
@@ -4615,7 +4618,7 @@
           </p:nvCxnSpPr>
           <p:spPr>
             <a:xfrm rot="5400000">
-              <a:off x="3161294" y="4047733"/>
+              <a:off x="3732794" y="4631078"/>
               <a:ext cx="131909" cy="1648105"/>
             </a:xfrm>
             <a:prstGeom prst="bentConnector2">
@@ -4654,7 +4657,7 @@
           </p:nvSpPr>
           <p:spPr>
             <a:xfrm>
-              <a:off x="480060" y="5291020"/>
+              <a:off x="1051560" y="5874365"/>
               <a:ext cx="858774" cy="358137"/>
             </a:xfrm>
             <a:prstGeom prst="ellipse">
@@ -4709,7 +4712,7 @@
           </p:nvSpPr>
           <p:spPr>
             <a:xfrm>
-              <a:off x="1437614" y="5288639"/>
+              <a:off x="2009114" y="5871984"/>
               <a:ext cx="858774" cy="358137"/>
             </a:xfrm>
             <a:prstGeom prst="ellipse">
@@ -4772,7 +4775,7 @@
           </p:nvCxnSpPr>
           <p:spPr>
             <a:xfrm>
-              <a:off x="1867001" y="5116808"/>
+              <a:off x="2438501" y="5700153"/>
               <a:ext cx="0" cy="171831"/>
             </a:xfrm>
             <a:prstGeom prst="straightConnector1">
@@ -4814,7 +4817,7 @@
           </p:nvCxnSpPr>
           <p:spPr>
             <a:xfrm rot="5400000">
-              <a:off x="1301118" y="4725137"/>
+              <a:off x="1872618" y="5308482"/>
               <a:ext cx="174212" cy="957554"/>
             </a:xfrm>
             <a:prstGeom prst="bentConnector3">
@@ -4856,7 +4859,7 @@
           </p:nvCxnSpPr>
           <p:spPr>
             <a:xfrm rot="16200000" flipH="1">
-              <a:off x="532620" y="3546226"/>
+              <a:off x="1104120" y="4129571"/>
               <a:ext cx="1271940" cy="548767"/>
             </a:xfrm>
             <a:prstGeom prst="bentConnector2">
@@ -4901,7 +4904,7 @@
           </p:nvCxnSpPr>
           <p:spPr>
             <a:xfrm>
-              <a:off x="2301748" y="4456580"/>
+              <a:off x="2873248" y="5039925"/>
               <a:ext cx="1249172" cy="1271"/>
             </a:xfrm>
             <a:prstGeom prst="straightConnector1">
@@ -4943,7 +4946,7 @@
           </p:nvSpPr>
           <p:spPr>
             <a:xfrm>
-              <a:off x="962646" y="5763890"/>
+              <a:off x="1534146" y="6347235"/>
               <a:ext cx="858775" cy="358137"/>
             </a:xfrm>
             <a:prstGeom prst="ellipse">
@@ -5003,7 +5006,7 @@
           </p:nvSpPr>
           <p:spPr>
             <a:xfrm>
-              <a:off x="487680" y="6367627"/>
+              <a:off x="1059180" y="6950972"/>
               <a:ext cx="1808708" cy="309633"/>
             </a:xfrm>
             <a:prstGeom prst="flowChartProcess">
@@ -5085,7 +5088,7 @@
           </p:nvSpPr>
           <p:spPr>
             <a:xfrm>
-              <a:off x="3429000" y="5285720"/>
+              <a:off x="4000500" y="5869065"/>
               <a:ext cx="1407160" cy="921238"/>
             </a:xfrm>
             <a:prstGeom prst="rect">
@@ -5137,7 +5140,7 @@
           </p:nvCxnSpPr>
           <p:spPr>
             <a:xfrm rot="10800000" flipV="1">
-              <a:off x="962646" y="3998275"/>
+              <a:off x="1534146" y="4581620"/>
               <a:ext cx="474968" cy="1944683"/>
             </a:xfrm>
             <a:prstGeom prst="bentConnector3">
@@ -5184,7 +5187,7 @@
           </p:nvCxnSpPr>
           <p:spPr>
             <a:xfrm>
-              <a:off x="1392034" y="6122027"/>
+              <a:off x="1963534" y="6705372"/>
               <a:ext cx="0" cy="245600"/>
             </a:xfrm>
             <a:prstGeom prst="straightConnector1">
@@ -5226,7 +5229,7 @@
           </p:nvSpPr>
           <p:spPr>
             <a:xfrm>
-              <a:off x="487680" y="6777096"/>
+              <a:off x="1059180" y="7360441"/>
               <a:ext cx="1808708" cy="309633"/>
             </a:xfrm>
             <a:prstGeom prst="flowChartProcess">
@@ -5289,7 +5292,7 @@
           </p:nvCxnSpPr>
           <p:spPr>
             <a:xfrm rot="10800000" flipV="1">
-              <a:off x="487680" y="3998275"/>
+              <a:off x="1059180" y="4581620"/>
               <a:ext cx="949934" cy="2933637"/>
             </a:xfrm>
             <a:prstGeom prst="bentConnector3">
@@ -5333,7 +5336,7 @@
           </p:nvGrpSpPr>
           <p:grpSpPr>
             <a:xfrm>
-              <a:off x="3550920" y="5011884"/>
+              <a:off x="4122420" y="5595229"/>
               <a:ext cx="1148080" cy="619760"/>
               <a:chOff x="3550920" y="5547360"/>
               <a:chExt cx="1148080" cy="619760"/>
@@ -5479,7 +5482,7 @@
           </p:nvCxnSpPr>
           <p:spPr>
             <a:xfrm>
-              <a:off x="1821421" y="5942959"/>
+              <a:off x="2392921" y="6526304"/>
               <a:ext cx="1729499" cy="4647"/>
             </a:xfrm>
             <a:prstGeom prst="straightConnector1">
@@ -5521,7 +5524,7 @@
           </p:nvSpPr>
           <p:spPr>
             <a:xfrm>
-              <a:off x="3550920" y="5761666"/>
+              <a:off x="4122420" y="6345011"/>
               <a:ext cx="1148080" cy="371879"/>
             </a:xfrm>
             <a:prstGeom prst="rect">
@@ -5574,7 +5577,7 @@
           </p:nvSpPr>
           <p:spPr>
             <a:xfrm>
-              <a:off x="487680" y="7199686"/>
+              <a:off x="1059180" y="7783031"/>
               <a:ext cx="1808708" cy="309633"/>
             </a:xfrm>
             <a:prstGeom prst="flowChartProcess">
@@ -5635,7 +5638,7 @@
           </p:nvCxnSpPr>
           <p:spPr>
             <a:xfrm rot="5400000">
-              <a:off x="2600195" y="5829738"/>
+              <a:off x="3171695" y="6413083"/>
               <a:ext cx="1220958" cy="1828572"/>
             </a:xfrm>
             <a:prstGeom prst="bentConnector2">
@@ -5645,48 +5648,6 @@
               <a:solidFill>
                 <a:srgbClr val="A5A5A5"/>
               </a:solidFill>
-              <a:tailEnd type="triangle"/>
-            </a:ln>
-          </p:spPr>
-          <p:style>
-            <a:lnRef idx="1">
-              <a:schemeClr val="accent1"/>
-            </a:lnRef>
-            <a:fillRef idx="0">
-              <a:schemeClr val="accent1"/>
-            </a:fillRef>
-            <a:effectRef idx="0">
-              <a:schemeClr val="accent1"/>
-            </a:effectRef>
-            <a:fontRef idx="minor">
-              <a:schemeClr val="tx1"/>
-            </a:fontRef>
-          </p:style>
-        </p:cxnSp>
-        <p:cxnSp>
-          <p:nvCxnSpPr>
-            <p:cNvPr id="22" name="직선 화살표 연결선 21">
-              <a:extLst>
-                <a:ext uri="{FF2B5EF4-FFF2-40B4-BE49-F238E27FC236}">
-                  <a16:creationId xmlns:a16="http://schemas.microsoft.com/office/drawing/2014/main" id="{EEFB2E75-E907-0BD4-6F17-EBCAF10A0CFC}"/>
-                </a:ext>
-              </a:extLst>
-            </p:cNvPr>
-            <p:cNvCxnSpPr>
-              <a:stCxn id="4" idx="2"/>
-              <a:endCxn id="11" idx="1"/>
-            </p:cNvCxnSpPr>
-            <p:nvPr/>
-          </p:nvCxnSpPr>
-          <p:spPr>
-            <a:xfrm>
-              <a:off x="1490980" y="575877"/>
-              <a:ext cx="0" cy="589983"/>
-            </a:xfrm>
-            <a:prstGeom prst="straightConnector1">
-              <a:avLst/>
-            </a:prstGeom>
-            <a:ln w="57150">
               <a:tailEnd type="triangle"/>
             </a:ln>
           </p:spPr>
@@ -5719,7 +5680,7 @@
           </p:nvSpPr>
           <p:spPr>
             <a:xfrm>
-              <a:off x="480060" y="7613528"/>
+              <a:off x="1051560" y="8196873"/>
               <a:ext cx="1808708" cy="309633"/>
             </a:xfrm>
             <a:prstGeom prst="flowChartProcess">
@@ -5774,7 +5735,7 @@
           </p:nvSpPr>
           <p:spPr>
             <a:xfrm>
-              <a:off x="480060" y="8164485"/>
+              <a:off x="1051560" y="8747830"/>
               <a:ext cx="1808708" cy="941415"/>
             </a:xfrm>
             <a:prstGeom prst="flowChartProcess">
@@ -5831,7 +5792,7 @@
           </p:nvCxnSpPr>
           <p:spPr>
             <a:xfrm>
-              <a:off x="1384414" y="7923161"/>
+              <a:off x="1955914" y="8506506"/>
               <a:ext cx="0" cy="241324"/>
             </a:xfrm>
             <a:prstGeom prst="straightConnector1">
@@ -5873,7 +5834,7 @@
           </p:nvSpPr>
           <p:spPr>
             <a:xfrm>
-              <a:off x="590784" y="8416656"/>
+              <a:off x="1162284" y="9000001"/>
               <a:ext cx="1587260" cy="634443"/>
             </a:xfrm>
             <a:prstGeom prst="flowChartProcess">
@@ -5928,7 +5889,7 @@
           </p:nvSpPr>
           <p:spPr>
             <a:xfrm>
-              <a:off x="669406" y="8644157"/>
+              <a:off x="1240906" y="9227502"/>
               <a:ext cx="1426093" cy="362683"/>
             </a:xfrm>
             <a:prstGeom prst="flowChartProcess">
@@ -5985,7 +5946,7 @@
           </p:nvCxnSpPr>
           <p:spPr>
             <a:xfrm flipV="1">
-              <a:off x="2178044" y="1416050"/>
+              <a:off x="2749544" y="1999395"/>
               <a:ext cx="2373636" cy="7317828"/>
             </a:xfrm>
             <a:prstGeom prst="bentConnector3">
@@ -5997,6 +5958,280 @@
               <a:solidFill>
                 <a:srgbClr val="70AD47"/>
               </a:solidFill>
+              <a:tailEnd type="triangle"/>
+            </a:ln>
+          </p:spPr>
+          <p:style>
+            <a:lnRef idx="1">
+              <a:schemeClr val="accent1"/>
+            </a:lnRef>
+            <a:fillRef idx="0">
+              <a:schemeClr val="accent1"/>
+            </a:fillRef>
+            <a:effectRef idx="0">
+              <a:schemeClr val="accent1"/>
+            </a:effectRef>
+            <a:fontRef idx="minor">
+              <a:schemeClr val="tx1"/>
+            </a:fontRef>
+          </p:style>
+        </p:cxnSp>
+        <p:cxnSp>
+          <p:nvCxnSpPr>
+            <p:cNvPr id="3" name="연결선: 꺾임 2">
+              <a:extLst>
+                <a:ext uri="{FF2B5EF4-FFF2-40B4-BE49-F238E27FC236}">
+                  <a16:creationId xmlns:a16="http://schemas.microsoft.com/office/drawing/2014/main" id="{9AD3EFD3-CD0A-AC3D-D1D5-3804A8D800C1}"/>
+                </a:ext>
+              </a:extLst>
+            </p:cNvPr>
+            <p:cNvCxnSpPr>
+              <a:cxnSpLocks/>
+              <a:stCxn id="4" idx="1"/>
+              <a:endCxn id="11" idx="2"/>
+            </p:cNvCxnSpPr>
+            <p:nvPr/>
+          </p:nvCxnSpPr>
+          <p:spPr>
+            <a:xfrm rot="10800000" flipV="1">
+              <a:off x="1064594" y="282506"/>
+              <a:ext cx="27606" cy="1705633"/>
+            </a:xfrm>
+            <a:prstGeom prst="bentConnector3">
+              <a:avLst>
+                <a:gd name="adj1" fmla="val 1908400"/>
+              </a:avLst>
+            </a:prstGeom>
+            <a:ln w="38100">
+              <a:tailEnd type="triangle"/>
+            </a:ln>
+          </p:spPr>
+          <p:style>
+            <a:lnRef idx="1">
+              <a:schemeClr val="accent1"/>
+            </a:lnRef>
+            <a:fillRef idx="0">
+              <a:schemeClr val="accent1"/>
+            </a:fillRef>
+            <a:effectRef idx="0">
+              <a:schemeClr val="accent1"/>
+            </a:effectRef>
+            <a:fontRef idx="minor">
+              <a:schemeClr val="tx1"/>
+            </a:fontRef>
+          </p:style>
+        </p:cxnSp>
+        <p:grpSp>
+          <p:nvGrpSpPr>
+            <p:cNvPr id="43" name="그룹 42">
+              <a:extLst>
+                <a:ext uri="{FF2B5EF4-FFF2-40B4-BE49-F238E27FC236}">
+                  <a16:creationId xmlns:a16="http://schemas.microsoft.com/office/drawing/2014/main" id="{FEC4339D-AE24-F6BD-0137-B74D79A7C4F7}"/>
+                </a:ext>
+              </a:extLst>
+            </p:cNvPr>
+            <p:cNvGrpSpPr/>
+            <p:nvPr/>
+          </p:nvGrpSpPr>
+          <p:grpSpPr>
+            <a:xfrm>
+              <a:off x="4122420" y="840595"/>
+              <a:ext cx="1000760" cy="695960"/>
+              <a:chOff x="2890520" y="924560"/>
+              <a:chExt cx="1000760" cy="695960"/>
+            </a:xfrm>
+          </p:grpSpPr>
+          <p:sp>
+            <p:nvSpPr>
+              <p:cNvPr id="44" name="직사각형 43">
+                <a:extLst>
+                  <a:ext uri="{FF2B5EF4-FFF2-40B4-BE49-F238E27FC236}">
+                    <a16:creationId xmlns:a16="http://schemas.microsoft.com/office/drawing/2014/main" id="{D728EBA7-34F6-29E4-BAC5-E4422A8ABDEF}"/>
+                  </a:ext>
+                </a:extLst>
+              </p:cNvPr>
+              <p:cNvSpPr/>
+              <p:nvPr/>
+            </p:nvSpPr>
+            <p:spPr>
+              <a:xfrm>
+                <a:off x="2890520" y="924560"/>
+                <a:ext cx="1000760" cy="695960"/>
+              </a:xfrm>
+              <a:prstGeom prst="rect">
+                <a:avLst/>
+              </a:prstGeom>
+            </p:spPr>
+            <p:style>
+              <a:lnRef idx="2">
+                <a:schemeClr val="accent1">
+                  <a:shade val="15000"/>
+                </a:schemeClr>
+              </a:lnRef>
+              <a:fillRef idx="1">
+                <a:schemeClr val="accent1"/>
+              </a:fillRef>
+              <a:effectRef idx="0">
+                <a:schemeClr val="accent1"/>
+              </a:effectRef>
+              <a:fontRef idx="minor">
+                <a:schemeClr val="lt1"/>
+              </a:fontRef>
+            </p:style>
+            <p:txBody>
+              <a:bodyPr wrap="none" rtlCol="0" anchor="ctr">
+                <a:normAutofit/>
+              </a:bodyPr>
+              <a:lstStyle/>
+              <a:p>
+                <a:pPr algn="r"/>
+                <a:r>
+                  <a:rPr lang="en-US" altLang="ko-KR" dirty="0">
+                    <a:solidFill>
+                      <a:schemeClr val="tx1"/>
+                    </a:solidFill>
+                  </a:rPr>
+                  <a:t>API</a:t>
+                </a:r>
+                <a:endParaRPr lang="ko-KR" altLang="en-US" dirty="0">
+                  <a:solidFill>
+                    <a:schemeClr val="tx1"/>
+                  </a:solidFill>
+                </a:endParaRPr>
+              </a:p>
+            </p:txBody>
+          </p:sp>
+          <p:pic>
+            <p:nvPicPr>
+              <p:cNvPr id="45" name="그림 44">
+                <a:extLst>
+                  <a:ext uri="{FF2B5EF4-FFF2-40B4-BE49-F238E27FC236}">
+                    <a16:creationId xmlns:a16="http://schemas.microsoft.com/office/drawing/2014/main" id="{D72752DE-B194-0D68-019D-E57B75C49124}"/>
+                  </a:ext>
+                </a:extLst>
+              </p:cNvPr>
+              <p:cNvPicPr>
+                <a:picLocks noChangeAspect="1"/>
+              </p:cNvPicPr>
+              <p:nvPr/>
+            </p:nvPicPr>
+            <p:blipFill>
+              <a:blip r:embed="rId2">
+                <a:extLst>
+                  <a:ext uri="{28A0092B-C50C-407E-A947-70E740481C1C}">
+                    <a14:useLocalDpi xmlns:a14="http://schemas.microsoft.com/office/drawing/2010/main" val="0"/>
+                  </a:ext>
+                </a:extLst>
+              </a:blip>
+              <a:stretch>
+                <a:fillRect/>
+              </a:stretch>
+            </p:blipFill>
+            <p:spPr>
+              <a:xfrm>
+                <a:off x="2951734" y="970787"/>
+                <a:ext cx="477266" cy="576321"/>
+              </a:xfrm>
+              <a:prstGeom prst="rect">
+                <a:avLst/>
+              </a:prstGeom>
+            </p:spPr>
+            <p:style>
+              <a:lnRef idx="2">
+                <a:schemeClr val="accent1">
+                  <a:shade val="15000"/>
+                </a:schemeClr>
+              </a:lnRef>
+              <a:fillRef idx="1">
+                <a:schemeClr val="accent1"/>
+              </a:fillRef>
+              <a:effectRef idx="0">
+                <a:schemeClr val="accent1"/>
+              </a:effectRef>
+              <a:fontRef idx="minor">
+                <a:schemeClr val="lt1"/>
+              </a:fontRef>
+            </p:style>
+          </p:pic>
+        </p:grpSp>
+        <p:sp>
+          <p:nvSpPr>
+            <p:cNvPr id="48" name="직사각형 47">
+              <a:extLst>
+                <a:ext uri="{FF2B5EF4-FFF2-40B4-BE49-F238E27FC236}">
+                  <a16:creationId xmlns:a16="http://schemas.microsoft.com/office/drawing/2014/main" id="{8E87D965-E8DE-1D40-669B-C1544BC9A3AD}"/>
+                </a:ext>
+              </a:extLst>
+            </p:cNvPr>
+            <p:cNvSpPr/>
+            <p:nvPr/>
+          </p:nvSpPr>
+          <p:spPr>
+            <a:xfrm>
+              <a:off x="1059181" y="930951"/>
+              <a:ext cx="1973579" cy="524794"/>
+            </a:xfrm>
+            <a:prstGeom prst="rect">
+              <a:avLst/>
+            </a:prstGeom>
+          </p:spPr>
+          <p:style>
+            <a:lnRef idx="2">
+              <a:schemeClr val="accent1">
+                <a:shade val="15000"/>
+              </a:schemeClr>
+            </a:lnRef>
+            <a:fillRef idx="1">
+              <a:schemeClr val="accent1"/>
+            </a:fillRef>
+            <a:effectRef idx="0">
+              <a:schemeClr val="accent1"/>
+            </a:effectRef>
+            <a:fontRef idx="minor">
+              <a:schemeClr val="lt1"/>
+            </a:fontRef>
+          </p:style>
+          <p:txBody>
+            <a:bodyPr rtlCol="0" anchor="ctr"/>
+            <a:lstStyle/>
+            <a:p>
+              <a:pPr algn="ctr"/>
+              <a:r>
+                <a:rPr lang="ko-KR" altLang="en-US" sz="1400" dirty="0">
+                  <a:solidFill>
+                    <a:sysClr val="windowText" lastClr="000000"/>
+                  </a:solidFill>
+                </a:rPr>
+                <a:t>금주의 무료 캐릭터 표시</a:t>
+              </a:r>
+            </a:p>
+          </p:txBody>
+        </p:sp>
+        <p:cxnSp>
+          <p:nvCxnSpPr>
+            <p:cNvPr id="51" name="직선 화살표 연결선 50">
+              <a:extLst>
+                <a:ext uri="{FF2B5EF4-FFF2-40B4-BE49-F238E27FC236}">
+                  <a16:creationId xmlns:a16="http://schemas.microsoft.com/office/drawing/2014/main" id="{90D5F516-9E1C-5717-0412-1A8BD1EFD8FD}"/>
+                </a:ext>
+              </a:extLst>
+            </p:cNvPr>
+            <p:cNvCxnSpPr>
+              <a:cxnSpLocks/>
+              <a:stCxn id="44" idx="1"/>
+              <a:endCxn id="48" idx="3"/>
+            </p:cNvCxnSpPr>
+            <p:nvPr/>
+          </p:nvCxnSpPr>
+          <p:spPr>
+            <a:xfrm flipH="1">
+              <a:off x="3032760" y="1188575"/>
+              <a:ext cx="1089660" cy="4773"/>
+            </a:xfrm>
+            <a:prstGeom prst="straightConnector1">
+              <a:avLst/>
+            </a:prstGeom>
+            <a:ln w="38100">
               <a:tailEnd type="triangle"/>
             </a:ln>
           </p:spPr>
